--- a/Entrega_2/00.REPORTE/Reporte_Grupo5_completo.pptx
+++ b/Entrega_2/00.REPORTE/Reporte_Grupo5_completo.pptx
@@ -5,7 +5,7 @@
     <p:sldMasterId id="2147483648" r:id="rId1"/>
   </p:sldMasterIdLst>
   <p:notesMasterIdLst>
-    <p:notesMasterId r:id="rId22"/>
+    <p:notesMasterId r:id="rId21"/>
   </p:notesMasterIdLst>
   <p:sldIdLst>
     <p:sldId id="285" r:id="rId2"/>
@@ -23,36 +23,35 @@
     <p:sldId id="302" r:id="rId14"/>
     <p:sldId id="303" r:id="rId15"/>
     <p:sldId id="304" r:id="rId16"/>
-    <p:sldId id="295" r:id="rId17"/>
-    <p:sldId id="305" r:id="rId18"/>
-    <p:sldId id="306" r:id="rId19"/>
-    <p:sldId id="307" r:id="rId20"/>
-    <p:sldId id="308" r:id="rId21"/>
+    <p:sldId id="305" r:id="rId17"/>
+    <p:sldId id="306" r:id="rId18"/>
+    <p:sldId id="307" r:id="rId19"/>
+    <p:sldId id="308" r:id="rId20"/>
   </p:sldIdLst>
   <p:sldSz cx="9144000" cy="5143500" type="screen16x9"/>
   <p:notesSz cx="6858000" cy="9144000"/>
   <p:embeddedFontLst>
     <p:embeddedFont>
       <p:font typeface="Arial Black" panose="020B0A04020102020204" pitchFamily="34" charset="0"/>
-      <p:bold r:id="rId23"/>
+      <p:bold r:id="rId22"/>
     </p:embeddedFont>
     <p:embeddedFont>
       <p:font typeface="Libre Franklin" pitchFamily="2" charset="0"/>
-      <p:regular r:id="rId24"/>
-      <p:bold r:id="rId25"/>
-      <p:italic r:id="rId26"/>
-      <p:boldItalic r:id="rId27"/>
+      <p:regular r:id="rId23"/>
+      <p:bold r:id="rId24"/>
+      <p:italic r:id="rId25"/>
+      <p:boldItalic r:id="rId26"/>
     </p:embeddedFont>
     <p:embeddedFont>
       <p:font typeface="Lucida Console" panose="020B0609040504020204" pitchFamily="49" charset="0"/>
-      <p:regular r:id="rId28"/>
+      <p:regular r:id="rId27"/>
     </p:embeddedFont>
     <p:embeddedFont>
       <p:font typeface="Roboto" panose="02000000000000000000" pitchFamily="2" charset="0"/>
-      <p:regular r:id="rId29"/>
-      <p:bold r:id="rId30"/>
-      <p:italic r:id="rId31"/>
-      <p:boldItalic r:id="rId32"/>
+      <p:regular r:id="rId28"/>
+      <p:bold r:id="rId29"/>
+      <p:italic r:id="rId30"/>
+      <p:boldItalic r:id="rId31"/>
     </p:embeddedFont>
   </p:embeddedFontLst>
   <p:defaultTextStyle>
@@ -303,7 +302,7 @@
   <p1510:revLst>
     <p1510:client id="{35C41C9F-06CD-AC74-6477-F8232BBF759E}" v="2" dt="2025-12-17T13:41:34.324"/>
     <p1510:client id="{645232EF-6BE0-7D9C-D649-EBE87B436A34}" v="53" dt="2025-12-17T18:21:43.261"/>
-    <p1510:client id="{AC4E863C-43BC-CBF1-6B4E-1612649140EB}" v="133" dt="2025-12-17T19:14:54.997"/>
+    <p1510:client id="{AC4E863C-43BC-CBF1-6B4E-1612649140EB}" v="220" dt="2025-12-17T19:24:25.190"/>
   </p1510:revLst>
 </p1510:revInfo>
 </file>
@@ -337,7 +336,7 @@
   <pc:docChgLst>
     <pc:chgData name="Siling G" userId="c2e56b80bdc69756" providerId="Windows Live" clId="Web-{AC4E863C-43BC-CBF1-6B4E-1612649140EB}"/>
     <pc:docChg chg="addSld delSld modSld">
-      <pc:chgData name="Siling G" userId="c2e56b80bdc69756" providerId="Windows Live" clId="Web-{AC4E863C-43BC-CBF1-6B4E-1612649140EB}" dt="2025-12-17T19:14:54.997" v="240" actId="1076"/>
+      <pc:chgData name="Siling G" userId="c2e56b80bdc69756" providerId="Windows Live" clId="Web-{AC4E863C-43BC-CBF1-6B4E-1612649140EB}" dt="2025-12-17T19:24:25.190" v="282"/>
       <pc:docMkLst>
         <pc:docMk/>
       </pc:docMkLst>
@@ -348,18 +347,69 @@
           <pc:sldMk cId="0" sldId="272"/>
         </pc:sldMkLst>
       </pc:sldChg>
-      <pc:sldChg chg="modSp">
-        <pc:chgData name="Siling G" userId="c2e56b80bdc69756" providerId="Windows Live" clId="Web-{AC4E863C-43BC-CBF1-6B4E-1612649140EB}" dt="2025-12-17T19:14:36.387" v="237" actId="1076"/>
+      <pc:sldChg chg="modSp mod modShow">
+        <pc:chgData name="Siling G" userId="c2e56b80bdc69756" providerId="Windows Live" clId="Web-{AC4E863C-43BC-CBF1-6B4E-1612649140EB}" dt="2025-12-17T19:24:15.641" v="281" actId="1076"/>
         <pc:sldMkLst>
           <pc:docMk/>
           <pc:sldMk cId="0" sldId="275"/>
         </pc:sldMkLst>
         <pc:spChg chg="mod">
-          <ac:chgData name="Siling G" userId="c2e56b80bdc69756" providerId="Windows Live" clId="Web-{AC4E863C-43BC-CBF1-6B4E-1612649140EB}" dt="2025-12-17T19:14:36.387" v="237" actId="1076"/>
+          <ac:chgData name="Siling G" userId="c2e56b80bdc69756" providerId="Windows Live" clId="Web-{AC4E863C-43BC-CBF1-6B4E-1612649140EB}" dt="2025-12-17T19:24:15.641" v="281" actId="1076"/>
           <ac:spMkLst>
             <pc:docMk/>
             <pc:sldMk cId="0" sldId="275"/>
             <ac:spMk id="633" creationId="{00000000-0000-0000-0000-000000000000}"/>
+          </ac:spMkLst>
+        </pc:spChg>
+      </pc:sldChg>
+      <pc:sldChg chg="mod modShow">
+        <pc:chgData name="Siling G" userId="c2e56b80bdc69756" providerId="Windows Live" clId="Web-{AC4E863C-43BC-CBF1-6B4E-1612649140EB}" dt="2025-12-17T19:24:25.190" v="282"/>
+        <pc:sldMkLst>
+          <pc:docMk/>
+          <pc:sldMk cId="0" sldId="281"/>
+        </pc:sldMkLst>
+      </pc:sldChg>
+      <pc:sldChg chg="mod modShow">
+        <pc:chgData name="Siling G" userId="c2e56b80bdc69756" providerId="Windows Live" clId="Web-{AC4E863C-43BC-CBF1-6B4E-1612649140EB}" dt="2025-12-17T19:24:08.999" v="280"/>
+        <pc:sldMkLst>
+          <pc:docMk/>
+          <pc:sldMk cId="0" sldId="291"/>
+        </pc:sldMkLst>
+      </pc:sldChg>
+      <pc:sldChg chg="del">
+        <pc:chgData name="Siling G" userId="c2e56b80bdc69756" providerId="Windows Live" clId="Web-{AC4E863C-43BC-CBF1-6B4E-1612649140EB}" dt="2025-12-17T19:23:39.681" v="278"/>
+        <pc:sldMkLst>
+          <pc:docMk/>
+          <pc:sldMk cId="0" sldId="295"/>
+        </pc:sldMkLst>
+      </pc:sldChg>
+      <pc:sldChg chg="modSp">
+        <pc:chgData name="Siling G" userId="c2e56b80bdc69756" providerId="Windows Live" clId="Web-{AC4E863C-43BC-CBF1-6B4E-1612649140EB}" dt="2025-12-17T19:23:32.820" v="277" actId="20577"/>
+        <pc:sldMkLst>
+          <pc:docMk/>
+          <pc:sldMk cId="1474104658" sldId="302"/>
+        </pc:sldMkLst>
+        <pc:spChg chg="mod">
+          <ac:chgData name="Siling G" userId="c2e56b80bdc69756" providerId="Windows Live" clId="Web-{AC4E863C-43BC-CBF1-6B4E-1612649140EB}" dt="2025-12-17T19:23:32.820" v="277" actId="20577"/>
+          <ac:spMkLst>
+            <pc:docMk/>
+            <pc:sldMk cId="1474104658" sldId="302"/>
+            <ac:spMk id="5" creationId="{00000000-0000-0000-0000-000000000000}"/>
+          </ac:spMkLst>
+        </pc:spChg>
+      </pc:sldChg>
+      <pc:sldChg chg="modSp">
+        <pc:chgData name="Siling G" userId="c2e56b80bdc69756" providerId="Windows Live" clId="Web-{AC4E863C-43BC-CBF1-6B4E-1612649140EB}" dt="2025-12-17T19:23:07.096" v="273" actId="20577"/>
+        <pc:sldMkLst>
+          <pc:docMk/>
+          <pc:sldMk cId="2309209517" sldId="304"/>
+        </pc:sldMkLst>
+        <pc:spChg chg="mod">
+          <ac:chgData name="Siling G" userId="c2e56b80bdc69756" providerId="Windows Live" clId="Web-{AC4E863C-43BC-CBF1-6B4E-1612649140EB}" dt="2025-12-17T19:23:07.096" v="273" actId="20577"/>
+          <ac:spMkLst>
+            <pc:docMk/>
+            <pc:sldMk cId="2309209517" sldId="304"/>
+            <ac:spMk id="4" creationId="{00000000-0000-0000-0000-000000000000}"/>
           </ac:spMkLst>
         </pc:spChg>
       </pc:sldChg>
@@ -21562,7 +21612,7 @@
           <a:noFill/>
         </p:spPr>
         <p:txBody>
-          <a:bodyPr wrap="square">
+          <a:bodyPr wrap="square" lIns="91440" tIns="45720" rIns="91440" bIns="45720" anchor="t">
             <a:spAutoFit/>
           </a:bodyPr>
           <a:lstStyle/>
@@ -21577,7 +21627,7 @@
             </a:pPr>
             <a:r>
               <a:rPr lang="es-ES" dirty="0"/>
-              <a:t>Data completo.                 Métricas no destacables.</a:t>
+              <a:t>Data completo.                  Métricas no destacables.</a:t>
             </a:r>
           </a:p>
           <a:p>
@@ -21675,7 +21725,7 @@
             </a:pPr>
             <a:r>
               <a:rPr lang="es-ES" dirty="0"/>
-              <a:t>FAMD                   Mucho </a:t>
+              <a:t>FAMD                    Mucho </a:t>
             </a:r>
             <a:r>
               <a:rPr lang="es-ES" dirty="0" err="1"/>
@@ -21697,7 +21747,7 @@
             </a:pPr>
             <a:r>
               <a:rPr lang="es-ES" dirty="0"/>
-              <a:t>Balanceo de datos                    Peores que sin </a:t>
+              <a:t>Balanceo de datos                     Peores que sin </a:t>
             </a:r>
             <a:r>
               <a:rPr lang="es-ES" dirty="0" err="1"/>
@@ -22464,7 +22514,7 @@
           <a:noFill/>
         </p:spPr>
         <p:txBody>
-          <a:bodyPr wrap="square">
+          <a:bodyPr wrap="square" lIns="91440" tIns="45720" rIns="91440" bIns="45720" anchor="t">
             <a:spAutoFit/>
           </a:bodyPr>
           <a:lstStyle/>
@@ -22511,7 +22561,7 @@
             </a:r>
             <a:r>
               <a:rPr lang="es-ES" dirty="0"/>
-              <a:t>.              No </a:t>
+              <a:t>.             No </a:t>
             </a:r>
             <a:r>
               <a:rPr lang="es-ES" dirty="0" err="1"/>
@@ -22546,7 +22596,7 @@
             </a:r>
             <a:r>
               <a:rPr lang="es-ES" b="1" dirty="0"/>
-              <a:t>.              Ligero aumento en </a:t>
+              <a:t>.             Ligero aumento en </a:t>
             </a:r>
             <a:r>
               <a:rPr lang="es-ES" b="1" dirty="0" err="1"/>
@@ -22576,7 +22626,7 @@
             </a:r>
             <a:r>
               <a:rPr lang="es-ES" dirty="0"/>
-              <a:t>               Peor</a:t>
+              <a:t>               Peor</a:t>
             </a:r>
           </a:p>
           <a:p>
@@ -22590,7 +22640,7 @@
             </a:pPr>
             <a:r>
               <a:rPr lang="es-ES" dirty="0"/>
-              <a:t>Data reducido                 Mejores resultados.</a:t>
+              <a:t>Data reducido                Mejores resultados.</a:t>
             </a:r>
           </a:p>
           <a:p>
@@ -22604,7 +22654,7 @@
             </a:pPr>
             <a:r>
               <a:rPr lang="es-ES" dirty="0"/>
-              <a:t>Balance               F1 MUUUUUY bajo</a:t>
+              <a:t>Balance               F1 MUUUUUY bajo</a:t>
             </a:r>
           </a:p>
           <a:p>
@@ -22630,7 +22680,7 @@
             </a:r>
             <a:r>
               <a:rPr lang="es-ES" dirty="0"/>
-              <a:t> de las variables categóricas.               No afecta en las métricas.</a:t>
+              <a:t> de las variables categóricas.               No afecta en las métricas.</a:t>
             </a:r>
           </a:p>
           <a:p>
@@ -23039,286 +23089,6 @@
           <a:chExt cx="0" cy="0"/>
         </a:xfrm>
       </p:grpSpPr>
-      <p:pic>
-        <p:nvPicPr>
-          <p:cNvPr id="4" name="Imatge 3">
-            <a:extLst>
-              <a:ext uri="{FF2B5EF4-FFF2-40B4-BE49-F238E27FC236}">
-                <a16:creationId xmlns:a16="http://schemas.microsoft.com/office/drawing/2014/main" id="{FD18AD5A-A558-46E8-B520-4851F6DA7AC5}"/>
-              </a:ext>
-            </a:extLst>
-          </p:cNvPr>
-          <p:cNvPicPr>
-            <a:picLocks noChangeAspect="1"/>
-          </p:cNvPicPr>
-          <p:nvPr/>
-        </p:nvPicPr>
-        <p:blipFill>
-          <a:blip r:embed="rId2"/>
-          <a:stretch>
-            <a:fillRect/>
-          </a:stretch>
-        </p:blipFill>
-        <p:spPr>
-          <a:xfrm>
-            <a:off x="628245" y="2331145"/>
-            <a:ext cx="3942525" cy="1853949"/>
-          </a:xfrm>
-          <a:prstGeom prst="rect">
-            <a:avLst/>
-          </a:prstGeom>
-        </p:spPr>
-      </p:pic>
-      <p:sp>
-        <p:nvSpPr>
-          <p:cNvPr id="5" name="CuadroTexto 1">
-            <a:extLst>
-              <a:ext uri="{FF2B5EF4-FFF2-40B4-BE49-F238E27FC236}">
-                <a16:creationId xmlns:a16="http://schemas.microsoft.com/office/drawing/2014/main" id="{0E5ACF7D-A8A8-4ECF-A0B3-997DFB48CE1F}"/>
-              </a:ext>
-            </a:extLst>
-          </p:cNvPr>
-          <p:cNvSpPr txBox="1"/>
-          <p:nvPr/>
-        </p:nvSpPr>
-        <p:spPr>
-          <a:xfrm>
-            <a:off x="6487122" y="816165"/>
-            <a:ext cx="1404295" cy="307777"/>
-          </a:xfrm>
-          <a:prstGeom prst="rect">
-            <a:avLst/>
-          </a:prstGeom>
-          <a:noFill/>
-        </p:spPr>
-        <p:txBody>
-          <a:bodyPr wrap="square" rtlCol="0">
-            <a:spAutoFit/>
-          </a:bodyPr>
-          <a:lstStyle/>
-          <a:p>
-            <a:pPr algn="just"/>
-            <a:r>
-              <a:rPr lang="es-ES" b="1" dirty="0"/>
-              <a:t>GLM </a:t>
-            </a:r>
-            <a:r>
-              <a:rPr lang="es-ES" b="1" dirty="0" err="1"/>
-              <a:t>Boostrap</a:t>
-            </a:r>
-            <a:endParaRPr lang="es-ES" b="1" dirty="0"/>
-          </a:p>
-        </p:txBody>
-      </p:sp>
-      <p:sp>
-        <p:nvSpPr>
-          <p:cNvPr id="6" name="CuadroTexto 1">
-            <a:extLst>
-              <a:ext uri="{FF2B5EF4-FFF2-40B4-BE49-F238E27FC236}">
-                <a16:creationId xmlns:a16="http://schemas.microsoft.com/office/drawing/2014/main" id="{0F507262-0434-4F81-B071-7689150C6818}"/>
-              </a:ext>
-            </a:extLst>
-          </p:cNvPr>
-          <p:cNvSpPr txBox="1"/>
-          <p:nvPr/>
-        </p:nvSpPr>
-        <p:spPr>
-          <a:xfrm>
-            <a:off x="230777" y="816166"/>
-            <a:ext cx="4737463" cy="307777"/>
-          </a:xfrm>
-          <a:prstGeom prst="rect">
-            <a:avLst/>
-          </a:prstGeom>
-          <a:noFill/>
-        </p:spPr>
-        <p:txBody>
-          <a:bodyPr wrap="square" rtlCol="0">
-            <a:spAutoFit/>
-          </a:bodyPr>
-          <a:lstStyle/>
-          <a:p>
-            <a:pPr algn="ctr"/>
-            <a:r>
-              <a:rPr lang="es-ES" b="1" dirty="0"/>
-              <a:t>GLM </a:t>
-            </a:r>
-            <a:r>
-              <a:rPr lang="es-ES" b="1" dirty="0" err="1"/>
-              <a:t>feat</a:t>
-            </a:r>
-            <a:r>
-              <a:rPr lang="es-ES" b="1" dirty="0"/>
-              <a:t>. </a:t>
-            </a:r>
-            <a:r>
-              <a:rPr lang="es-ES" b="1" dirty="0" err="1"/>
-              <a:t>Engineering</a:t>
-            </a:r>
-            <a:r>
-              <a:rPr lang="es-ES" b="1" dirty="0"/>
-              <a:t>:</a:t>
-            </a:r>
-          </a:p>
-        </p:txBody>
-      </p:sp>
-      <p:cxnSp>
-        <p:nvCxnSpPr>
-          <p:cNvPr id="9" name="Straight Connector 8">
-            <a:extLst>
-              <a:ext uri="{FF2B5EF4-FFF2-40B4-BE49-F238E27FC236}">
-                <a16:creationId xmlns:a16="http://schemas.microsoft.com/office/drawing/2014/main" id="{8263F184-9316-D009-6877-F53CDBF24F55}"/>
-              </a:ext>
-            </a:extLst>
-          </p:cNvPr>
-          <p:cNvCxnSpPr>
-            <a:cxnSpLocks/>
-          </p:cNvCxnSpPr>
-          <p:nvPr/>
-        </p:nvCxnSpPr>
-        <p:spPr>
-          <a:xfrm>
-            <a:off x="4968240" y="365760"/>
-            <a:ext cx="0" cy="4777740"/>
-          </a:xfrm>
-          <a:prstGeom prst="line">
-            <a:avLst/>
-          </a:prstGeom>
-        </p:spPr>
-        <p:style>
-          <a:lnRef idx="1">
-            <a:schemeClr val="accent1"/>
-          </a:lnRef>
-          <a:fillRef idx="0">
-            <a:schemeClr val="accent1"/>
-          </a:fillRef>
-          <a:effectRef idx="0">
-            <a:schemeClr val="accent1"/>
-          </a:effectRef>
-          <a:fontRef idx="minor">
-            <a:schemeClr val="tx1"/>
-          </a:fontRef>
-        </p:style>
-      </p:cxnSp>
-      <p:sp>
-        <p:nvSpPr>
-          <p:cNvPr id="13" name="Rounded Rectangle 12">
-            <a:extLst>
-              <a:ext uri="{FF2B5EF4-FFF2-40B4-BE49-F238E27FC236}">
-                <a16:creationId xmlns:a16="http://schemas.microsoft.com/office/drawing/2014/main" id="{B2617394-827B-86A0-0A29-8DC6DD1BDA78}"/>
-              </a:ext>
-            </a:extLst>
-          </p:cNvPr>
-          <p:cNvSpPr/>
-          <p:nvPr/>
-        </p:nvSpPr>
-        <p:spPr>
-          <a:xfrm>
-            <a:off x="230777" y="1300824"/>
-            <a:ext cx="4511018" cy="853440"/>
-          </a:xfrm>
-          <a:prstGeom prst="roundRect">
-            <a:avLst/>
-          </a:prstGeom>
-        </p:spPr>
-        <p:style>
-          <a:lnRef idx="2">
-            <a:schemeClr val="accent1">
-              <a:shade val="15000"/>
-            </a:schemeClr>
-          </a:lnRef>
-          <a:fillRef idx="1">
-            <a:schemeClr val="accent1"/>
-          </a:fillRef>
-          <a:effectRef idx="0">
-            <a:schemeClr val="accent1"/>
-          </a:effectRef>
-          <a:fontRef idx="minor">
-            <a:schemeClr val="lt1"/>
-          </a:fontRef>
-        </p:style>
-        <p:txBody>
-          <a:bodyPr rtlCol="0" anchor="ctr"/>
-          <a:lstStyle/>
-          <a:p>
-            <a:pPr algn="ctr"/>
-            <a:r>
-              <a:rPr lang="es-ES" dirty="0" err="1"/>
-              <a:t>Exited</a:t>
-            </a:r>
-            <a:r>
-              <a:rPr lang="es-ES" dirty="0"/>
-              <a:t> ~ </a:t>
-            </a:r>
-            <a:r>
-              <a:rPr lang="es-ES" dirty="0" err="1"/>
-              <a:t>Gender</a:t>
-            </a:r>
-            <a:r>
-              <a:rPr lang="es-ES" dirty="0"/>
-              <a:t> + Age</a:t>
-            </a:r>
-            <a:r>
-              <a:rPr lang="es-ES" baseline="30000" dirty="0"/>
-              <a:t>2</a:t>
-            </a:r>
-            <a:r>
-              <a:rPr lang="es-ES" dirty="0"/>
-              <a:t> + Balance + </a:t>
-            </a:r>
-            <a:r>
-              <a:rPr lang="es-ES" dirty="0" err="1"/>
-              <a:t>NumOfProd</a:t>
-            </a:r>
-            <a:r>
-              <a:rPr lang="es-ES" dirty="0"/>
-              <a:t> + </a:t>
-            </a:r>
-            <a:r>
-              <a:rPr lang="es-ES" dirty="0" err="1"/>
-              <a:t>Geography</a:t>
-            </a:r>
-            <a:r>
-              <a:rPr lang="es-ES" dirty="0"/>
-              <a:t> + </a:t>
-            </a:r>
-            <a:r>
-              <a:rPr lang="es-ES" dirty="0" err="1"/>
-              <a:t>Geography:Gender</a:t>
-            </a:r>
-            <a:endParaRPr lang="es-ES" dirty="0"/>
-          </a:p>
-          <a:p>
-            <a:pPr algn="ctr"/>
-            <a:endParaRPr lang="en-ES" dirty="0"/>
-          </a:p>
-        </p:txBody>
-      </p:sp>
-    </p:spTree>
-  </p:cSld>
-  <p:clrMapOvr>
-    <a:masterClrMapping/>
-  </p:clrMapOvr>
-</p:sld>
-</file>
-
-<file path=ppt/slides/slide17.xml><?xml version="1.0" encoding="utf-8"?>
-<p:sld xmlns:a="http://schemas.openxmlformats.org/drawingml/2006/main" xmlns:r="http://schemas.openxmlformats.org/officeDocument/2006/relationships" xmlns:p="http://schemas.openxmlformats.org/presentationml/2006/main">
-  <p:cSld>
-    <p:spTree>
-      <p:nvGrpSpPr>
-        <p:cNvPr id="1" name=""/>
-        <p:cNvGrpSpPr/>
-        <p:nvPr/>
-      </p:nvGrpSpPr>
-      <p:grpSpPr>
-        <a:xfrm>
-          <a:off x="0" y="0"/>
-          <a:ext cx="0" cy="0"/>
-          <a:chOff x="0" y="0"/>
-          <a:chExt cx="0" cy="0"/>
-        </a:xfrm>
-      </p:grpSpPr>
       <p:sp>
         <p:nvSpPr>
           <p:cNvPr id="2" name="Título 1"/>
@@ -23759,6 +23529,357 @@
 </p:sld>
 </file>
 
+<file path=ppt/slides/slide17.xml><?xml version="1.0" encoding="utf-8"?>
+<p:sld xmlns:a="http://schemas.openxmlformats.org/drawingml/2006/main" xmlns:r="http://schemas.openxmlformats.org/officeDocument/2006/relationships" xmlns:p="http://schemas.openxmlformats.org/presentationml/2006/main">
+  <p:cSld>
+    <p:spTree>
+      <p:nvGrpSpPr>
+        <p:cNvPr id="1" name=""/>
+        <p:cNvGrpSpPr/>
+        <p:nvPr/>
+      </p:nvGrpSpPr>
+      <p:grpSpPr>
+        <a:xfrm>
+          <a:off x="0" y="0"/>
+          <a:ext cx="0" cy="0"/>
+          <a:chOff x="0" y="0"/>
+          <a:chExt cx="0" cy="0"/>
+        </a:xfrm>
+      </p:grpSpPr>
+      <p:sp>
+        <p:nvSpPr>
+          <p:cNvPr id="2" name="Título 1"/>
+          <p:cNvSpPr>
+            <a:spLocks noGrp="1"/>
+          </p:cNvSpPr>
+          <p:nvPr>
+            <p:ph type="title"/>
+          </p:nvPr>
+        </p:nvSpPr>
+        <p:spPr/>
+        <p:txBody>
+          <a:bodyPr/>
+          <a:lstStyle/>
+          <a:p>
+            <a:r>
+              <a:rPr lang="es-ES" dirty="0"/>
+              <a:t>Asignaciones del AR</a:t>
+            </a:r>
+          </a:p>
+        </p:txBody>
+      </p:sp>
+      <p:sp>
+        <p:nvSpPr>
+          <p:cNvPr id="4" name="CuadroTexto 3"/>
+          <p:cNvSpPr txBox="1"/>
+          <p:nvPr/>
+        </p:nvSpPr>
+        <p:spPr>
+          <a:xfrm>
+            <a:off x="629675" y="1456445"/>
+            <a:ext cx="7704000" cy="2277547"/>
+          </a:xfrm>
+          <a:prstGeom prst="rect">
+            <a:avLst/>
+          </a:prstGeom>
+          <a:noFill/>
+        </p:spPr>
+        <p:txBody>
+          <a:bodyPr wrap="square" lIns="91440" tIns="45720" rIns="91440" bIns="45720" anchor="t">
+            <a:spAutoFit/>
+          </a:bodyPr>
+          <a:lstStyle/>
+          <a:p>
+            <a:pPr algn="l" latinLnBrk="1">
+              <a:buNone/>
+            </a:pPr>
+            <a:r>
+              <a:rPr lang="en-US" sz="1600" b="0" i="0" dirty="0">
+                <a:solidFill>
+                  <a:srgbClr val="000000"/>
+                </a:solidFill>
+                <a:effectLst/>
+              </a:rPr>
+              <a:t>Se </a:t>
+            </a:r>
+            <a:r>
+              <a:rPr lang="en-US" sz="1600" b="0" i="0" dirty="0" err="1">
+                <a:solidFill>
+                  <a:srgbClr val="000000"/>
+                </a:solidFill>
+                <a:effectLst/>
+              </a:rPr>
+              <a:t>intentó</a:t>
+            </a:r>
+            <a:r>
+              <a:rPr lang="en-US" sz="1600" b="0" i="0" dirty="0">
+                <a:solidFill>
+                  <a:srgbClr val="000000"/>
+                </a:solidFill>
+                <a:effectLst/>
+              </a:rPr>
+              <a:t> </a:t>
+            </a:r>
+            <a:r>
+              <a:rPr lang="en-US" sz="1600" b="0" i="0" dirty="0" err="1">
+                <a:solidFill>
+                  <a:srgbClr val="000000"/>
+                </a:solidFill>
+                <a:effectLst/>
+              </a:rPr>
+              <a:t>forzar</a:t>
+            </a:r>
+            <a:r>
+              <a:rPr lang="en-US" sz="1600" b="0" i="0" dirty="0">
+                <a:solidFill>
+                  <a:srgbClr val="000000"/>
+                </a:solidFill>
+                <a:effectLst/>
+              </a:rPr>
+              <a:t> las </a:t>
+            </a:r>
+            <a:r>
+              <a:rPr lang="en-US" sz="1600" b="0" i="0" dirty="0" err="1">
+                <a:solidFill>
+                  <a:srgbClr val="000000"/>
+                </a:solidFill>
+                <a:effectLst/>
+              </a:rPr>
+              <a:t>reglas</a:t>
+            </a:r>
+            <a:r>
+              <a:rPr lang="en-US" sz="1600" b="0" i="0" dirty="0">
+                <a:solidFill>
+                  <a:srgbClr val="000000"/>
+                </a:solidFill>
+                <a:effectLst/>
+              </a:rPr>
+              <a:t> para Exited=1 con </a:t>
+            </a:r>
+            <a:r>
+              <a:rPr lang="en-US" sz="1600" b="0" i="0" dirty="0" err="1">
+                <a:solidFill>
+                  <a:srgbClr val="000000"/>
+                </a:solidFill>
+                <a:effectLst/>
+              </a:rPr>
+              <a:t>confianza</a:t>
+            </a:r>
+            <a:r>
+              <a:rPr lang="en-US" sz="1600" b="0" i="0" dirty="0">
+                <a:solidFill>
+                  <a:srgbClr val="000000"/>
+                </a:solidFill>
+                <a:effectLst/>
+              </a:rPr>
+              <a:t> minima de 0.5</a:t>
+            </a:r>
+          </a:p>
+          <a:p>
+            <a:pPr algn="l" latinLnBrk="1">
+              <a:buNone/>
+            </a:pPr>
+            <a:r>
+              <a:rPr lang="en-US" sz="1600" dirty="0"/>
+              <a:t>Los </a:t>
+            </a:r>
+            <a:r>
+              <a:rPr lang="en-US" sz="1600" err="1"/>
+              <a:t>resultados</a:t>
+            </a:r>
+            <a:r>
+              <a:rPr lang="en-US" sz="1600" dirty="0"/>
+              <a:t> no </a:t>
+            </a:r>
+            <a:r>
+              <a:rPr lang="en-US" sz="1600" err="1"/>
+              <a:t>mejoraban</a:t>
+            </a:r>
+            <a:r>
+              <a:rPr lang="en-US" sz="1600" dirty="0"/>
+              <a:t> </a:t>
+            </a:r>
+            <a:r>
+              <a:rPr lang="en-US" sz="1600" err="1"/>
+              <a:t>el</a:t>
+            </a:r>
+            <a:r>
+              <a:rPr lang="en-US" sz="1600" dirty="0"/>
+              <a:t> </a:t>
+            </a:r>
+            <a:r>
+              <a:rPr lang="en-US" sz="1600" err="1"/>
+              <a:t>modelo</a:t>
+            </a:r>
+            <a:r>
+              <a:rPr lang="en-US" sz="1600" dirty="0"/>
+              <a:t> sin </a:t>
+            </a:r>
+            <a:r>
+              <a:rPr lang="en-US" sz="1600" err="1"/>
+              <a:t>forzar</a:t>
+            </a:r>
+            <a:endParaRPr lang="en-US" sz="1600"/>
+          </a:p>
+          <a:p>
+            <a:pPr algn="l" latinLnBrk="1">
+              <a:buNone/>
+            </a:pPr>
+            <a:endParaRPr lang="en-US" sz="1600" dirty="0"/>
+          </a:p>
+          <a:p>
+            <a:pPr latinLnBrk="1"/>
+            <a:r>
+              <a:rPr lang="en-US" sz="1600" dirty="0"/>
+              <a:t>Se </a:t>
+            </a:r>
+            <a:r>
+              <a:rPr lang="en-US" sz="1600" err="1"/>
+              <a:t>intentó</a:t>
+            </a:r>
+            <a:r>
+              <a:rPr lang="en-US" sz="1600" dirty="0"/>
+              <a:t> </a:t>
+            </a:r>
+            <a:r>
+              <a:rPr lang="en-US" sz="1600" err="1"/>
+              <a:t>forzar</a:t>
+            </a:r>
+            <a:r>
+              <a:rPr lang="en-US" sz="1600" dirty="0"/>
+              <a:t> las </a:t>
+            </a:r>
+            <a:r>
+              <a:rPr lang="en-US" sz="1600" err="1"/>
+              <a:t>reglas</a:t>
+            </a:r>
+            <a:r>
+              <a:rPr lang="en-US" sz="1600" dirty="0"/>
+              <a:t> para Exited=0 con </a:t>
+            </a:r>
+            <a:r>
+              <a:rPr lang="en-US" sz="1600" err="1"/>
+              <a:t>confianza</a:t>
+            </a:r>
+            <a:r>
+              <a:rPr lang="en-US" sz="1600" dirty="0"/>
+              <a:t> de 1</a:t>
+            </a:r>
+          </a:p>
+          <a:p>
+            <a:pPr latinLnBrk="1"/>
+            <a:r>
+              <a:rPr lang="en-US" sz="1600" dirty="0"/>
+              <a:t>Los </a:t>
+            </a:r>
+            <a:r>
+              <a:rPr lang="en-US" sz="1600" err="1"/>
+              <a:t>resultados</a:t>
+            </a:r>
+            <a:r>
+              <a:rPr lang="en-US" sz="1600" dirty="0"/>
+              <a:t> no </a:t>
+            </a:r>
+            <a:r>
+              <a:rPr lang="en-US" sz="1600" err="1"/>
+              <a:t>mejoraban</a:t>
+            </a:r>
+            <a:r>
+              <a:rPr lang="en-US" sz="1600" dirty="0"/>
+              <a:t> </a:t>
+            </a:r>
+            <a:r>
+              <a:rPr lang="en-US" sz="1600" err="1"/>
+              <a:t>el</a:t>
+            </a:r>
+            <a:r>
+              <a:rPr lang="en-US" sz="1600" dirty="0"/>
+              <a:t> </a:t>
+            </a:r>
+            <a:r>
+              <a:rPr lang="en-US" sz="1600" err="1"/>
+              <a:t>modelo</a:t>
+            </a:r>
+            <a:r>
+              <a:rPr lang="en-US" sz="1600" dirty="0"/>
+              <a:t> sin </a:t>
+            </a:r>
+            <a:r>
+              <a:rPr lang="en-US" sz="1600" err="1"/>
+              <a:t>forzar</a:t>
+            </a:r>
+            <a:endParaRPr lang="en-US" sz="1600"/>
+          </a:p>
+          <a:p>
+            <a:pPr algn="l" latinLnBrk="1">
+              <a:buNone/>
+            </a:pPr>
+            <a:endParaRPr lang="en-US" sz="1600" dirty="0"/>
+          </a:p>
+          <a:p>
+            <a:pPr latinLnBrk="1"/>
+            <a:r>
+              <a:rPr lang="es-ES" sz="1600" b="0" i="0" dirty="0">
+                <a:solidFill>
+                  <a:srgbClr val="000000"/>
+                </a:solidFill>
+                <a:effectLst/>
+              </a:rPr>
+              <a:t>Se intentó forzar las reglas para ambos </a:t>
+            </a:r>
+            <a:r>
+              <a:rPr lang="es-ES" sz="1600" b="0" i="0" err="1">
+                <a:solidFill>
+                  <a:srgbClr val="000000"/>
+                </a:solidFill>
+                <a:effectLst/>
+              </a:rPr>
+              <a:t>Exited</a:t>
+            </a:r>
+            <a:r>
+              <a:rPr lang="es-ES" sz="1600" b="0" i="0" dirty="0">
+                <a:solidFill>
+                  <a:srgbClr val="000000"/>
+                </a:solidFill>
+                <a:effectLst/>
+              </a:rPr>
+              <a:t> a la vez</a:t>
+            </a:r>
+          </a:p>
+          <a:p>
+            <a:pPr latinLnBrk="1"/>
+            <a:r>
+              <a:rPr lang="es-ES" sz="1600" dirty="0"/>
+              <a:t>Los resultados no mejoraban el modelo sin forzar</a:t>
+            </a:r>
+          </a:p>
+          <a:p>
+            <a:pPr algn="l" latinLnBrk="1">
+              <a:buNone/>
+            </a:pPr>
+            <a:endParaRPr lang="en-US" b="0" i="0" dirty="0">
+              <a:solidFill>
+                <a:srgbClr val="000000"/>
+              </a:solidFill>
+              <a:effectLst/>
+              <a:latin typeface="Lucida Console" panose="020B0609040504020204" pitchFamily="49" charset="0"/>
+            </a:endParaRPr>
+          </a:p>
+        </p:txBody>
+      </p:sp>
+    </p:spTree>
+    <p:extLst>
+      <p:ext uri="{BB962C8B-B14F-4D97-AF65-F5344CB8AC3E}">
+        <p14:creationId xmlns:p14="http://schemas.microsoft.com/office/powerpoint/2010/main" val="3944751260"/>
+      </p:ext>
+    </p:extLst>
+  </p:cSld>
+  <p:clrMapOvr>
+    <a:masterClrMapping/>
+  </p:clrMapOvr>
+</p:sld>
+</file>
+
 <file path=ppt/slides/slide18.xml><?xml version="1.0" encoding="utf-8"?>
 <p:sld xmlns:a="http://schemas.openxmlformats.org/drawingml/2006/main" xmlns:r="http://schemas.openxmlformats.org/officeDocument/2006/relationships" xmlns:p="http://schemas.openxmlformats.org/presentationml/2006/main">
   <p:cSld>
@@ -23793,357 +23914,6 @@
           <a:p>
             <a:r>
               <a:rPr lang="es-ES" dirty="0"/>
-              <a:t>Asignaciones del AR</a:t>
-            </a:r>
-          </a:p>
-        </p:txBody>
-      </p:sp>
-      <p:sp>
-        <p:nvSpPr>
-          <p:cNvPr id="4" name="CuadroTexto 3"/>
-          <p:cNvSpPr txBox="1"/>
-          <p:nvPr/>
-        </p:nvSpPr>
-        <p:spPr>
-          <a:xfrm>
-            <a:off x="629675" y="1456445"/>
-            <a:ext cx="7704000" cy="2277547"/>
-          </a:xfrm>
-          <a:prstGeom prst="rect">
-            <a:avLst/>
-          </a:prstGeom>
-          <a:noFill/>
-        </p:spPr>
-        <p:txBody>
-          <a:bodyPr wrap="square" lIns="91440" tIns="45720" rIns="91440" bIns="45720" anchor="t">
-            <a:spAutoFit/>
-          </a:bodyPr>
-          <a:lstStyle/>
-          <a:p>
-            <a:pPr algn="l" latinLnBrk="1">
-              <a:buNone/>
-            </a:pPr>
-            <a:r>
-              <a:rPr lang="en-US" sz="1600" b="0" i="0" dirty="0">
-                <a:solidFill>
-                  <a:srgbClr val="000000"/>
-                </a:solidFill>
-                <a:effectLst/>
-              </a:rPr>
-              <a:t>Se </a:t>
-            </a:r>
-            <a:r>
-              <a:rPr lang="en-US" sz="1600" b="0" i="0" dirty="0" err="1">
-                <a:solidFill>
-                  <a:srgbClr val="000000"/>
-                </a:solidFill>
-                <a:effectLst/>
-              </a:rPr>
-              <a:t>intentó</a:t>
-            </a:r>
-            <a:r>
-              <a:rPr lang="en-US" sz="1600" b="0" i="0" dirty="0">
-                <a:solidFill>
-                  <a:srgbClr val="000000"/>
-                </a:solidFill>
-                <a:effectLst/>
-              </a:rPr>
-              <a:t> </a:t>
-            </a:r>
-            <a:r>
-              <a:rPr lang="en-US" sz="1600" b="0" i="0" dirty="0" err="1">
-                <a:solidFill>
-                  <a:srgbClr val="000000"/>
-                </a:solidFill>
-                <a:effectLst/>
-              </a:rPr>
-              <a:t>forzar</a:t>
-            </a:r>
-            <a:r>
-              <a:rPr lang="en-US" sz="1600" b="0" i="0" dirty="0">
-                <a:solidFill>
-                  <a:srgbClr val="000000"/>
-                </a:solidFill>
-                <a:effectLst/>
-              </a:rPr>
-              <a:t> las </a:t>
-            </a:r>
-            <a:r>
-              <a:rPr lang="en-US" sz="1600" b="0" i="0" dirty="0" err="1">
-                <a:solidFill>
-                  <a:srgbClr val="000000"/>
-                </a:solidFill>
-                <a:effectLst/>
-              </a:rPr>
-              <a:t>reglas</a:t>
-            </a:r>
-            <a:r>
-              <a:rPr lang="en-US" sz="1600" b="0" i="0" dirty="0">
-                <a:solidFill>
-                  <a:srgbClr val="000000"/>
-                </a:solidFill>
-                <a:effectLst/>
-              </a:rPr>
-              <a:t> para Exited=1 con </a:t>
-            </a:r>
-            <a:r>
-              <a:rPr lang="en-US" sz="1600" b="0" i="0" dirty="0" err="1">
-                <a:solidFill>
-                  <a:srgbClr val="000000"/>
-                </a:solidFill>
-                <a:effectLst/>
-              </a:rPr>
-              <a:t>confianza</a:t>
-            </a:r>
-            <a:r>
-              <a:rPr lang="en-US" sz="1600" b="0" i="0" dirty="0">
-                <a:solidFill>
-                  <a:srgbClr val="000000"/>
-                </a:solidFill>
-                <a:effectLst/>
-              </a:rPr>
-              <a:t> minima de 0.5</a:t>
-            </a:r>
-          </a:p>
-          <a:p>
-            <a:pPr algn="l" latinLnBrk="1">
-              <a:buNone/>
-            </a:pPr>
-            <a:r>
-              <a:rPr lang="en-US" sz="1600" dirty="0"/>
-              <a:t>Los </a:t>
-            </a:r>
-            <a:r>
-              <a:rPr lang="en-US" sz="1600" err="1"/>
-              <a:t>resultados</a:t>
-            </a:r>
-            <a:r>
-              <a:rPr lang="en-US" sz="1600" dirty="0"/>
-              <a:t> no </a:t>
-            </a:r>
-            <a:r>
-              <a:rPr lang="en-US" sz="1600" err="1"/>
-              <a:t>mejoraban</a:t>
-            </a:r>
-            <a:r>
-              <a:rPr lang="en-US" sz="1600" dirty="0"/>
-              <a:t> </a:t>
-            </a:r>
-            <a:r>
-              <a:rPr lang="en-US" sz="1600" err="1"/>
-              <a:t>el</a:t>
-            </a:r>
-            <a:r>
-              <a:rPr lang="en-US" sz="1600" dirty="0"/>
-              <a:t> </a:t>
-            </a:r>
-            <a:r>
-              <a:rPr lang="en-US" sz="1600" err="1"/>
-              <a:t>modelo</a:t>
-            </a:r>
-            <a:r>
-              <a:rPr lang="en-US" sz="1600" dirty="0"/>
-              <a:t> sin </a:t>
-            </a:r>
-            <a:r>
-              <a:rPr lang="en-US" sz="1600" err="1"/>
-              <a:t>forzar</a:t>
-            </a:r>
-            <a:endParaRPr lang="en-US" sz="1600"/>
-          </a:p>
-          <a:p>
-            <a:pPr algn="l" latinLnBrk="1">
-              <a:buNone/>
-            </a:pPr>
-            <a:endParaRPr lang="en-US" sz="1600" dirty="0"/>
-          </a:p>
-          <a:p>
-            <a:pPr latinLnBrk="1"/>
-            <a:r>
-              <a:rPr lang="en-US" sz="1600" dirty="0"/>
-              <a:t>Se </a:t>
-            </a:r>
-            <a:r>
-              <a:rPr lang="en-US" sz="1600" err="1"/>
-              <a:t>intentó</a:t>
-            </a:r>
-            <a:r>
-              <a:rPr lang="en-US" sz="1600" dirty="0"/>
-              <a:t> </a:t>
-            </a:r>
-            <a:r>
-              <a:rPr lang="en-US" sz="1600" err="1"/>
-              <a:t>forzar</a:t>
-            </a:r>
-            <a:r>
-              <a:rPr lang="en-US" sz="1600" dirty="0"/>
-              <a:t> las </a:t>
-            </a:r>
-            <a:r>
-              <a:rPr lang="en-US" sz="1600" err="1"/>
-              <a:t>reglas</a:t>
-            </a:r>
-            <a:r>
-              <a:rPr lang="en-US" sz="1600" dirty="0"/>
-              <a:t> para Exited=0 con </a:t>
-            </a:r>
-            <a:r>
-              <a:rPr lang="en-US" sz="1600" err="1"/>
-              <a:t>confianza</a:t>
-            </a:r>
-            <a:r>
-              <a:rPr lang="en-US" sz="1600" dirty="0"/>
-              <a:t> de 1</a:t>
-            </a:r>
-          </a:p>
-          <a:p>
-            <a:pPr latinLnBrk="1"/>
-            <a:r>
-              <a:rPr lang="en-US" sz="1600" dirty="0"/>
-              <a:t>Los </a:t>
-            </a:r>
-            <a:r>
-              <a:rPr lang="en-US" sz="1600" err="1"/>
-              <a:t>resultados</a:t>
-            </a:r>
-            <a:r>
-              <a:rPr lang="en-US" sz="1600" dirty="0"/>
-              <a:t> no </a:t>
-            </a:r>
-            <a:r>
-              <a:rPr lang="en-US" sz="1600" err="1"/>
-              <a:t>mejoraban</a:t>
-            </a:r>
-            <a:r>
-              <a:rPr lang="en-US" sz="1600" dirty="0"/>
-              <a:t> </a:t>
-            </a:r>
-            <a:r>
-              <a:rPr lang="en-US" sz="1600" err="1"/>
-              <a:t>el</a:t>
-            </a:r>
-            <a:r>
-              <a:rPr lang="en-US" sz="1600" dirty="0"/>
-              <a:t> </a:t>
-            </a:r>
-            <a:r>
-              <a:rPr lang="en-US" sz="1600" err="1"/>
-              <a:t>modelo</a:t>
-            </a:r>
-            <a:r>
-              <a:rPr lang="en-US" sz="1600" dirty="0"/>
-              <a:t> sin </a:t>
-            </a:r>
-            <a:r>
-              <a:rPr lang="en-US" sz="1600" err="1"/>
-              <a:t>forzar</a:t>
-            </a:r>
-            <a:endParaRPr lang="en-US" sz="1600"/>
-          </a:p>
-          <a:p>
-            <a:pPr algn="l" latinLnBrk="1">
-              <a:buNone/>
-            </a:pPr>
-            <a:endParaRPr lang="en-US" sz="1600" dirty="0"/>
-          </a:p>
-          <a:p>
-            <a:pPr latinLnBrk="1"/>
-            <a:r>
-              <a:rPr lang="es-ES" sz="1600" b="0" i="0" dirty="0">
-                <a:solidFill>
-                  <a:srgbClr val="000000"/>
-                </a:solidFill>
-                <a:effectLst/>
-              </a:rPr>
-              <a:t>Se intentó forzar las reglas para ambos </a:t>
-            </a:r>
-            <a:r>
-              <a:rPr lang="es-ES" sz="1600" b="0" i="0" err="1">
-                <a:solidFill>
-                  <a:srgbClr val="000000"/>
-                </a:solidFill>
-                <a:effectLst/>
-              </a:rPr>
-              <a:t>Exited</a:t>
-            </a:r>
-            <a:r>
-              <a:rPr lang="es-ES" sz="1600" b="0" i="0" dirty="0">
-                <a:solidFill>
-                  <a:srgbClr val="000000"/>
-                </a:solidFill>
-                <a:effectLst/>
-              </a:rPr>
-              <a:t> a la vez</a:t>
-            </a:r>
-          </a:p>
-          <a:p>
-            <a:pPr latinLnBrk="1"/>
-            <a:r>
-              <a:rPr lang="es-ES" sz="1600" dirty="0"/>
-              <a:t>Los resultados no mejoraban el modelo sin forzar</a:t>
-            </a:r>
-          </a:p>
-          <a:p>
-            <a:pPr algn="l" latinLnBrk="1">
-              <a:buNone/>
-            </a:pPr>
-            <a:endParaRPr lang="en-US" b="0" i="0" dirty="0">
-              <a:solidFill>
-                <a:srgbClr val="000000"/>
-              </a:solidFill>
-              <a:effectLst/>
-              <a:latin typeface="Lucida Console" panose="020B0609040504020204" pitchFamily="49" charset="0"/>
-            </a:endParaRPr>
-          </a:p>
-        </p:txBody>
-      </p:sp>
-    </p:spTree>
-    <p:extLst>
-      <p:ext uri="{BB962C8B-B14F-4D97-AF65-F5344CB8AC3E}">
-        <p14:creationId xmlns:p14="http://schemas.microsoft.com/office/powerpoint/2010/main" val="3944751260"/>
-      </p:ext>
-    </p:extLst>
-  </p:cSld>
-  <p:clrMapOvr>
-    <a:masterClrMapping/>
-  </p:clrMapOvr>
-</p:sld>
-</file>
-
-<file path=ppt/slides/slide19.xml><?xml version="1.0" encoding="utf-8"?>
-<p:sld xmlns:a="http://schemas.openxmlformats.org/drawingml/2006/main" xmlns:r="http://schemas.openxmlformats.org/officeDocument/2006/relationships" xmlns:p="http://schemas.openxmlformats.org/presentationml/2006/main">
-  <p:cSld>
-    <p:spTree>
-      <p:nvGrpSpPr>
-        <p:cNvPr id="1" name=""/>
-        <p:cNvGrpSpPr/>
-        <p:nvPr/>
-      </p:nvGrpSpPr>
-      <p:grpSpPr>
-        <a:xfrm>
-          <a:off x="0" y="0"/>
-          <a:ext cx="0" cy="0"/>
-          <a:chOff x="0" y="0"/>
-          <a:chExt cx="0" cy="0"/>
-        </a:xfrm>
-      </p:grpSpPr>
-      <p:sp>
-        <p:nvSpPr>
-          <p:cNvPr id="2" name="Título 1"/>
-          <p:cNvSpPr>
-            <a:spLocks noGrp="1"/>
-          </p:cNvSpPr>
-          <p:nvPr>
-            <p:ph type="title"/>
-          </p:nvPr>
-        </p:nvSpPr>
-        <p:spPr/>
-        <p:txBody>
-          <a:bodyPr/>
-          <a:lstStyle/>
-          <a:p>
-            <a:r>
-              <a:rPr lang="es-ES" dirty="0"/>
               <a:t>Mejores modelos y métodos</a:t>
             </a:r>
           </a:p>
@@ -24246,6 +24016,70 @@
     <p:extLst>
       <p:ext uri="{BB962C8B-B14F-4D97-AF65-F5344CB8AC3E}">
         <p14:creationId xmlns:p14="http://schemas.microsoft.com/office/powerpoint/2010/main" val="1319515764"/>
+      </p:ext>
+    </p:extLst>
+  </p:cSld>
+  <p:clrMapOvr>
+    <a:masterClrMapping/>
+  </p:clrMapOvr>
+</p:sld>
+</file>
+
+<file path=ppt/slides/slide19.xml><?xml version="1.0" encoding="utf-8"?>
+<p:sld xmlns:a="http://schemas.openxmlformats.org/drawingml/2006/main" xmlns:r="http://schemas.openxmlformats.org/officeDocument/2006/relationships" xmlns:p="http://schemas.openxmlformats.org/presentationml/2006/main">
+  <p:cSld>
+    <p:spTree>
+      <p:nvGrpSpPr>
+        <p:cNvPr id="1" name="">
+          <a:extLst>
+            <a:ext uri="{FF2B5EF4-FFF2-40B4-BE49-F238E27FC236}">
+              <a16:creationId xmlns:a16="http://schemas.microsoft.com/office/drawing/2014/main" id="{D31050E9-5105-6D2F-6947-50C6CF01F9A1}"/>
+            </a:ext>
+          </a:extLst>
+        </p:cNvPr>
+        <p:cNvGrpSpPr/>
+        <p:nvPr/>
+      </p:nvGrpSpPr>
+      <p:grpSpPr>
+        <a:xfrm>
+          <a:off x="0" y="0"/>
+          <a:ext cx="0" cy="0"/>
+          <a:chOff x="0" y="0"/>
+          <a:chExt cx="0" cy="0"/>
+        </a:xfrm>
+      </p:grpSpPr>
+      <p:sp>
+        <p:nvSpPr>
+          <p:cNvPr id="2" name="Título 1">
+            <a:extLst>
+              <a:ext uri="{FF2B5EF4-FFF2-40B4-BE49-F238E27FC236}">
+                <a16:creationId xmlns:a16="http://schemas.microsoft.com/office/drawing/2014/main" id="{744E8F24-AF72-DFA5-9CAE-072E2FD20465}"/>
+              </a:ext>
+            </a:extLst>
+          </p:cNvPr>
+          <p:cNvSpPr>
+            <a:spLocks noGrp="1"/>
+          </p:cNvSpPr>
+          <p:nvPr>
+            <p:ph type="title"/>
+          </p:nvPr>
+        </p:nvSpPr>
+        <p:spPr/>
+        <p:txBody>
+          <a:bodyPr/>
+          <a:lstStyle/>
+          <a:p>
+            <a:r>
+              <a:rPr lang="es-ES" dirty="0" err="1"/>
+              <a:t>Concluciones</a:t>
+            </a:r>
+          </a:p>
+        </p:txBody>
+      </p:sp>
+    </p:spTree>
+    <p:extLst>
+      <p:ext uri="{BB962C8B-B14F-4D97-AF65-F5344CB8AC3E}">
+        <p14:creationId xmlns:p14="http://schemas.microsoft.com/office/powerpoint/2010/main" val="3373186615"/>
       </p:ext>
     </p:extLst>
   </p:cSld>
@@ -25056,70 +24890,6 @@
 </p:sld>
 </file>
 
-<file path=ppt/slides/slide20.xml><?xml version="1.0" encoding="utf-8"?>
-<p:sld xmlns:a="http://schemas.openxmlformats.org/drawingml/2006/main" xmlns:r="http://schemas.openxmlformats.org/officeDocument/2006/relationships" xmlns:p="http://schemas.openxmlformats.org/presentationml/2006/main">
-  <p:cSld>
-    <p:spTree>
-      <p:nvGrpSpPr>
-        <p:cNvPr id="1" name="">
-          <a:extLst>
-            <a:ext uri="{FF2B5EF4-FFF2-40B4-BE49-F238E27FC236}">
-              <a16:creationId xmlns:a16="http://schemas.microsoft.com/office/drawing/2014/main" id="{D31050E9-5105-6D2F-6947-50C6CF01F9A1}"/>
-            </a:ext>
-          </a:extLst>
-        </p:cNvPr>
-        <p:cNvGrpSpPr/>
-        <p:nvPr/>
-      </p:nvGrpSpPr>
-      <p:grpSpPr>
-        <a:xfrm>
-          <a:off x="0" y="0"/>
-          <a:ext cx="0" cy="0"/>
-          <a:chOff x="0" y="0"/>
-          <a:chExt cx="0" cy="0"/>
-        </a:xfrm>
-      </p:grpSpPr>
-      <p:sp>
-        <p:nvSpPr>
-          <p:cNvPr id="2" name="Título 1">
-            <a:extLst>
-              <a:ext uri="{FF2B5EF4-FFF2-40B4-BE49-F238E27FC236}">
-                <a16:creationId xmlns:a16="http://schemas.microsoft.com/office/drawing/2014/main" id="{744E8F24-AF72-DFA5-9CAE-072E2FD20465}"/>
-              </a:ext>
-            </a:extLst>
-          </p:cNvPr>
-          <p:cNvSpPr>
-            <a:spLocks noGrp="1"/>
-          </p:cNvSpPr>
-          <p:nvPr>
-            <p:ph type="title"/>
-          </p:nvPr>
-        </p:nvSpPr>
-        <p:spPr/>
-        <p:txBody>
-          <a:bodyPr/>
-          <a:lstStyle/>
-          <a:p>
-            <a:r>
-              <a:rPr lang="es-ES" dirty="0" err="1"/>
-              <a:t>Concluciones</a:t>
-            </a:r>
-          </a:p>
-        </p:txBody>
-      </p:sp>
-    </p:spTree>
-    <p:extLst>
-      <p:ext uri="{BB962C8B-B14F-4D97-AF65-F5344CB8AC3E}">
-        <p14:creationId xmlns:p14="http://schemas.microsoft.com/office/powerpoint/2010/main" val="3373186615"/>
-      </p:ext>
-    </p:extLst>
-  </p:cSld>
-  <p:clrMapOvr>
-    <a:masterClrMapping/>
-  </p:clrMapOvr>
-</p:sld>
-</file>
-
 <file path=ppt/slides/slide3.xml><?xml version="1.0" encoding="utf-8"?>
 <p:sld xmlns:a="http://schemas.openxmlformats.org/drawingml/2006/main" xmlns:r="http://schemas.openxmlformats.org/officeDocument/2006/relationships" xmlns:p="http://schemas.openxmlformats.org/presentationml/2006/main">
   <p:cSld>
@@ -25584,7 +25354,7 @@
 </file>
 
 <file path=ppt/slides/slide4.xml><?xml version="1.0" encoding="utf-8"?>
-<p:sld xmlns:a="http://schemas.openxmlformats.org/drawingml/2006/main" xmlns:r="http://schemas.openxmlformats.org/officeDocument/2006/relationships" xmlns:p="http://schemas.openxmlformats.org/presentationml/2006/main">
+<p:sld xmlns:a="http://schemas.openxmlformats.org/drawingml/2006/main" xmlns:r="http://schemas.openxmlformats.org/officeDocument/2006/relationships" xmlns:p="http://schemas.openxmlformats.org/presentationml/2006/main" show="0">
   <p:cSld>
     <p:spTree>
       <p:nvGrpSpPr>
@@ -25612,7 +25382,7 @@
         </p:nvSpPr>
         <p:spPr>
           <a:xfrm>
-            <a:off x="720000" y="195281"/>
+            <a:off x="720000" y="206064"/>
             <a:ext cx="7704000" cy="572700"/>
           </a:xfrm>
           <a:prstGeom prst="rect">
@@ -26399,7 +26169,7 @@
 </file>
 
 <file path=ppt/slides/slide5.xml><?xml version="1.0" encoding="utf-8"?>
-<p:sld xmlns:a="http://schemas.openxmlformats.org/drawingml/2006/main" xmlns:r="http://schemas.openxmlformats.org/officeDocument/2006/relationships" xmlns:p="http://schemas.openxmlformats.org/presentationml/2006/main">
+<p:sld xmlns:a="http://schemas.openxmlformats.org/drawingml/2006/main" xmlns:r="http://schemas.openxmlformats.org/officeDocument/2006/relationships" xmlns:p="http://schemas.openxmlformats.org/presentationml/2006/main" show="0">
   <p:cSld>
     <p:spTree>
       <p:nvGrpSpPr>
@@ -28920,7 +28690,7 @@
 </file>
 
 <file path=ppt/slides/slide9.xml><?xml version="1.0" encoding="utf-8"?>
-<p:sld xmlns:a="http://schemas.openxmlformats.org/drawingml/2006/main" xmlns:r="http://schemas.openxmlformats.org/officeDocument/2006/relationships" xmlns:p="http://schemas.openxmlformats.org/presentationml/2006/main">
+<p:sld xmlns:a="http://schemas.openxmlformats.org/drawingml/2006/main" xmlns:r="http://schemas.openxmlformats.org/officeDocument/2006/relationships" xmlns:p="http://schemas.openxmlformats.org/presentationml/2006/main" show="0">
   <p:cSld>
     <p:spTree>
       <p:nvGrpSpPr>

--- a/Entrega_2/00.REPORTE/Reporte_Grupo5_completo.pptx
+++ b/Entrega_2/00.REPORTE/Reporte_Grupo5_completo.pptx
@@ -10,7 +10,7 @@
   <p:sldIdLst>
     <p:sldId id="285" r:id="rId2"/>
     <p:sldId id="270" r:id="rId3"/>
-    <p:sldId id="309" r:id="rId4"/>
+    <p:sldId id="272" r:id="rId4"/>
     <p:sldId id="275" r:id="rId5"/>
     <p:sldId id="291" r:id="rId6"/>
     <p:sldId id="310" r:id="rId7"/>
@@ -37,22 +37,35 @@
       <p:bold r:id="rId23"/>
     </p:embeddedFont>
     <p:embeddedFont>
+      <p:font typeface="Didact Gothic" panose="00000500000000000000" pitchFamily="2" charset="0"/>
+      <p:regular r:id="rId24"/>
+    </p:embeddedFont>
+    <p:embeddedFont>
       <p:font typeface="Libre Franklin" pitchFamily="2" charset="0"/>
-      <p:regular r:id="rId24"/>
-      <p:bold r:id="rId25"/>
-      <p:italic r:id="rId26"/>
-      <p:boldItalic r:id="rId27"/>
+      <p:regular r:id="rId25"/>
+      <p:bold r:id="rId26"/>
+      <p:italic r:id="rId27"/>
+      <p:boldItalic r:id="rId28"/>
     </p:embeddedFont>
     <p:embeddedFont>
       <p:font typeface="Lucida Console" panose="020B0609040504020204" pitchFamily="49" charset="0"/>
-      <p:regular r:id="rId28"/>
+      <p:regular r:id="rId29"/>
+    </p:embeddedFont>
+    <p:embeddedFont>
+      <p:font typeface="Poppins" panose="00000500000000000000" pitchFamily="2" charset="0"/>
+      <p:regular r:id="rId30"/>
+      <p:bold r:id="rId31"/>
+    </p:embeddedFont>
+    <p:embeddedFont>
+      <p:font typeface="Raleway" pitchFamily="2" charset="0"/>
+      <p:regular r:id="rId32"/>
     </p:embeddedFont>
     <p:embeddedFont>
       <p:font typeface="Roboto" panose="02000000000000000000" pitchFamily="2" charset="0"/>
-      <p:regular r:id="rId29"/>
-      <p:bold r:id="rId30"/>
-      <p:italic r:id="rId31"/>
-      <p:boldItalic r:id="rId32"/>
+      <p:regular r:id="rId33"/>
+      <p:bold r:id="rId34"/>
+      <p:italic r:id="rId35"/>
+      <p:boldItalic r:id="rId36"/>
     </p:embeddedFont>
   </p:embeddedFontLst>
   <p:defaultTextStyle>
@@ -310,6 +323,37 @@
 
 <file path=ppt/changesInfos/changesInfo1.xml><?xml version="1.0" encoding="utf-8"?>
 <pc:chgInfo xmlns:a="http://schemas.openxmlformats.org/drawingml/2006/main" xmlns:r="http://schemas.openxmlformats.org/officeDocument/2006/relationships" xmlns:ac="http://schemas.microsoft.com/office/drawing/2013/main/command" xmlns:pc="http://schemas.microsoft.com/office/powerpoint/2013/main/command">
+  <pc:docChgLst>
+    <pc:chgData name="Mario Aragón Valderrama" userId="ab42593c9091a3c7" providerId="LiveId" clId="{A94EC9C8-FC2E-45B4-829C-AEB6B286F687}"/>
+    <pc:docChg chg="custSel addSld delSld modSld">
+      <pc:chgData name="Mario Aragón Valderrama" userId="ab42593c9091a3c7" providerId="LiveId" clId="{A94EC9C8-FC2E-45B4-829C-AEB6B286F687}" dt="2025-12-17T19:52:36.010" v="45" actId="207"/>
+      <pc:docMkLst>
+        <pc:docMk/>
+      </pc:docMkLst>
+      <pc:sldChg chg="modSp add mod">
+        <pc:chgData name="Mario Aragón Valderrama" userId="ab42593c9091a3c7" providerId="LiveId" clId="{A94EC9C8-FC2E-45B4-829C-AEB6B286F687}" dt="2025-12-17T19:52:36.010" v="45" actId="207"/>
+        <pc:sldMkLst>
+          <pc:docMk/>
+          <pc:sldMk cId="0" sldId="272"/>
+        </pc:sldMkLst>
+        <pc:graphicFrameChg chg="mod modGraphic">
+          <ac:chgData name="Mario Aragón Valderrama" userId="ab42593c9091a3c7" providerId="LiveId" clId="{A94EC9C8-FC2E-45B4-829C-AEB6B286F687}" dt="2025-12-17T19:52:36.010" v="45" actId="207"/>
+          <ac:graphicFrameMkLst>
+            <pc:docMk/>
+            <pc:sldMk cId="0" sldId="272"/>
+            <ac:graphicFrameMk id="3" creationId="{82F91AD5-889D-682F-0188-17811BDC62E6}"/>
+          </ac:graphicFrameMkLst>
+        </pc:graphicFrameChg>
+      </pc:sldChg>
+      <pc:sldChg chg="del">
+        <pc:chgData name="Mario Aragón Valderrama" userId="ab42593c9091a3c7" providerId="LiveId" clId="{A94EC9C8-FC2E-45B4-829C-AEB6B286F687}" dt="2025-12-17T19:51:59.035" v="0" actId="47"/>
+        <pc:sldMkLst>
+          <pc:docMk/>
+          <pc:sldMk cId="1273872839" sldId="309"/>
+        </pc:sldMkLst>
+      </pc:sldChg>
+    </pc:docChg>
+  </pc:docChgLst>
   <pc:docChgLst>
     <pc:chgData name="Siling G" userId="c2e56b80bdc69756" providerId="Windows Live" clId="Web-{35C41C9F-06CD-AC74-6477-F8232BBF759E}"/>
     <pc:docChg chg="modSld">
@@ -1731,123 +1775,45 @@
 </file>
 
 <file path=ppt/diagrams/colors2.xml><?xml version="1.0" encoding="utf-8"?>
-<dgm:colorsDef xmlns:dgm="http://schemas.openxmlformats.org/drawingml/2006/diagram" xmlns:a="http://schemas.openxmlformats.org/drawingml/2006/main" uniqueId="urn:microsoft.com/office/officeart/2005/8/colors/accent1_2">
+<dgm:colorsDef xmlns:dgm="http://schemas.openxmlformats.org/drawingml/2006/diagram" xmlns:a="http://schemas.openxmlformats.org/drawingml/2006/main" uniqueId="urn:microsoft.com/office/officeart/2005/8/colors/accent1_2#1">
   <dgm:title val=""/>
   <dgm:desc val=""/>
   <dgm:catLst>
     <dgm:cat type="accent1" pri="11200"/>
   </dgm:catLst>
-  <dgm:styleLbl name="node0">
+  <dgm:styleLbl name="alignAcc1">
     <dgm:fillClrLst meth="repeat">
-      <a:schemeClr val="accent1"/>
-    </dgm:fillClrLst>
-    <dgm:linClrLst meth="repeat">
-      <a:schemeClr val="lt1"/>
-    </dgm:linClrLst>
-    <dgm:effectClrLst/>
-    <dgm:txLinClrLst/>
-    <dgm:txFillClrLst/>
-    <dgm:txEffectClrLst/>
-  </dgm:styleLbl>
-  <dgm:styleLbl name="alignNode1">
-    <dgm:fillClrLst meth="repeat">
-      <a:schemeClr val="accent1"/>
+      <a:schemeClr val="lt1">
+        <a:alpha val="90000"/>
+      </a:schemeClr>
     </dgm:fillClrLst>
     <dgm:linClrLst meth="repeat">
       <a:schemeClr val="accent1"/>
     </dgm:linClrLst>
     <dgm:effectClrLst/>
     <dgm:txLinClrLst/>
-    <dgm:txFillClrLst/>
+    <dgm:txFillClrLst meth="repeat">
+      <a:schemeClr val="dk1"/>
+    </dgm:txFillClrLst>
     <dgm:txEffectClrLst/>
   </dgm:styleLbl>
-  <dgm:styleLbl name="node1">
-    <dgm:fillClrLst meth="repeat">
-      <a:schemeClr val="accent1"/>
-    </dgm:fillClrLst>
-    <dgm:linClrLst meth="repeat">
-      <a:schemeClr val="lt1"/>
-    </dgm:linClrLst>
-    <dgm:effectClrLst/>
-    <dgm:txLinClrLst/>
-    <dgm:txFillClrLst/>
-    <dgm:txEffectClrLst/>
-  </dgm:styleLbl>
-  <dgm:styleLbl name="lnNode1">
-    <dgm:fillClrLst meth="repeat">
-      <a:schemeClr val="accent1"/>
-    </dgm:fillClrLst>
-    <dgm:linClrLst meth="repeat">
-      <a:schemeClr val="lt1"/>
-    </dgm:linClrLst>
-    <dgm:effectClrLst/>
-    <dgm:txLinClrLst/>
-    <dgm:txFillClrLst/>
-    <dgm:txEffectClrLst/>
-  </dgm:styleLbl>
-  <dgm:styleLbl name="vennNode1">
+  <dgm:styleLbl name="alignAccFollowNode1">
     <dgm:fillClrLst meth="repeat">
       <a:schemeClr val="accent1">
-        <a:alpha val="50000"/>
+        <a:alpha val="90000"/>
+        <a:tint val="40000"/>
       </a:schemeClr>
     </dgm:fillClrLst>
     <dgm:linClrLst meth="repeat">
-      <a:schemeClr val="lt1"/>
-    </dgm:linClrLst>
-    <dgm:effectClrLst/>
-    <dgm:txLinClrLst/>
-    <dgm:txFillClrLst/>
-    <dgm:txEffectClrLst/>
-  </dgm:styleLbl>
-  <dgm:styleLbl name="node2">
-    <dgm:fillClrLst meth="repeat">
-      <a:schemeClr val="accent1"/>
-    </dgm:fillClrLst>
-    <dgm:linClrLst meth="repeat">
-      <a:schemeClr val="lt1"/>
-    </dgm:linClrLst>
-    <dgm:effectClrLst/>
-    <dgm:txLinClrLst/>
-    <dgm:txFillClrLst/>
-    <dgm:txEffectClrLst/>
-  </dgm:styleLbl>
-  <dgm:styleLbl name="node3">
-    <dgm:fillClrLst meth="repeat">
-      <a:schemeClr val="accent1"/>
-    </dgm:fillClrLst>
-    <dgm:linClrLst meth="repeat">
-      <a:schemeClr val="lt1"/>
-    </dgm:linClrLst>
-    <dgm:effectClrLst/>
-    <dgm:txLinClrLst/>
-    <dgm:txFillClrLst/>
-    <dgm:txEffectClrLst/>
-  </dgm:styleLbl>
-  <dgm:styleLbl name="node4">
-    <dgm:fillClrLst meth="repeat">
-      <a:schemeClr val="accent1"/>
-    </dgm:fillClrLst>
-    <dgm:linClrLst meth="repeat">
-      <a:schemeClr val="lt1"/>
-    </dgm:linClrLst>
-    <dgm:effectClrLst/>
-    <dgm:txLinClrLst/>
-    <dgm:txFillClrLst/>
-    <dgm:txEffectClrLst/>
-  </dgm:styleLbl>
-  <dgm:styleLbl name="fgImgPlace1">
-    <dgm:fillClrLst meth="repeat">
       <a:schemeClr val="accent1">
-        <a:tint val="50000"/>
+        <a:alpha val="90000"/>
+        <a:tint val="40000"/>
       </a:schemeClr>
-    </dgm:fillClrLst>
-    <dgm:linClrLst meth="repeat">
-      <a:schemeClr val="lt1"/>
     </dgm:linClrLst>
     <dgm:effectClrLst/>
     <dgm:txLinClrLst/>
     <dgm:txFillClrLst meth="repeat">
-      <a:schemeClr val="lt1"/>
+      <a:schemeClr val="dk1"/>
     </dgm:txFillClrLst>
     <dgm:txEffectClrLst/>
   </dgm:styleLbl>
@@ -1867,71 +1833,7 @@
     </dgm:txFillClrLst>
     <dgm:txEffectClrLst/>
   </dgm:styleLbl>
-  <dgm:styleLbl name="bgImgPlace1">
-    <dgm:fillClrLst meth="repeat">
-      <a:schemeClr val="accent1">
-        <a:tint val="50000"/>
-      </a:schemeClr>
-    </dgm:fillClrLst>
-    <dgm:linClrLst meth="repeat">
-      <a:schemeClr val="lt1"/>
-    </dgm:linClrLst>
-    <dgm:effectClrLst/>
-    <dgm:txLinClrLst/>
-    <dgm:txFillClrLst meth="repeat">
-      <a:schemeClr val="lt1"/>
-    </dgm:txFillClrLst>
-    <dgm:txEffectClrLst/>
-  </dgm:styleLbl>
-  <dgm:styleLbl name="sibTrans2D1">
-    <dgm:fillClrLst meth="repeat">
-      <a:schemeClr val="accent1">
-        <a:tint val="60000"/>
-      </a:schemeClr>
-    </dgm:fillClrLst>
-    <dgm:linClrLst meth="repeat">
-      <a:schemeClr val="accent1">
-        <a:tint val="60000"/>
-      </a:schemeClr>
-    </dgm:linClrLst>
-    <dgm:effectClrLst/>
-    <dgm:txLinClrLst/>
-    <dgm:txFillClrLst/>
-    <dgm:txEffectClrLst/>
-  </dgm:styleLbl>
-  <dgm:styleLbl name="fgSibTrans2D1">
-    <dgm:fillClrLst meth="repeat">
-      <a:schemeClr val="accent1">
-        <a:tint val="60000"/>
-      </a:schemeClr>
-    </dgm:fillClrLst>
-    <dgm:linClrLst meth="repeat">
-      <a:schemeClr val="accent1">
-        <a:tint val="60000"/>
-      </a:schemeClr>
-    </dgm:linClrLst>
-    <dgm:effectClrLst/>
-    <dgm:txLinClrLst/>
-    <dgm:txFillClrLst/>
-    <dgm:txEffectClrLst/>
-  </dgm:styleLbl>
-  <dgm:styleLbl name="bgSibTrans2D1">
-    <dgm:fillClrLst meth="repeat">
-      <a:schemeClr val="accent1">
-        <a:tint val="60000"/>
-      </a:schemeClr>
-    </dgm:fillClrLst>
-    <dgm:linClrLst meth="repeat">
-      <a:schemeClr val="accent1">
-        <a:tint val="60000"/>
-      </a:schemeClr>
-    </dgm:linClrLst>
-    <dgm:effectClrLst/>
-    <dgm:txLinClrLst/>
-    <dgm:txFillClrLst/>
-    <dgm:txEffectClrLst/>
-  </dgm:styleLbl>
-  <dgm:styleLbl name="sibTrans1D1">
+  <dgm:styleLbl name="alignNode1">
     <dgm:fillClrLst meth="repeat">
       <a:schemeClr val="accent1"/>
     </dgm:fillClrLst>
@@ -1940,25 +1842,7 @@
     </dgm:linClrLst>
     <dgm:effectClrLst/>
     <dgm:txLinClrLst/>
-    <dgm:txFillClrLst meth="repeat">
-      <a:schemeClr val="tx1"/>
-    </dgm:txFillClrLst>
-    <dgm:txEffectClrLst/>
-  </dgm:styleLbl>
-  <dgm:styleLbl name="callout">
-    <dgm:fillClrLst meth="repeat">
-      <a:schemeClr val="accent1"/>
-    </dgm:fillClrLst>
-    <dgm:linClrLst meth="repeat">
-      <a:schemeClr val="accent1">
-        <a:tint val="50000"/>
-      </a:schemeClr>
-    </dgm:linClrLst>
-    <dgm:effectClrLst/>
-    <dgm:txLinClrLst/>
-    <dgm:txFillClrLst meth="repeat">
-      <a:schemeClr val="tx1"/>
-    </dgm:txFillClrLst>
+    <dgm:txFillClrLst/>
     <dgm:txEffectClrLst/>
   </dgm:styleLbl>
   <dgm:styleLbl name="asst0">
@@ -2021,7 +1905,75 @@
     <dgm:txFillClrLst/>
     <dgm:txEffectClrLst/>
   </dgm:styleLbl>
-  <dgm:styleLbl name="parChTrans2D1">
+  <dgm:styleLbl name="bgAcc1">
+    <dgm:fillClrLst meth="repeat">
+      <a:schemeClr val="lt1">
+        <a:alpha val="90000"/>
+      </a:schemeClr>
+    </dgm:fillClrLst>
+    <dgm:linClrLst meth="repeat">
+      <a:schemeClr val="accent1"/>
+    </dgm:linClrLst>
+    <dgm:effectClrLst/>
+    <dgm:txLinClrLst/>
+    <dgm:txFillClrLst meth="repeat">
+      <a:schemeClr val="dk1"/>
+    </dgm:txFillClrLst>
+    <dgm:txEffectClrLst/>
+  </dgm:styleLbl>
+  <dgm:styleLbl name="bgAccFollowNode1">
+    <dgm:fillClrLst meth="repeat">
+      <a:schemeClr val="accent1">
+        <a:alpha val="90000"/>
+        <a:tint val="40000"/>
+      </a:schemeClr>
+    </dgm:fillClrLst>
+    <dgm:linClrLst meth="repeat">
+      <a:schemeClr val="accent1">
+        <a:alpha val="90000"/>
+        <a:tint val="40000"/>
+      </a:schemeClr>
+    </dgm:linClrLst>
+    <dgm:effectClrLst/>
+    <dgm:txLinClrLst/>
+    <dgm:txFillClrLst meth="repeat">
+      <a:schemeClr val="dk1"/>
+    </dgm:txFillClrLst>
+    <dgm:txEffectClrLst/>
+  </dgm:styleLbl>
+  <dgm:styleLbl name="bgImgPlace1">
+    <dgm:fillClrLst meth="repeat">
+      <a:schemeClr val="accent1">
+        <a:tint val="50000"/>
+      </a:schemeClr>
+    </dgm:fillClrLst>
+    <dgm:linClrLst meth="repeat">
+      <a:schemeClr val="lt1"/>
+    </dgm:linClrLst>
+    <dgm:effectClrLst/>
+    <dgm:txLinClrLst/>
+    <dgm:txFillClrLst meth="repeat">
+      <a:schemeClr val="lt1"/>
+    </dgm:txFillClrLst>
+    <dgm:txEffectClrLst/>
+  </dgm:styleLbl>
+  <dgm:styleLbl name="bgShp">
+    <dgm:fillClrLst meth="repeat">
+      <a:schemeClr val="accent1">
+        <a:tint val="40000"/>
+      </a:schemeClr>
+    </dgm:fillClrLst>
+    <dgm:linClrLst meth="repeat">
+      <a:schemeClr val="accent1"/>
+    </dgm:linClrLst>
+    <dgm:effectClrLst/>
+    <dgm:txLinClrLst/>
+    <dgm:txFillClrLst meth="repeat">
+      <a:schemeClr val="dk1"/>
+    </dgm:txFillClrLst>
+    <dgm:txEffectClrLst/>
+  </dgm:styleLbl>
+  <dgm:styleLbl name="bgSibTrans2D1">
     <dgm:fillClrLst meth="repeat">
       <a:schemeClr val="accent1">
         <a:tint val="60000"/>
@@ -2034,14 +1986,46 @@
     </dgm:linClrLst>
     <dgm:effectClrLst/>
     <dgm:txLinClrLst/>
+    <dgm:txFillClrLst/>
+    <dgm:txEffectClrLst/>
+  </dgm:styleLbl>
+  <dgm:styleLbl name="callout">
+    <dgm:fillClrLst meth="repeat">
+      <a:schemeClr val="accent1"/>
+    </dgm:fillClrLst>
+    <dgm:linClrLst meth="repeat">
+      <a:schemeClr val="accent1">
+        <a:tint val="50000"/>
+      </a:schemeClr>
+    </dgm:linClrLst>
+    <dgm:effectClrLst/>
+    <dgm:txLinClrLst/>
     <dgm:txFillClrLst meth="repeat">
-      <a:schemeClr val="lt1"/>
+      <a:schemeClr val="tx1"/>
     </dgm:txFillClrLst>
     <dgm:txEffectClrLst/>
   </dgm:styleLbl>
-  <dgm:styleLbl name="parChTrans2D2">
+  <dgm:styleLbl name="conFgAcc1">
     <dgm:fillClrLst meth="repeat">
+      <a:schemeClr val="lt1">
+        <a:alpha val="90000"/>
+      </a:schemeClr>
+    </dgm:fillClrLst>
+    <dgm:linClrLst meth="repeat">
       <a:schemeClr val="accent1"/>
+    </dgm:linClrLst>
+    <dgm:effectClrLst/>
+    <dgm:txLinClrLst/>
+    <dgm:txFillClrLst meth="repeat">
+      <a:schemeClr val="dk1"/>
+    </dgm:txFillClrLst>
+    <dgm:txEffectClrLst/>
+  </dgm:styleLbl>
+  <dgm:styleLbl name="dkBgShp">
+    <dgm:fillClrLst meth="repeat">
+      <a:schemeClr val="accent1">
+        <a:shade val="80000"/>
+      </a:schemeClr>
     </dgm:fillClrLst>
     <dgm:linClrLst meth="repeat">
       <a:schemeClr val="accent1"/>
@@ -2053,12 +2037,114 @@
     </dgm:txFillClrLst>
     <dgm:txEffectClrLst/>
   </dgm:styleLbl>
-  <dgm:styleLbl name="parChTrans2D3">
+  <dgm:styleLbl name="fgAcc0">
     <dgm:fillClrLst meth="repeat">
-      <a:schemeClr val="accent1"/>
+      <a:schemeClr val="lt1">
+        <a:alpha val="90000"/>
+      </a:schemeClr>
     </dgm:fillClrLst>
     <dgm:linClrLst meth="repeat">
       <a:schemeClr val="accent1"/>
+    </dgm:linClrLst>
+    <dgm:effectClrLst/>
+    <dgm:txLinClrLst/>
+    <dgm:txFillClrLst meth="repeat">
+      <a:schemeClr val="dk1"/>
+    </dgm:txFillClrLst>
+    <dgm:txEffectClrLst/>
+  </dgm:styleLbl>
+  <dgm:styleLbl name="fgAcc1">
+    <dgm:fillClrLst meth="repeat">
+      <a:schemeClr val="lt1">
+        <a:alpha val="90000"/>
+      </a:schemeClr>
+    </dgm:fillClrLst>
+    <dgm:linClrLst meth="repeat">
+      <a:schemeClr val="accent1"/>
+    </dgm:linClrLst>
+    <dgm:effectClrLst/>
+    <dgm:txLinClrLst/>
+    <dgm:txFillClrLst meth="repeat">
+      <a:schemeClr val="dk1"/>
+    </dgm:txFillClrLst>
+    <dgm:txEffectClrLst/>
+  </dgm:styleLbl>
+  <dgm:styleLbl name="fgAcc2">
+    <dgm:fillClrLst meth="repeat">
+      <a:schemeClr val="lt1">
+        <a:alpha val="90000"/>
+      </a:schemeClr>
+    </dgm:fillClrLst>
+    <dgm:linClrLst meth="repeat">
+      <a:schemeClr val="accent1"/>
+    </dgm:linClrLst>
+    <dgm:effectClrLst/>
+    <dgm:txLinClrLst/>
+    <dgm:txFillClrLst meth="repeat">
+      <a:schemeClr val="dk1"/>
+    </dgm:txFillClrLst>
+    <dgm:txEffectClrLst/>
+  </dgm:styleLbl>
+  <dgm:styleLbl name="fgAcc3">
+    <dgm:fillClrLst meth="repeat">
+      <a:schemeClr val="lt1">
+        <a:alpha val="90000"/>
+      </a:schemeClr>
+    </dgm:fillClrLst>
+    <dgm:linClrLst meth="repeat">
+      <a:schemeClr val="accent1"/>
+    </dgm:linClrLst>
+    <dgm:effectClrLst/>
+    <dgm:txLinClrLst/>
+    <dgm:txFillClrLst meth="repeat">
+      <a:schemeClr val="dk1"/>
+    </dgm:txFillClrLst>
+    <dgm:txEffectClrLst/>
+  </dgm:styleLbl>
+  <dgm:styleLbl name="fgAcc4">
+    <dgm:fillClrLst meth="repeat">
+      <a:schemeClr val="lt1">
+        <a:alpha val="90000"/>
+      </a:schemeClr>
+    </dgm:fillClrLst>
+    <dgm:linClrLst meth="repeat">
+      <a:schemeClr val="accent1"/>
+    </dgm:linClrLst>
+    <dgm:effectClrLst/>
+    <dgm:txLinClrLst/>
+    <dgm:txFillClrLst meth="repeat">
+      <a:schemeClr val="dk1"/>
+    </dgm:txFillClrLst>
+    <dgm:txEffectClrLst/>
+  </dgm:styleLbl>
+  <dgm:styleLbl name="fgAccFollowNode1">
+    <dgm:fillClrLst meth="repeat">
+      <a:schemeClr val="accent1">
+        <a:alpha val="90000"/>
+        <a:tint val="40000"/>
+      </a:schemeClr>
+    </dgm:fillClrLst>
+    <dgm:linClrLst meth="repeat">
+      <a:schemeClr val="accent1">
+        <a:alpha val="90000"/>
+        <a:tint val="40000"/>
+      </a:schemeClr>
+    </dgm:linClrLst>
+    <dgm:effectClrLst/>
+    <dgm:txLinClrLst/>
+    <dgm:txFillClrLst meth="repeat">
+      <a:schemeClr val="dk1"/>
+    </dgm:txFillClrLst>
+    <dgm:txEffectClrLst/>
+  </dgm:styleLbl>
+  <dgm:styleLbl name="fgImgPlace1">
+    <dgm:fillClrLst meth="repeat">
+      <a:schemeClr val="accent1">
+        <a:tint val="50000"/>
+      </a:schemeClr>
+    </dgm:fillClrLst>
+    <dgm:linClrLst meth="repeat">
+      <a:schemeClr val="lt1"/>
     </dgm:linClrLst>
     <dgm:effectClrLst/>
     <dgm:txLinClrLst/>
@@ -2067,18 +2153,108 @@
     </dgm:txFillClrLst>
     <dgm:txEffectClrLst/>
   </dgm:styleLbl>
-  <dgm:styleLbl name="parChTrans2D4">
+  <dgm:styleLbl name="fgShp">
+    <dgm:fillClrLst meth="repeat">
+      <a:schemeClr val="accent1">
+        <a:tint val="60000"/>
+      </a:schemeClr>
+    </dgm:fillClrLst>
+    <dgm:linClrLst meth="repeat">
+      <a:schemeClr val="lt1"/>
+    </dgm:linClrLst>
+    <dgm:effectClrLst/>
+    <dgm:txLinClrLst/>
+    <dgm:txFillClrLst meth="repeat">
+      <a:schemeClr val="dk1"/>
+    </dgm:txFillClrLst>
+    <dgm:txEffectClrLst/>
+  </dgm:styleLbl>
+  <dgm:styleLbl name="fgSibTrans2D1">
+    <dgm:fillClrLst meth="repeat">
+      <a:schemeClr val="accent1">
+        <a:tint val="60000"/>
+      </a:schemeClr>
+    </dgm:fillClrLst>
+    <dgm:linClrLst meth="repeat">
+      <a:schemeClr val="accent1">
+        <a:tint val="60000"/>
+      </a:schemeClr>
+    </dgm:linClrLst>
+    <dgm:effectClrLst/>
+    <dgm:txLinClrLst/>
+    <dgm:txFillClrLst/>
+    <dgm:txEffectClrLst/>
+  </dgm:styleLbl>
+  <dgm:styleLbl name="lnNode1">
     <dgm:fillClrLst meth="repeat">
       <a:schemeClr val="accent1"/>
     </dgm:fillClrLst>
     <dgm:linClrLst meth="repeat">
-      <a:schemeClr val="accent1"/>
+      <a:schemeClr val="lt1"/>
     </dgm:linClrLst>
     <dgm:effectClrLst/>
     <dgm:txLinClrLst/>
-    <dgm:txFillClrLst meth="repeat">
+    <dgm:txFillClrLst/>
+    <dgm:txEffectClrLst/>
+  </dgm:styleLbl>
+  <dgm:styleLbl name="node0">
+    <dgm:fillClrLst meth="repeat">
+      <a:schemeClr val="accent1"/>
+    </dgm:fillClrLst>
+    <dgm:linClrLst meth="repeat">
       <a:schemeClr val="lt1"/>
-    </dgm:txFillClrLst>
+    </dgm:linClrLst>
+    <dgm:effectClrLst/>
+    <dgm:txLinClrLst/>
+    <dgm:txFillClrLst/>
+    <dgm:txEffectClrLst/>
+  </dgm:styleLbl>
+  <dgm:styleLbl name="node1">
+    <dgm:fillClrLst meth="repeat">
+      <a:schemeClr val="accent1"/>
+    </dgm:fillClrLst>
+    <dgm:linClrLst meth="repeat">
+      <a:schemeClr val="lt1"/>
+    </dgm:linClrLst>
+    <dgm:effectClrLst/>
+    <dgm:txLinClrLst/>
+    <dgm:txFillClrLst/>
+    <dgm:txEffectClrLst/>
+  </dgm:styleLbl>
+  <dgm:styleLbl name="node2">
+    <dgm:fillClrLst meth="repeat">
+      <a:schemeClr val="accent1"/>
+    </dgm:fillClrLst>
+    <dgm:linClrLst meth="repeat">
+      <a:schemeClr val="lt1"/>
+    </dgm:linClrLst>
+    <dgm:effectClrLst/>
+    <dgm:txLinClrLst/>
+    <dgm:txFillClrLst/>
+    <dgm:txEffectClrLst/>
+  </dgm:styleLbl>
+  <dgm:styleLbl name="node3">
+    <dgm:fillClrLst meth="repeat">
+      <a:schemeClr val="accent1"/>
+    </dgm:fillClrLst>
+    <dgm:linClrLst meth="repeat">
+      <a:schemeClr val="lt1"/>
+    </dgm:linClrLst>
+    <dgm:effectClrLst/>
+    <dgm:txLinClrLst/>
+    <dgm:txFillClrLst/>
+    <dgm:txEffectClrLst/>
+  </dgm:styleLbl>
+  <dgm:styleLbl name="node4">
+    <dgm:fillClrLst meth="repeat">
+      <a:schemeClr val="accent1"/>
+    </dgm:fillClrLst>
+    <dgm:linClrLst meth="repeat">
+      <a:schemeClr val="lt1"/>
+    </dgm:linClrLst>
+    <dgm:effectClrLst/>
+    <dgm:txLinClrLst/>
+    <dgm:txFillClrLst/>
     <dgm:txEffectClrLst/>
   </dgm:styleLbl>
   <dgm:styleLbl name="parChTrans1D1">
@@ -2145,11 +2321,27 @@
     </dgm:txFillClrLst>
     <dgm:txEffectClrLst/>
   </dgm:styleLbl>
-  <dgm:styleLbl name="fgAcc1">
+  <dgm:styleLbl name="parChTrans2D1">
     <dgm:fillClrLst meth="repeat">
-      <a:schemeClr val="lt1">
-        <a:alpha val="90000"/>
+      <a:schemeClr val="accent1">
+        <a:tint val="60000"/>
       </a:schemeClr>
+    </dgm:fillClrLst>
+    <dgm:linClrLst meth="repeat">
+      <a:schemeClr val="accent1">
+        <a:tint val="60000"/>
+      </a:schemeClr>
+    </dgm:linClrLst>
+    <dgm:effectClrLst/>
+    <dgm:txLinClrLst/>
+    <dgm:txFillClrLst meth="repeat">
+      <a:schemeClr val="lt1"/>
+    </dgm:txFillClrLst>
+    <dgm:txEffectClrLst/>
+  </dgm:styleLbl>
+  <dgm:styleLbl name="parChTrans2D2">
+    <dgm:fillClrLst meth="repeat">
+      <a:schemeClr val="accent1"/>
     </dgm:fillClrLst>
     <dgm:linClrLst meth="repeat">
       <a:schemeClr val="accent1"/>
@@ -2157,15 +2349,13 @@
     <dgm:effectClrLst/>
     <dgm:txLinClrLst/>
     <dgm:txFillClrLst meth="repeat">
-      <a:schemeClr val="dk1"/>
+      <a:schemeClr val="lt1"/>
     </dgm:txFillClrLst>
     <dgm:txEffectClrLst/>
   </dgm:styleLbl>
-  <dgm:styleLbl name="conFgAcc1">
+  <dgm:styleLbl name="parChTrans2D3">
     <dgm:fillClrLst meth="repeat">
-      <a:schemeClr val="lt1">
-        <a:alpha val="90000"/>
-      </a:schemeClr>
+      <a:schemeClr val="accent1"/>
     </dgm:fillClrLst>
     <dgm:linClrLst meth="repeat">
       <a:schemeClr val="accent1"/>
@@ -2173,15 +2363,13 @@
     <dgm:effectClrLst/>
     <dgm:txLinClrLst/>
     <dgm:txFillClrLst meth="repeat">
-      <a:schemeClr val="dk1"/>
+      <a:schemeClr val="lt1"/>
     </dgm:txFillClrLst>
     <dgm:txEffectClrLst/>
   </dgm:styleLbl>
-  <dgm:styleLbl name="alignAcc1">
+  <dgm:styleLbl name="parChTrans2D4">
     <dgm:fillClrLst meth="repeat">
-      <a:schemeClr val="lt1">
-        <a:alpha val="90000"/>
-      </a:schemeClr>
+      <a:schemeClr val="accent1"/>
     </dgm:fillClrLst>
     <dgm:linClrLst meth="repeat">
       <a:schemeClr val="accent1"/>
@@ -2189,15 +2377,31 @@
     <dgm:effectClrLst/>
     <dgm:txLinClrLst/>
     <dgm:txFillClrLst meth="repeat">
-      <a:schemeClr val="dk1"/>
+      <a:schemeClr val="lt1"/>
     </dgm:txFillClrLst>
     <dgm:txEffectClrLst/>
   </dgm:styleLbl>
-  <dgm:styleLbl name="trAlignAcc1">
+  <dgm:styleLbl name="revTx">
     <dgm:fillClrLst meth="repeat">
       <a:schemeClr val="lt1">
-        <a:alpha val="40000"/>
+        <a:alpha val="0"/>
       </a:schemeClr>
+    </dgm:fillClrLst>
+    <dgm:linClrLst meth="repeat">
+      <a:schemeClr val="dk1">
+        <a:alpha val="0"/>
+      </a:schemeClr>
+    </dgm:linClrLst>
+    <dgm:effectClrLst/>
+    <dgm:txLinClrLst/>
+    <dgm:txFillClrLst meth="repeat">
+      <a:schemeClr val="tx1"/>
+    </dgm:txFillClrLst>
+    <dgm:txEffectClrLst/>
+  </dgm:styleLbl>
+  <dgm:styleLbl name="sibTrans1D1">
+    <dgm:fillClrLst meth="repeat">
+      <a:schemeClr val="accent1"/>
     </dgm:fillClrLst>
     <dgm:linClrLst meth="repeat">
       <a:schemeClr val="accent1"/>
@@ -2205,38 +2409,24 @@
     <dgm:effectClrLst/>
     <dgm:txLinClrLst/>
     <dgm:txFillClrLst meth="repeat">
-      <a:schemeClr val="dk1"/>
+      <a:schemeClr val="tx1"/>
     </dgm:txFillClrLst>
     <dgm:txEffectClrLst/>
   </dgm:styleLbl>
-  <dgm:styleLbl name="bgAcc1">
+  <dgm:styleLbl name="sibTrans2D1">
     <dgm:fillClrLst meth="repeat">
-      <a:schemeClr val="lt1">
-        <a:alpha val="90000"/>
+      <a:schemeClr val="accent1">
+        <a:tint val="60000"/>
       </a:schemeClr>
     </dgm:fillClrLst>
     <dgm:linClrLst meth="repeat">
-      <a:schemeClr val="accent1"/>
+      <a:schemeClr val="accent1">
+        <a:tint val="60000"/>
+      </a:schemeClr>
     </dgm:linClrLst>
     <dgm:effectClrLst/>
     <dgm:txLinClrLst/>
-    <dgm:txFillClrLst meth="repeat">
-      <a:schemeClr val="dk1"/>
-    </dgm:txFillClrLst>
-    <dgm:txEffectClrLst/>
-  </dgm:styleLbl>
-  <dgm:styleLbl name="solidFgAcc1">
-    <dgm:fillClrLst meth="repeat">
-      <a:schemeClr val="lt1"/>
-    </dgm:fillClrLst>
-    <dgm:linClrLst meth="repeat">
-      <a:schemeClr val="accent1"/>
-    </dgm:linClrLst>
-    <dgm:effectClrLst/>
-    <dgm:txLinClrLst/>
-    <dgm:txFillClrLst meth="repeat">
-      <a:schemeClr val="dk1"/>
-    </dgm:txFillClrLst>
+    <dgm:txFillClrLst/>
     <dgm:txEffectClrLst/>
   </dgm:styleLbl>
   <dgm:styleLbl name="solidAlignAcc1">
@@ -2267,71 +2457,9 @@
     </dgm:txFillClrLst>
     <dgm:txEffectClrLst/>
   </dgm:styleLbl>
-  <dgm:styleLbl name="fgAccFollowNode1">
+  <dgm:styleLbl name="solidFgAcc1">
     <dgm:fillClrLst meth="repeat">
-      <a:schemeClr val="accent1">
-        <a:alpha val="90000"/>
-        <a:tint val="40000"/>
-      </a:schemeClr>
-    </dgm:fillClrLst>
-    <dgm:linClrLst meth="repeat">
-      <a:schemeClr val="accent1">
-        <a:alpha val="90000"/>
-        <a:tint val="40000"/>
-      </a:schemeClr>
-    </dgm:linClrLst>
-    <dgm:effectClrLst/>
-    <dgm:txLinClrLst/>
-    <dgm:txFillClrLst meth="repeat">
-      <a:schemeClr val="dk1"/>
-    </dgm:txFillClrLst>
-    <dgm:txEffectClrLst/>
-  </dgm:styleLbl>
-  <dgm:styleLbl name="alignAccFollowNode1">
-    <dgm:fillClrLst meth="repeat">
-      <a:schemeClr val="accent1">
-        <a:alpha val="90000"/>
-        <a:tint val="40000"/>
-      </a:schemeClr>
-    </dgm:fillClrLst>
-    <dgm:linClrLst meth="repeat">
-      <a:schemeClr val="accent1">
-        <a:alpha val="90000"/>
-        <a:tint val="40000"/>
-      </a:schemeClr>
-    </dgm:linClrLst>
-    <dgm:effectClrLst/>
-    <dgm:txLinClrLst/>
-    <dgm:txFillClrLst meth="repeat">
-      <a:schemeClr val="dk1"/>
-    </dgm:txFillClrLst>
-    <dgm:txEffectClrLst/>
-  </dgm:styleLbl>
-  <dgm:styleLbl name="bgAccFollowNode1">
-    <dgm:fillClrLst meth="repeat">
-      <a:schemeClr val="accent1">
-        <a:alpha val="90000"/>
-        <a:tint val="40000"/>
-      </a:schemeClr>
-    </dgm:fillClrLst>
-    <dgm:linClrLst meth="repeat">
-      <a:schemeClr val="accent1">
-        <a:alpha val="90000"/>
-        <a:tint val="40000"/>
-      </a:schemeClr>
-    </dgm:linClrLst>
-    <dgm:effectClrLst/>
-    <dgm:txLinClrLst/>
-    <dgm:txFillClrLst meth="repeat">
-      <a:schemeClr val="dk1"/>
-    </dgm:txFillClrLst>
-    <dgm:txEffectClrLst/>
-  </dgm:styleLbl>
-  <dgm:styleLbl name="fgAcc0">
-    <dgm:fillClrLst meth="repeat">
-      <a:schemeClr val="lt1">
-        <a:alpha val="90000"/>
-      </a:schemeClr>
+      <a:schemeClr val="lt1"/>
     </dgm:fillClrLst>
     <dgm:linClrLst meth="repeat">
       <a:schemeClr val="accent1"/>
@@ -2343,10 +2471,10 @@
     </dgm:txFillClrLst>
     <dgm:txEffectClrLst/>
   </dgm:styleLbl>
-  <dgm:styleLbl name="fgAcc2">
+  <dgm:styleLbl name="trAlignAcc1">
     <dgm:fillClrLst meth="repeat">
       <a:schemeClr val="lt1">
-        <a:alpha val="90000"/>
+        <a:alpha val="40000"/>
       </a:schemeClr>
     </dgm:fillClrLst>
     <dgm:linClrLst meth="repeat">
@@ -2356,70 +2484,6 @@
     <dgm:txLinClrLst/>
     <dgm:txFillClrLst meth="repeat">
       <a:schemeClr val="dk1"/>
-    </dgm:txFillClrLst>
-    <dgm:txEffectClrLst/>
-  </dgm:styleLbl>
-  <dgm:styleLbl name="fgAcc3">
-    <dgm:fillClrLst meth="repeat">
-      <a:schemeClr val="lt1">
-        <a:alpha val="90000"/>
-      </a:schemeClr>
-    </dgm:fillClrLst>
-    <dgm:linClrLst meth="repeat">
-      <a:schemeClr val="accent1"/>
-    </dgm:linClrLst>
-    <dgm:effectClrLst/>
-    <dgm:txLinClrLst/>
-    <dgm:txFillClrLst meth="repeat">
-      <a:schemeClr val="dk1"/>
-    </dgm:txFillClrLst>
-    <dgm:txEffectClrLst/>
-  </dgm:styleLbl>
-  <dgm:styleLbl name="fgAcc4">
-    <dgm:fillClrLst meth="repeat">
-      <a:schemeClr val="lt1">
-        <a:alpha val="90000"/>
-      </a:schemeClr>
-    </dgm:fillClrLst>
-    <dgm:linClrLst meth="repeat">
-      <a:schemeClr val="accent1"/>
-    </dgm:linClrLst>
-    <dgm:effectClrLst/>
-    <dgm:txLinClrLst/>
-    <dgm:txFillClrLst meth="repeat">
-      <a:schemeClr val="dk1"/>
-    </dgm:txFillClrLst>
-    <dgm:txEffectClrLst/>
-  </dgm:styleLbl>
-  <dgm:styleLbl name="bgShp">
-    <dgm:fillClrLst meth="repeat">
-      <a:schemeClr val="accent1">
-        <a:tint val="40000"/>
-      </a:schemeClr>
-    </dgm:fillClrLst>
-    <dgm:linClrLst meth="repeat">
-      <a:schemeClr val="accent1"/>
-    </dgm:linClrLst>
-    <dgm:effectClrLst/>
-    <dgm:txLinClrLst/>
-    <dgm:txFillClrLst meth="repeat">
-      <a:schemeClr val="dk1"/>
-    </dgm:txFillClrLst>
-    <dgm:txEffectClrLst/>
-  </dgm:styleLbl>
-  <dgm:styleLbl name="dkBgShp">
-    <dgm:fillClrLst meth="repeat">
-      <a:schemeClr val="accent1">
-        <a:shade val="80000"/>
-      </a:schemeClr>
-    </dgm:fillClrLst>
-    <dgm:linClrLst meth="repeat">
-      <a:schemeClr val="accent1"/>
-    </dgm:linClrLst>
-    <dgm:effectClrLst/>
-    <dgm:txLinClrLst/>
-    <dgm:txFillClrLst meth="repeat">
-      <a:schemeClr val="lt1"/>
     </dgm:txFillClrLst>
     <dgm:txEffectClrLst/>
   </dgm:styleLbl>
@@ -2440,10 +2504,10 @@
     </dgm:txFillClrLst>
     <dgm:txEffectClrLst/>
   </dgm:styleLbl>
-  <dgm:styleLbl name="fgShp">
+  <dgm:styleLbl name="vennNode1">
     <dgm:fillClrLst meth="repeat">
       <a:schemeClr val="accent1">
-        <a:tint val="60000"/>
+        <a:alpha val="50000"/>
       </a:schemeClr>
     </dgm:fillClrLst>
     <dgm:linClrLst meth="repeat">
@@ -2451,27 +2515,7 @@
     </dgm:linClrLst>
     <dgm:effectClrLst/>
     <dgm:txLinClrLst/>
-    <dgm:txFillClrLst meth="repeat">
-      <a:schemeClr val="dk1"/>
-    </dgm:txFillClrLst>
-    <dgm:txEffectClrLst/>
-  </dgm:styleLbl>
-  <dgm:styleLbl name="revTx">
-    <dgm:fillClrLst meth="repeat">
-      <a:schemeClr val="lt1">
-        <a:alpha val="0"/>
-      </a:schemeClr>
-    </dgm:fillClrLst>
-    <dgm:linClrLst meth="repeat">
-      <a:schemeClr val="dk1">
-        <a:alpha val="0"/>
-      </a:schemeClr>
-    </dgm:linClrLst>
-    <dgm:effectClrLst/>
-    <dgm:txLinClrLst/>
-    <dgm:txFillClrLst meth="repeat">
-      <a:schemeClr val="tx1"/>
-    </dgm:txFillClrLst>
+    <dgm:txFillClrLst/>
     <dgm:txEffectClrLst/>
   </dgm:styleLbl>
 </dgm:colorsDef>
@@ -3240,7 +3284,7 @@
 <dgm:dataModel xmlns:dgm="http://schemas.openxmlformats.org/drawingml/2006/diagram" xmlns:a="http://schemas.openxmlformats.org/drawingml/2006/main">
   <dgm:ptLst>
     <dgm:pt modelId="{E0DBD592-C900-4D5D-A79A-93A58E8DA172}" type="doc">
-      <dgm:prSet loTypeId="urn:microsoft.com/office/officeart/2005/8/layout/vList4" loCatId="list" qsTypeId="urn:microsoft.com/office/officeart/2005/8/quickstyle/simple1" qsCatId="simple" csTypeId="urn:microsoft.com/office/officeart/2005/8/colors/accent1_2" csCatId="accent1" phldr="1"/>
+      <dgm:prSet loTypeId="urn:microsoft.com/office/officeart/2005/8/layout/vList4" loCatId="list" qsTypeId="urn:microsoft.com/office/officeart/2005/8/quickstyle/simple1#1" qsCatId="simple" csTypeId="urn:microsoft.com/office/officeart/2005/8/colors/accent1_2#1" csCatId="accent1" phldr="1"/>
       <dgm:spPr/>
       <dgm:t>
         <a:bodyPr/>
@@ -3257,13 +3301,59 @@
         <a:bodyPr/>
         <a:lstStyle/>
         <a:p>
-          <a:pPr rtl="0"/>
           <a:r>
             <a:rPr lang="es-ES" sz="1000" b="1" dirty="0">
-              <a:latin typeface="Arial"/>
+              <a:solidFill>
+                <a:srgbClr val="002060"/>
+              </a:solidFill>
             </a:rPr>
-            <a:t> Árbol de decisión - Laura</a:t>
+            <a:t>	</a:t>
           </a:r>
+          <a:r>
+            <a:rPr lang="es-ES" sz="1000" b="1" dirty="0" err="1">
+              <a:solidFill>
+                <a:srgbClr val="002060"/>
+              </a:solidFill>
+            </a:rPr>
+            <a:t>Classification</a:t>
+          </a:r>
+          <a:r>
+            <a:rPr lang="es-ES" sz="1000" b="1" dirty="0">
+              <a:solidFill>
+                <a:srgbClr val="002060"/>
+              </a:solidFill>
+            </a:rPr>
+            <a:t> </a:t>
+          </a:r>
+          <a:r>
+            <a:rPr lang="es-ES" sz="1000" b="1" dirty="0" err="1">
+              <a:solidFill>
+                <a:srgbClr val="002060"/>
+              </a:solidFill>
+            </a:rPr>
+            <a:t>tree</a:t>
+          </a:r>
+          <a:r>
+            <a:rPr lang="es-ES" sz="1000" b="1" dirty="0">
+              <a:solidFill>
+                <a:srgbClr val="002060"/>
+              </a:solidFill>
+            </a:rPr>
+            <a:t>– </a:t>
+          </a:r>
+          <a:r>
+            <a:rPr lang="es-ES" sz="1000" b="1" dirty="0">
+              <a:solidFill>
+                <a:schemeClr val="bg1"/>
+              </a:solidFill>
+            </a:rPr>
+            <a:t>Laura, Mario</a:t>
+          </a:r>
+          <a:endParaRPr lang="es-ES" sz="1000" dirty="0">
+            <a:solidFill>
+              <a:schemeClr val="bg1"/>
+            </a:solidFill>
+          </a:endParaRPr>
         </a:p>
       </dgm:t>
     </dgm:pt>
@@ -3297,30 +3387,42 @@
         <a:lstStyle/>
         <a:p>
           <a:r>
-            <a:rPr lang="es-ES" sz="1000" b="1" dirty="0"/>
+            <a:rPr lang="es-ES" sz="1100" b="1" dirty="0">
+              <a:solidFill>
+                <a:srgbClr val="002060"/>
+              </a:solidFill>
+            </a:rPr>
             <a:t>      	</a:t>
           </a:r>
           <a:r>
-            <a:rPr lang="es-ES" sz="1000" b="1" dirty="0" err="1"/>
+            <a:rPr lang="es-ES" sz="1100" b="1" dirty="0" err="1">
+              <a:solidFill>
+                <a:srgbClr val="002060"/>
+              </a:solidFill>
+            </a:rPr>
             <a:t>Xgboost</a:t>
           </a:r>
           <a:r>
-            <a:rPr lang="es-ES" sz="1000" b="1" dirty="0"/>
+            <a:rPr lang="es-ES" sz="1100" b="1" dirty="0">
+              <a:solidFill>
+                <a:srgbClr val="002060"/>
+              </a:solidFill>
+            </a:rPr>
             <a:t> – </a:t>
           </a:r>
           <a:r>
-            <a:rPr lang="es-ES" sz="1000" dirty="0" err="1"/>
+            <a:rPr lang="es-ES" sz="1100" dirty="0" err="1"/>
             <a:t>Wenjia</a:t>
           </a:r>
           <a:r>
-            <a:rPr lang="es-ES" sz="1000" dirty="0"/>
+            <a:rPr lang="es-ES" sz="1100" dirty="0"/>
             <a:t>, Melissa, Mario, </a:t>
           </a:r>
           <a:r>
-            <a:rPr lang="es-ES" sz="1000" dirty="0" err="1"/>
+            <a:rPr lang="es-ES" sz="1100" dirty="0" err="1"/>
             <a:t>Siling</a:t>
           </a:r>
-          <a:endParaRPr lang="es-ES" sz="1000" dirty="0"/>
+          <a:endParaRPr lang="es-ES" sz="1100" dirty="0"/>
         </a:p>
       </dgm:t>
     </dgm:pt>
@@ -3353,42 +3455,61 @@
         <a:bodyPr/>
         <a:lstStyle/>
         <a:p>
-          <a:pPr rtl="0"/>
           <a:r>
             <a:rPr lang="es-ES" sz="1000" b="1" dirty="0">
-              <a:latin typeface="Arial"/>
+              <a:solidFill>
+                <a:srgbClr val="002060"/>
+              </a:solidFill>
             </a:rPr>
             <a:t> 	</a:t>
           </a:r>
           <a:r>
-            <a:rPr lang="es-ES" sz="1000" b="1" dirty="0" err="1"/>
+            <a:rPr lang="es-ES" sz="1000" b="1" dirty="0" err="1">
+              <a:solidFill>
+                <a:srgbClr val="002060"/>
+              </a:solidFill>
+            </a:rPr>
             <a:t>Random</a:t>
           </a:r>
           <a:r>
-            <a:rPr lang="es-ES" sz="1000" b="1" dirty="0"/>
+            <a:rPr lang="es-ES" sz="1000" b="1" dirty="0">
+              <a:solidFill>
+                <a:srgbClr val="002060"/>
+              </a:solidFill>
+            </a:rPr>
             <a:t> </a:t>
           </a:r>
           <a:r>
-            <a:rPr lang="es-ES" sz="1000" b="1" dirty="0" err="1"/>
+            <a:rPr lang="es-ES" sz="1000" b="1" dirty="0" err="1">
+              <a:solidFill>
+                <a:srgbClr val="002060"/>
+              </a:solidFill>
+            </a:rPr>
             <a:t>forest</a:t>
           </a:r>
           <a:r>
-            <a:rPr lang="es-ES" sz="1000" b="1" dirty="0"/>
+            <a:rPr lang="es-ES" sz="1000" b="1" dirty="0">
+              <a:solidFill>
+                <a:srgbClr val="002060"/>
+              </a:solidFill>
+            </a:rPr>
             <a:t> – </a:t>
           </a:r>
           <a:r>
-            <a:rPr lang="es-ES" sz="1000" b="1" dirty="0" err="1"/>
+            <a:rPr lang="es-ES" sz="1000" b="1" dirty="0" err="1">
+              <a:solidFill>
+                <a:schemeClr val="bg1"/>
+              </a:solidFill>
+            </a:rPr>
             <a:t>Wenjia</a:t>
           </a:r>
           <a:r>
-            <a:rPr lang="es-ES" sz="1000" b="1" dirty="0"/>
-            <a:t>, </a:t>
-          </a:r>
-          <a:r>
             <a:rPr lang="es-ES" sz="1000" b="1" dirty="0">
-              <a:latin typeface="Arial"/>
+              <a:solidFill>
+                <a:schemeClr val="bg1"/>
+              </a:solidFill>
             </a:rPr>
-            <a:t>Melissa</a:t>
+            <a:t>, Melissa</a:t>
           </a:r>
         </a:p>
       </dgm:t>
@@ -3415,87 +3536,102 @@
         </a:p>
       </dgm:t>
     </dgm:pt>
-    <dgm:pt modelId="{703E55C8-002C-48C3-8FEA-3C3DA12AA17F}">
-      <dgm:prSet phldr="0" custT="1"/>
-      <dgm:spPr/>
-      <dgm:t>
-        <a:bodyPr/>
-        <a:lstStyle/>
-        <a:p>
-          <a:pPr rtl="0"/>
-          <a:r>
-            <a:rPr lang="es-ES" altLang="zh-CN" sz="1000" b="1" dirty="0">
-              <a:latin typeface="Arial"/>
-            </a:rPr>
-            <a:t> Imputación mediana AR - Mario</a:t>
-          </a:r>
-        </a:p>
-      </dgm:t>
-    </dgm:pt>
-    <dgm:pt modelId="{BC8C4154-E343-4496-AE80-CB9A05196CE2}" type="parTrans" cxnId="{A5F7A693-BA69-4ACA-A445-BED4B11BEE28}">
-      <dgm:prSet/>
-      <dgm:spPr/>
-    </dgm:pt>
-    <dgm:pt modelId="{F04F4C56-5374-4AE0-9DFA-766B50788047}" type="sibTrans" cxnId="{A5F7A693-BA69-4ACA-A445-BED4B11BEE28}">
-      <dgm:prSet/>
-      <dgm:spPr/>
-    </dgm:pt>
-    <dgm:pt modelId="{48B8902E-4A63-4856-85CE-959CCC6B5D58}">
-      <dgm:prSet phldr="0"/>
-      <dgm:spPr/>
-      <dgm:t>
-        <a:bodyPr/>
-        <a:lstStyle/>
-        <a:p>
-          <a:pPr rtl="0"/>
-          <a:r>
-            <a:rPr lang="es-ES" altLang="zh-CN" sz="1000" b="1" dirty="0">
-              <a:latin typeface="Arial"/>
-            </a:rPr>
-            <a:t> SVM – Mario, Laura, Wenjia</a:t>
-          </a:r>
-          <a:endParaRPr lang="zh-CN" altLang="en-US" sz="1000" dirty="0"/>
-        </a:p>
-      </dgm:t>
-    </dgm:pt>
-    <dgm:pt modelId="{C60F071B-6039-4E84-922B-E3033A288772}" type="parTrans" cxnId="{6E0CB84B-37F5-40D6-8507-086CC316DC99}">
-      <dgm:prSet/>
-      <dgm:spPr/>
-    </dgm:pt>
-    <dgm:pt modelId="{F6F3F90F-0539-4335-BB36-2C87B6BA24F1}" type="sibTrans" cxnId="{6E0CB84B-37F5-40D6-8507-086CC316DC99}">
-      <dgm:prSet/>
-      <dgm:spPr/>
-    </dgm:pt>
-    <dgm:pt modelId="{62FCAE62-4036-4882-B2DB-9E32632535BB}">
-      <dgm:prSet phldr="0"/>
+    <dgm:pt modelId="{D3DB2985-286F-4E1B-A3EF-B67DCD1C08F6}">
+      <dgm:prSet phldrT="[Texto]" phldr="0" custT="1"/>
       <dgm:spPr/>
       <dgm:t>
         <a:bodyPr/>
         <a:lstStyle/>
         <a:p>
           <a:r>
-            <a:rPr lang="es-ES" sz="1000" b="1" dirty="0"/>
+            <a:rPr lang="es-ES" sz="800" b="1" dirty="0">
+              <a:solidFill>
+                <a:srgbClr val="002060"/>
+              </a:solidFill>
+            </a:rPr>
+            <a:t>            	</a:t>
+          </a:r>
+        </a:p>
+      </dgm:t>
+    </dgm:pt>
+    <dgm:pt modelId="{3A914AC6-6594-4B0A-A5A2-C491F53EF95C}" type="parTrans" cxnId="{D2E0ED84-53E3-49A1-A292-3EA003DD3B1F}">
+      <dgm:prSet/>
+      <dgm:spPr/>
+      <dgm:t>
+        <a:bodyPr/>
+        <a:lstStyle/>
+        <a:p>
+          <a:endParaRPr lang="es-ES" sz="2400"/>
+        </a:p>
+      </dgm:t>
+    </dgm:pt>
+    <dgm:pt modelId="{F982C1E6-BEEF-456A-A8F1-006AD67EDC6F}" type="sibTrans" cxnId="{D2E0ED84-53E3-49A1-A292-3EA003DD3B1F}">
+      <dgm:prSet/>
+      <dgm:spPr/>
+      <dgm:t>
+        <a:bodyPr/>
+        <a:lstStyle/>
+        <a:p>
+          <a:endParaRPr lang="es-ES" sz="2400"/>
+        </a:p>
+      </dgm:t>
+    </dgm:pt>
+    <dgm:pt modelId="{C7839787-4F91-4052-A165-9BFBC71086A6}">
+      <dgm:prSet phldrT="[Texto]" phldr="0" custT="1"/>
+      <dgm:spPr/>
+      <dgm:t>
+        <a:bodyPr/>
+        <a:lstStyle/>
+        <a:p>
+          <a:r>
+            <a:rPr lang="es-ES" sz="1400" b="1" dirty="0">
+              <a:solidFill>
+                <a:srgbClr val="002060"/>
+              </a:solidFill>
+            </a:rPr>
+            <a:t>	</a:t>
+          </a:r>
+          <a:r>
+            <a:rPr lang="es-ES" sz="1200" b="1" dirty="0">
+              <a:solidFill>
+                <a:srgbClr val="002060"/>
+              </a:solidFill>
+            </a:rPr>
             <a:t>GLM – </a:t>
           </a:r>
           <a:r>
-            <a:rPr lang="es-ES" sz="1000" dirty="0"/>
+            <a:rPr lang="es-ES" sz="1200" dirty="0"/>
             <a:t>Mario, Melissa, </a:t>
           </a:r>
           <a:r>
-            <a:rPr lang="es-ES" sz="1000" dirty="0" err="1"/>
+            <a:rPr lang="es-ES" sz="1200" dirty="0" err="1"/>
             <a:t>Wenjia</a:t>
           </a:r>
-          <a:endParaRPr lang="zh-CN" altLang="en-US" sz="1000" dirty="0"/>
+          <a:endParaRPr lang="es-ES" sz="1400" dirty="0"/>
         </a:p>
       </dgm:t>
     </dgm:pt>
-    <dgm:pt modelId="{8F995843-571B-4299-9075-EAAEF725AF79}" type="parTrans" cxnId="{F2512ED9-51B3-4670-8041-A7DAB375A830}">
+    <dgm:pt modelId="{BB8A1210-98FC-449F-A56F-90903D089B54}" type="parTrans" cxnId="{0F4F906D-2621-45DA-8351-139722A96ABD}">
       <dgm:prSet/>
       <dgm:spPr/>
+      <dgm:t>
+        <a:bodyPr/>
+        <a:lstStyle/>
+        <a:p>
+          <a:endParaRPr lang="es-ES"/>
+        </a:p>
+      </dgm:t>
     </dgm:pt>
-    <dgm:pt modelId="{9C18B7AE-2D54-4FFE-AA36-140B37862570}" type="sibTrans" cxnId="{F2512ED9-51B3-4670-8041-A7DAB375A830}">
+    <dgm:pt modelId="{48E186E5-4DC2-451A-9507-431E86797E29}" type="sibTrans" cxnId="{0F4F906D-2621-45DA-8351-139722A96ABD}">
       <dgm:prSet/>
       <dgm:spPr/>
+      <dgm:t>
+        <a:bodyPr/>
+        <a:lstStyle/>
+        <a:p>
+          <a:endParaRPr lang="es-ES"/>
+        </a:p>
+      </dgm:t>
     </dgm:pt>
     <dgm:pt modelId="{2D5738C4-EC9E-4779-B540-31D33BE25B70}" type="pres">
       <dgm:prSet presAssocID="{E0DBD592-C900-4D5D-A79A-93A58E8DA172}" presName="linear" presStyleCnt="0">
@@ -3511,11 +3647,11 @@
       <dgm:spPr/>
     </dgm:pt>
     <dgm:pt modelId="{DC08CE2B-3BA2-48DB-B768-70EF00B4488D}" type="pres">
-      <dgm:prSet presAssocID="{C9F99139-B66D-4219-861A-3EA127D493C0}" presName="box" presStyleLbl="node1" presStyleIdx="0" presStyleCnt="6" custScaleY="71211"/>
+      <dgm:prSet presAssocID="{C9F99139-B66D-4219-861A-3EA127D493C0}" presName="box" presStyleLbl="node1" presStyleIdx="0" presStyleCnt="5" custScaleY="71211"/>
       <dgm:spPr/>
     </dgm:pt>
     <dgm:pt modelId="{EF2D8EC3-8FE2-4E7C-B86A-83EDAF07162F}" type="pres">
-      <dgm:prSet presAssocID="{C9F99139-B66D-4219-861A-3EA127D493C0}" presName="img" presStyleLbl="fgImgPlace1" presStyleIdx="0" presStyleCnt="6" custScaleY="69563"/>
+      <dgm:prSet presAssocID="{C9F99139-B66D-4219-861A-3EA127D493C0}" presName="img" presStyleLbl="fgImgPlace1" presStyleIdx="0" presStyleCnt="5" custScaleY="69563"/>
       <dgm:spPr>
         <a:blipFill>
           <a:blip xmlns:r="http://schemas.openxmlformats.org/officeDocument/2006/relationships" r:embed="rId1"/>
@@ -3527,7 +3663,7 @@
       </dgm:spPr>
     </dgm:pt>
     <dgm:pt modelId="{51F715FF-4B49-486A-B461-C35D3C55EEB6}" type="pres">
-      <dgm:prSet presAssocID="{C9F99139-B66D-4219-861A-3EA127D493C0}" presName="text" presStyleLbl="node1" presStyleIdx="0" presStyleCnt="6">
+      <dgm:prSet presAssocID="{C9F99139-B66D-4219-861A-3EA127D493C0}" presName="text" presStyleLbl="node1" presStyleIdx="0" presStyleCnt="5">
         <dgm:presLayoutVars>
           <dgm:bulletEnabled val="1"/>
         </dgm:presLayoutVars>
@@ -3538,46 +3674,36 @@
       <dgm:prSet presAssocID="{2ABCB300-CCE9-44E7-999D-3B03628596E1}" presName="spacer" presStyleCnt="0"/>
       <dgm:spPr/>
     </dgm:pt>
-    <dgm:pt modelId="{7986D72A-A86A-448D-BE3C-676F31D1E337}" type="pres">
-      <dgm:prSet presAssocID="{62FCAE62-4036-4882-B2DB-9E32632535BB}" presName="comp" presStyleCnt="0"/>
+    <dgm:pt modelId="{BDEF38AD-6A9B-41D5-87CE-A67B7DA36350}" type="pres">
+      <dgm:prSet presAssocID="{C7839787-4F91-4052-A165-9BFBC71086A6}" presName="comp" presStyleCnt="0"/>
       <dgm:spPr/>
     </dgm:pt>
-    <dgm:pt modelId="{F8F9AE2F-FD36-4C40-AF03-56EE3A9AAA18}" type="pres">
-      <dgm:prSet presAssocID="{62FCAE62-4036-4882-B2DB-9E32632535BB}" presName="box" presStyleLbl="node1" presStyleIdx="1" presStyleCnt="6"/>
+    <dgm:pt modelId="{264E0976-0840-4190-A8BA-ACD257002388}" type="pres">
+      <dgm:prSet presAssocID="{C7839787-4F91-4052-A165-9BFBC71086A6}" presName="box" presStyleLbl="node1" presStyleIdx="1" presStyleCnt="5" custScaleY="71211"/>
       <dgm:spPr/>
     </dgm:pt>
-    <dgm:pt modelId="{A3FDCC04-80E8-4C54-9401-9077E1D08B0B}" type="pres">
-      <dgm:prSet presAssocID="{62FCAE62-4036-4882-B2DB-9E32632535BB}" presName="img" presStyleLbl="fgImgPlace1" presStyleIdx="1" presStyleCnt="6"/>
+    <dgm:pt modelId="{A485EABC-8582-4C36-84BB-91900236DAC0}" type="pres">
+      <dgm:prSet presAssocID="{C7839787-4F91-4052-A165-9BFBC71086A6}" presName="img" presStyleLbl="fgImgPlace1" presStyleIdx="1" presStyleCnt="5"/>
       <dgm:spPr>
         <a:blipFill>
-          <a:blip xmlns:r="http://schemas.openxmlformats.org/officeDocument/2006/relationships" r:embed="rId2">
-            <a:extLst>
-              <a:ext uri="{28A0092B-C50C-407E-A947-70E740481C1C}">
-                <a14:useLocalDpi xmlns:a14="http://schemas.microsoft.com/office/drawing/2010/main" val="0"/>
-              </a:ext>
-            </a:extLst>
-          </a:blip>
+          <a:blip xmlns:r="http://schemas.openxmlformats.org/officeDocument/2006/relationships" r:embed="rId1"/>
+          <a:srcRect/>
           <a:stretch>
-            <a:fillRect/>
+            <a:fillRect t="-30000" b="-30000"/>
           </a:stretch>
         </a:blipFill>
       </dgm:spPr>
-      <dgm:extLst>
-        <a:ext uri="{E40237B7-FDA0-4F09-8148-C483321AD2D9}">
-          <dgm14:cNvPr xmlns:dgm14="http://schemas.microsoft.com/office/drawing/2010/diagram" id="0" name="" descr="图示&#10;&#10;AI 生成的内容可能不正确。"/>
-        </a:ext>
-      </dgm:extLst>
     </dgm:pt>
-    <dgm:pt modelId="{15C45A5B-AF39-4DF6-8B67-77FCB536FD6B}" type="pres">
-      <dgm:prSet presAssocID="{62FCAE62-4036-4882-B2DB-9E32632535BB}" presName="text" presStyleLbl="node1" presStyleIdx="1" presStyleCnt="6">
+    <dgm:pt modelId="{C16B902E-DCF9-4E9F-949B-436AC0FD1FFA}" type="pres">
+      <dgm:prSet presAssocID="{C7839787-4F91-4052-A165-9BFBC71086A6}" presName="text" presStyleLbl="node1" presStyleIdx="1" presStyleCnt="5">
         <dgm:presLayoutVars>
           <dgm:bulletEnabled val="1"/>
         </dgm:presLayoutVars>
       </dgm:prSet>
       <dgm:spPr/>
     </dgm:pt>
-    <dgm:pt modelId="{70B2ECC4-0EC2-4BEA-A309-21763E4D3172}" type="pres">
-      <dgm:prSet presAssocID="{9C18B7AE-2D54-4FFE-AA36-140B37862570}" presName="spacer" presStyleCnt="0"/>
+    <dgm:pt modelId="{28DA00DD-78AB-43DC-9B62-39CBF2CB7015}" type="pres">
+      <dgm:prSet presAssocID="{48E186E5-4DC2-451A-9507-431E86797E29}" presName="spacer" presStyleCnt="0"/>
       <dgm:spPr/>
     </dgm:pt>
     <dgm:pt modelId="{9C15E9F4-CE56-4E8D-9AC4-025934C7C1D4}" type="pres">
@@ -3585,14 +3711,14 @@
       <dgm:spPr/>
     </dgm:pt>
     <dgm:pt modelId="{B12AE6C0-B4ED-4A08-98AA-6732B6DC385E}" type="pres">
-      <dgm:prSet presAssocID="{B0A54B65-E829-4553-8B45-B4EBDAF3C233}" presName="box" presStyleLbl="node1" presStyleIdx="2" presStyleCnt="6" custScaleY="72558"/>
+      <dgm:prSet presAssocID="{B0A54B65-E829-4553-8B45-B4EBDAF3C233}" presName="box" presStyleLbl="node1" presStyleIdx="2" presStyleCnt="5" custScaleY="72558"/>
       <dgm:spPr/>
     </dgm:pt>
     <dgm:pt modelId="{C9E8AD8B-B134-4129-BD9A-C060E9DACAFC}" type="pres">
-      <dgm:prSet presAssocID="{B0A54B65-E829-4553-8B45-B4EBDAF3C233}" presName="img" presStyleLbl="fgImgPlace1" presStyleIdx="2" presStyleCnt="6" custScaleY="89187"/>
+      <dgm:prSet presAssocID="{B0A54B65-E829-4553-8B45-B4EBDAF3C233}" presName="img" presStyleLbl="fgImgPlace1" presStyleIdx="2" presStyleCnt="5" custScaleY="89187"/>
       <dgm:spPr>
         <a:blipFill>
-          <a:blip xmlns:r="http://schemas.openxmlformats.org/officeDocument/2006/relationships" r:embed="rId3"/>
+          <a:blip xmlns:r="http://schemas.openxmlformats.org/officeDocument/2006/relationships" r:embed="rId2"/>
           <a:srcRect/>
           <a:stretch>
             <a:fillRect l="-19000" r="-19000"/>
@@ -3601,7 +3727,7 @@
       </dgm:spPr>
     </dgm:pt>
     <dgm:pt modelId="{3D1FE89A-8ADF-4C10-94D7-ABA6570F8C42}" type="pres">
-      <dgm:prSet presAssocID="{B0A54B65-E829-4553-8B45-B4EBDAF3C233}" presName="text" presStyleLbl="node1" presStyleIdx="2" presStyleCnt="6">
+      <dgm:prSet presAssocID="{B0A54B65-E829-4553-8B45-B4EBDAF3C233}" presName="text" presStyleLbl="node1" presStyleIdx="2" presStyleCnt="5">
         <dgm:presLayoutVars>
           <dgm:bulletEnabled val="1"/>
         </dgm:presLayoutVars>
@@ -3617,14 +3743,14 @@
       <dgm:spPr/>
     </dgm:pt>
     <dgm:pt modelId="{C6452C4A-60F5-47BC-8505-428BC48A03CB}" type="pres">
-      <dgm:prSet presAssocID="{EBF196C3-A6DB-42DE-B168-0612EDF03693}" presName="box" presStyleLbl="node1" presStyleIdx="3" presStyleCnt="6" custScaleY="130909"/>
+      <dgm:prSet presAssocID="{EBF196C3-A6DB-42DE-B168-0612EDF03693}" presName="box" presStyleLbl="node1" presStyleIdx="3" presStyleCnt="5" custScaleY="130909"/>
       <dgm:spPr/>
     </dgm:pt>
     <dgm:pt modelId="{D306C488-315E-46F7-B989-FFF5212BF6E2}" type="pres">
-      <dgm:prSet presAssocID="{EBF196C3-A6DB-42DE-B168-0612EDF03693}" presName="img" presStyleLbl="fgImgPlace1" presStyleIdx="3" presStyleCnt="6" custScaleY="91348"/>
+      <dgm:prSet presAssocID="{EBF196C3-A6DB-42DE-B168-0612EDF03693}" presName="img" presStyleLbl="fgImgPlace1" presStyleIdx="3" presStyleCnt="5" custScaleY="91348"/>
       <dgm:spPr>
         <a:blipFill>
-          <a:blip xmlns:r="http://schemas.openxmlformats.org/officeDocument/2006/relationships" r:embed="rId4"/>
+          <a:blip xmlns:r="http://schemas.openxmlformats.org/officeDocument/2006/relationships" r:embed="rId3"/>
           <a:srcRect/>
           <a:stretch>
             <a:fillRect l="-79000" r="-79000"/>
@@ -3633,55 +3759,39 @@
       </dgm:spPr>
     </dgm:pt>
     <dgm:pt modelId="{E67E17D0-D90F-49C4-814B-C75905BED48F}" type="pres">
-      <dgm:prSet presAssocID="{EBF196C3-A6DB-42DE-B168-0612EDF03693}" presName="text" presStyleLbl="node1" presStyleIdx="3" presStyleCnt="6">
+      <dgm:prSet presAssocID="{EBF196C3-A6DB-42DE-B168-0612EDF03693}" presName="text" presStyleLbl="node1" presStyleIdx="3" presStyleCnt="5">
         <dgm:presLayoutVars>
           <dgm:bulletEnabled val="1"/>
         </dgm:presLayoutVars>
       </dgm:prSet>
       <dgm:spPr/>
     </dgm:pt>
-    <dgm:pt modelId="{11370AC1-3E77-4538-BEA2-587EFE5E82A9}" type="pres">
+    <dgm:pt modelId="{A4B9FD97-CD6C-45E6-BB2C-BADD153BE16D}" type="pres">
       <dgm:prSet presAssocID="{C16B64A7-40EB-4C86-BE64-8EBACDE653C3}" presName="spacer" presStyleCnt="0"/>
       <dgm:spPr/>
     </dgm:pt>
-    <dgm:pt modelId="{C1F5FBAD-D25E-4F76-BAB5-A9196CF9AF87}" type="pres">
-      <dgm:prSet presAssocID="{48B8902E-4A63-4856-85CE-959CCC6B5D58}" presName="comp" presStyleCnt="0"/>
+    <dgm:pt modelId="{FA11953F-C793-41F3-944C-F9C478C0015E}" type="pres">
+      <dgm:prSet presAssocID="{D3DB2985-286F-4E1B-A3EF-B67DCD1C08F6}" presName="comp" presStyleCnt="0"/>
       <dgm:spPr/>
     </dgm:pt>
-    <dgm:pt modelId="{EBF47EA0-535C-4043-9E97-053584404EF1}" type="pres">
-      <dgm:prSet presAssocID="{48B8902E-4A63-4856-85CE-959CCC6B5D58}" presName="box" presStyleLbl="node1" presStyleIdx="4" presStyleCnt="6"/>
+    <dgm:pt modelId="{9368D843-76C1-42B0-834B-2DA28FCB0771}" type="pres">
+      <dgm:prSet presAssocID="{D3DB2985-286F-4E1B-A3EF-B67DCD1C08F6}" presName="box" presStyleLbl="node1" presStyleIdx="4" presStyleCnt="5"/>
       <dgm:spPr/>
     </dgm:pt>
-    <dgm:pt modelId="{1C0E9D49-C3CB-417F-81DC-CB95A4C9387D}" type="pres">
-      <dgm:prSet presAssocID="{48B8902E-4A63-4856-85CE-959CCC6B5D58}" presName="img" presStyleLbl="fgImgPlace1" presStyleIdx="4" presStyleCnt="6"/>
-      <dgm:spPr/>
+    <dgm:pt modelId="{D58F51A8-C9AC-49A7-BF07-49E56398E46B}" type="pres">
+      <dgm:prSet presAssocID="{D3DB2985-286F-4E1B-A3EF-B67DCD1C08F6}" presName="img" presStyleLbl="fgImgPlace1" presStyleIdx="4" presStyleCnt="5"/>
+      <dgm:spPr>
+        <a:blipFill>
+          <a:blip xmlns:r="http://schemas.openxmlformats.org/officeDocument/2006/relationships" r:embed="rId4"/>
+          <a:srcRect/>
+          <a:stretch>
+            <a:fillRect t="-11000" b="-11000"/>
+          </a:stretch>
+        </a:blipFill>
+      </dgm:spPr>
     </dgm:pt>
-    <dgm:pt modelId="{29774B48-595C-43AD-8CF9-AEACC9BA388E}" type="pres">
-      <dgm:prSet presAssocID="{48B8902E-4A63-4856-85CE-959CCC6B5D58}" presName="text" presStyleLbl="node1" presStyleIdx="4" presStyleCnt="6">
-        <dgm:presLayoutVars>
-          <dgm:bulletEnabled val="1"/>
-        </dgm:presLayoutVars>
-      </dgm:prSet>
-      <dgm:spPr/>
-    </dgm:pt>
-    <dgm:pt modelId="{EED6449B-5B4C-4935-A5A4-1FA98764A5F6}" type="pres">
-      <dgm:prSet presAssocID="{F6F3F90F-0539-4335-BB36-2C87B6BA24F1}" presName="spacer" presStyleCnt="0"/>
-      <dgm:spPr/>
-    </dgm:pt>
-    <dgm:pt modelId="{0526ACA4-276F-444F-BAAA-A6B7512847BB}" type="pres">
-      <dgm:prSet presAssocID="{703E55C8-002C-48C3-8FEA-3C3DA12AA17F}" presName="comp" presStyleCnt="0"/>
-      <dgm:spPr/>
-    </dgm:pt>
-    <dgm:pt modelId="{CFF0E229-D685-4076-B21B-3E68EBA38F19}" type="pres">
-      <dgm:prSet presAssocID="{703E55C8-002C-48C3-8FEA-3C3DA12AA17F}" presName="box" presStyleLbl="node1" presStyleIdx="5" presStyleCnt="6"/>
-      <dgm:spPr/>
-    </dgm:pt>
-    <dgm:pt modelId="{7CFBB6A2-B5A4-4A99-8493-8C09273A383E}" type="pres">
-      <dgm:prSet presAssocID="{703E55C8-002C-48C3-8FEA-3C3DA12AA17F}" presName="img" presStyleLbl="fgImgPlace1" presStyleIdx="5" presStyleCnt="6"/>
-      <dgm:spPr/>
-    </dgm:pt>
-    <dgm:pt modelId="{75EFE099-A449-4AF2-A6C0-7946939ED5AD}" type="pres">
-      <dgm:prSet presAssocID="{703E55C8-002C-48C3-8FEA-3C3DA12AA17F}" presName="text" presStyleLbl="node1" presStyleIdx="5" presStyleCnt="6">
+    <dgm:pt modelId="{CCCE771C-F880-4686-A4B6-89572DC603BC}" type="pres">
+      <dgm:prSet presAssocID="{D3DB2985-286F-4E1B-A3EF-B67DCD1C08F6}" presName="text" presStyleLbl="node1" presStyleIdx="4" presStyleCnt="5">
         <dgm:presLayoutVars>
           <dgm:bulletEnabled val="1"/>
         </dgm:presLayoutVars>
@@ -3691,53 +3801,45 @@
   </dgm:ptLst>
   <dgm:cxnLst>
     <dgm:cxn modelId="{D7771514-C386-46C1-946B-E4D34C195D50}" type="presOf" srcId="{E0DBD592-C900-4D5D-A79A-93A58E8DA172}" destId="{2D5738C4-EC9E-4779-B540-31D33BE25B70}" srcOrd="0" destOrd="0" presId="urn:microsoft.com/office/officeart/2005/8/layout/vList4"/>
-    <dgm:cxn modelId="{065FF02A-382C-4828-A0B3-14C39B794271}" type="presOf" srcId="{B0A54B65-E829-4553-8B45-B4EBDAF3C233}" destId="{3D1FE89A-8ADF-4C10-94D7-ABA6570F8C42}" srcOrd="1" destOrd="0" presId="urn:microsoft.com/office/officeart/2005/8/layout/vList4"/>
-    <dgm:cxn modelId="{0D2CFB3A-EBAE-4A75-A4EC-E2BD4CFA8744}" type="presOf" srcId="{C9F99139-B66D-4219-861A-3EA127D493C0}" destId="{51F715FF-4B49-486A-B461-C35D3C55EEB6}" srcOrd="1" destOrd="0" presId="urn:microsoft.com/office/officeart/2005/8/layout/vList4"/>
-    <dgm:cxn modelId="{6E0CB84B-37F5-40D6-8507-086CC316DC99}" srcId="{E0DBD592-C900-4D5D-A79A-93A58E8DA172}" destId="{48B8902E-4A63-4856-85CE-959CCC6B5D58}" srcOrd="4" destOrd="0" parTransId="{C60F071B-6039-4E84-922B-E3033A288772}" sibTransId="{F6F3F90F-0539-4335-BB36-2C87B6BA24F1}"/>
+    <dgm:cxn modelId="{441FA015-EE80-4570-970B-A56A475256EF}" type="presOf" srcId="{C9F99139-B66D-4219-861A-3EA127D493C0}" destId="{DC08CE2B-3BA2-48DB-B768-70EF00B4488D}" srcOrd="0" destOrd="0" presId="urn:microsoft.com/office/officeart/2005/8/layout/vList4"/>
+    <dgm:cxn modelId="{BF153B5F-A3A6-4875-B32B-A4D761CFC104}" type="presOf" srcId="{C7839787-4F91-4052-A165-9BFBC71086A6}" destId="{264E0976-0840-4190-A8BA-ACD257002388}" srcOrd="0" destOrd="0" presId="urn:microsoft.com/office/officeart/2005/8/layout/vList4"/>
+    <dgm:cxn modelId="{0F4F906D-2621-45DA-8351-139722A96ABD}" srcId="{E0DBD592-C900-4D5D-A79A-93A58E8DA172}" destId="{C7839787-4F91-4052-A165-9BFBC71086A6}" srcOrd="1" destOrd="0" parTransId="{BB8A1210-98FC-449F-A56F-90903D089B54}" sibTransId="{48E186E5-4DC2-451A-9507-431E86797E29}"/>
+    <dgm:cxn modelId="{DF5B256E-1BCA-468C-AF06-39814118FCEF}" type="presOf" srcId="{B0A54B65-E829-4553-8B45-B4EBDAF3C233}" destId="{B12AE6C0-B4ED-4A08-98AA-6732B6DC385E}" srcOrd="0" destOrd="0" presId="urn:microsoft.com/office/officeart/2005/8/layout/vList4"/>
     <dgm:cxn modelId="{2FF3EB71-C7F5-4619-AB74-5943DE39CC10}" srcId="{E0DBD592-C900-4D5D-A79A-93A58E8DA172}" destId="{C9F99139-B66D-4219-861A-3EA127D493C0}" srcOrd="0" destOrd="0" parTransId="{1C880A37-22BC-4FD9-8955-F47618D81BCC}" sibTransId="{2ABCB300-CCE9-44E7-999D-3B03628596E1}"/>
-    <dgm:cxn modelId="{C2C27152-E2F3-4E8E-9AD4-0F87D169C58E}" type="presOf" srcId="{703E55C8-002C-48C3-8FEA-3C3DA12AA17F}" destId="{CFF0E229-D685-4076-B21B-3E68EBA38F19}" srcOrd="0" destOrd="0" presId="urn:microsoft.com/office/officeart/2005/8/layout/vList4"/>
-    <dgm:cxn modelId="{6184F355-3E43-4EEF-814A-D86BBA7AA4B5}" type="presOf" srcId="{EBF196C3-A6DB-42DE-B168-0612EDF03693}" destId="{E67E17D0-D90F-49C4-814B-C75905BED48F}" srcOrd="1" destOrd="0" presId="urn:microsoft.com/office/officeart/2005/8/layout/vList4"/>
-    <dgm:cxn modelId="{EF856D5A-3414-4777-95F5-AA5C0796AEDF}" type="presOf" srcId="{C9F99139-B66D-4219-861A-3EA127D493C0}" destId="{DC08CE2B-3BA2-48DB-B768-70EF00B4488D}" srcOrd="0" destOrd="0" presId="urn:microsoft.com/office/officeart/2005/8/layout/vList4"/>
-    <dgm:cxn modelId="{26F46682-F777-4D19-8F9F-8545E67DB524}" type="presOf" srcId="{48B8902E-4A63-4856-85CE-959CCC6B5D58}" destId="{EBF47EA0-535C-4043-9E97-053584404EF1}" srcOrd="0" destOrd="0" presId="urn:microsoft.com/office/officeart/2005/8/layout/vList4"/>
-    <dgm:cxn modelId="{A1476383-2E49-41E0-B943-014A503076FD}" type="presOf" srcId="{48B8902E-4A63-4856-85CE-959CCC6B5D58}" destId="{29774B48-595C-43AD-8CF9-AEACC9BA388E}" srcOrd="1" destOrd="0" presId="urn:microsoft.com/office/officeart/2005/8/layout/vList4"/>
-    <dgm:cxn modelId="{A5F7A693-BA69-4ACA-A445-BED4B11BEE28}" srcId="{E0DBD592-C900-4D5D-A79A-93A58E8DA172}" destId="{703E55C8-002C-48C3-8FEA-3C3DA12AA17F}" srcOrd="5" destOrd="0" parTransId="{BC8C4154-E343-4496-AE80-CB9A05196CE2}" sibTransId="{F04F4C56-5374-4AE0-9DFA-766B50788047}"/>
-    <dgm:cxn modelId="{A3B818AA-B4BB-4BE2-AEBF-3AC79AE17390}" type="presOf" srcId="{B0A54B65-E829-4553-8B45-B4EBDAF3C233}" destId="{B12AE6C0-B4ED-4A08-98AA-6732B6DC385E}" srcOrd="0" destOrd="0" presId="urn:microsoft.com/office/officeart/2005/8/layout/vList4"/>
+    <dgm:cxn modelId="{D2E0ED84-53E3-49A1-A292-3EA003DD3B1F}" srcId="{E0DBD592-C900-4D5D-A79A-93A58E8DA172}" destId="{D3DB2985-286F-4E1B-A3EF-B67DCD1C08F6}" srcOrd="4" destOrd="0" parTransId="{3A914AC6-6594-4B0A-A5A2-C491F53EF95C}" sibTransId="{F982C1E6-BEEF-456A-A8F1-006AD67EDC6F}"/>
+    <dgm:cxn modelId="{712DF1A2-9649-4A26-A0DA-529186D8E53F}" type="presOf" srcId="{D3DB2985-286F-4E1B-A3EF-B67DCD1C08F6}" destId="{9368D843-76C1-42B0-834B-2DA28FCB0771}" srcOrd="0" destOrd="0" presId="urn:microsoft.com/office/officeart/2005/8/layout/vList4"/>
+    <dgm:cxn modelId="{CADC53CB-EC25-4D6E-882B-972A19677F10}" type="presOf" srcId="{D3DB2985-286F-4E1B-A3EF-B67DCD1C08F6}" destId="{CCCE771C-F880-4686-A4B6-89572DC603BC}" srcOrd="1" destOrd="0" presId="urn:microsoft.com/office/officeart/2005/8/layout/vList4"/>
     <dgm:cxn modelId="{62EFD2D3-AE51-4D7B-AC9A-B557C95CFE85}" srcId="{E0DBD592-C900-4D5D-A79A-93A58E8DA172}" destId="{B0A54B65-E829-4553-8B45-B4EBDAF3C233}" srcOrd="2" destOrd="0" parTransId="{58D673D6-CE1A-45C9-8DE0-8248CFA91FFF}" sibTransId="{F068E20D-9182-40E9-81D3-3D2119E9E208}"/>
-    <dgm:cxn modelId="{F2512ED9-51B3-4670-8041-A7DAB375A830}" srcId="{E0DBD592-C900-4D5D-A79A-93A58E8DA172}" destId="{62FCAE62-4036-4882-B2DB-9E32632535BB}" srcOrd="1" destOrd="0" parTransId="{8F995843-571B-4299-9075-EAAEF725AF79}" sibTransId="{9C18B7AE-2D54-4FFE-AA36-140B37862570}"/>
-    <dgm:cxn modelId="{5C9E52DF-FACD-477F-A121-7D454A906C4A}" type="presOf" srcId="{62FCAE62-4036-4882-B2DB-9E32632535BB}" destId="{F8F9AE2F-FD36-4C40-AF03-56EE3A9AAA18}" srcOrd="0" destOrd="0" presId="urn:microsoft.com/office/officeart/2005/8/layout/vList4"/>
-    <dgm:cxn modelId="{5CE78DDF-7BF1-4082-B442-6317EB5B598F}" type="presOf" srcId="{EBF196C3-A6DB-42DE-B168-0612EDF03693}" destId="{C6452C4A-60F5-47BC-8505-428BC48A03CB}" srcOrd="0" destOrd="0" presId="urn:microsoft.com/office/officeart/2005/8/layout/vList4"/>
-    <dgm:cxn modelId="{76F498E4-0DEE-4410-A48D-43E9A139D5A2}" type="presOf" srcId="{703E55C8-002C-48C3-8FEA-3C3DA12AA17F}" destId="{75EFE099-A449-4AF2-A6C0-7946939ED5AD}" srcOrd="1" destOrd="0" presId="urn:microsoft.com/office/officeart/2005/8/layout/vList4"/>
-    <dgm:cxn modelId="{E6F64FE6-2D42-4913-8ED4-D03B0117149E}" type="presOf" srcId="{62FCAE62-4036-4882-B2DB-9E32632535BB}" destId="{15C45A5B-AF39-4DF6-8B67-77FCB536FD6B}" srcOrd="1" destOrd="0" presId="urn:microsoft.com/office/officeart/2005/8/layout/vList4"/>
+    <dgm:cxn modelId="{A4BF16E6-FAE2-49A6-8E9A-22FE4B1019A9}" type="presOf" srcId="{EBF196C3-A6DB-42DE-B168-0612EDF03693}" destId="{C6452C4A-60F5-47BC-8505-428BC48A03CB}" srcOrd="0" destOrd="0" presId="urn:microsoft.com/office/officeart/2005/8/layout/vList4"/>
+    <dgm:cxn modelId="{F31FFAE6-B3DF-4875-8480-C0F41B21D4B2}" type="presOf" srcId="{B0A54B65-E829-4553-8B45-B4EBDAF3C233}" destId="{3D1FE89A-8ADF-4C10-94D7-ABA6570F8C42}" srcOrd="1" destOrd="0" presId="urn:microsoft.com/office/officeart/2005/8/layout/vList4"/>
+    <dgm:cxn modelId="{A28110ED-BE55-4E38-A2A5-0F6D516E08EB}" type="presOf" srcId="{C7839787-4F91-4052-A165-9BFBC71086A6}" destId="{C16B902E-DCF9-4E9F-949B-436AC0FD1FFA}" srcOrd="1" destOrd="0" presId="urn:microsoft.com/office/officeart/2005/8/layout/vList4"/>
+    <dgm:cxn modelId="{983B2CED-E271-4C8A-9468-B16025433270}" type="presOf" srcId="{C9F99139-B66D-4219-861A-3EA127D493C0}" destId="{51F715FF-4B49-486A-B461-C35D3C55EEB6}" srcOrd="1" destOrd="0" presId="urn:microsoft.com/office/officeart/2005/8/layout/vList4"/>
     <dgm:cxn modelId="{09CD5CFB-F57C-4EA7-9B86-AED2343EDF67}" srcId="{E0DBD592-C900-4D5D-A79A-93A58E8DA172}" destId="{EBF196C3-A6DB-42DE-B168-0612EDF03693}" srcOrd="3" destOrd="0" parTransId="{9BCB12AF-3FDE-4ECC-9F8F-CED83AED7CCB}" sibTransId="{C16B64A7-40EB-4C86-BE64-8EBACDE653C3}"/>
-    <dgm:cxn modelId="{54F502AC-2BFB-44A7-8476-8322EF4BC3F7}" type="presParOf" srcId="{2D5738C4-EC9E-4779-B540-31D33BE25B70}" destId="{3495E656-1F14-4307-80DE-ABD969E4FEFA}" srcOrd="0" destOrd="0" presId="urn:microsoft.com/office/officeart/2005/8/layout/vList4"/>
-    <dgm:cxn modelId="{55F83BE4-C1D4-4E28-9668-F782B3DAFEF3}" type="presParOf" srcId="{3495E656-1F14-4307-80DE-ABD969E4FEFA}" destId="{DC08CE2B-3BA2-48DB-B768-70EF00B4488D}" srcOrd="0" destOrd="0" presId="urn:microsoft.com/office/officeart/2005/8/layout/vList4"/>
-    <dgm:cxn modelId="{91AB234D-09D9-4E64-A001-957D149B7C8F}" type="presParOf" srcId="{3495E656-1F14-4307-80DE-ABD969E4FEFA}" destId="{EF2D8EC3-8FE2-4E7C-B86A-83EDAF07162F}" srcOrd="1" destOrd="0" presId="urn:microsoft.com/office/officeart/2005/8/layout/vList4"/>
-    <dgm:cxn modelId="{77450796-671A-41AA-8D62-525DE95B514F}" type="presParOf" srcId="{3495E656-1F14-4307-80DE-ABD969E4FEFA}" destId="{51F715FF-4B49-486A-B461-C35D3C55EEB6}" srcOrd="2" destOrd="0" presId="urn:microsoft.com/office/officeart/2005/8/layout/vList4"/>
-    <dgm:cxn modelId="{43DE7900-B671-4FEF-B253-C2BAF499E8A6}" type="presParOf" srcId="{2D5738C4-EC9E-4779-B540-31D33BE25B70}" destId="{A85E9522-9A51-4F9B-825C-5AAE997BCC79}" srcOrd="1" destOrd="0" presId="urn:microsoft.com/office/officeart/2005/8/layout/vList4"/>
-    <dgm:cxn modelId="{EEFD6083-FA52-4137-B333-C200E2F7AD66}" type="presParOf" srcId="{2D5738C4-EC9E-4779-B540-31D33BE25B70}" destId="{7986D72A-A86A-448D-BE3C-676F31D1E337}" srcOrd="2" destOrd="0" presId="urn:microsoft.com/office/officeart/2005/8/layout/vList4"/>
-    <dgm:cxn modelId="{C1516BF7-3B7A-452A-9271-6642A0CD1F58}" type="presParOf" srcId="{7986D72A-A86A-448D-BE3C-676F31D1E337}" destId="{F8F9AE2F-FD36-4C40-AF03-56EE3A9AAA18}" srcOrd="0" destOrd="0" presId="urn:microsoft.com/office/officeart/2005/8/layout/vList4"/>
-    <dgm:cxn modelId="{E7A7E554-3C11-47AC-BE7D-58A38AD881A1}" type="presParOf" srcId="{7986D72A-A86A-448D-BE3C-676F31D1E337}" destId="{A3FDCC04-80E8-4C54-9401-9077E1D08B0B}" srcOrd="1" destOrd="0" presId="urn:microsoft.com/office/officeart/2005/8/layout/vList4"/>
-    <dgm:cxn modelId="{AE78584E-F6E7-4153-B4D3-1057D05EF5B4}" type="presParOf" srcId="{7986D72A-A86A-448D-BE3C-676F31D1E337}" destId="{15C45A5B-AF39-4DF6-8B67-77FCB536FD6B}" srcOrd="2" destOrd="0" presId="urn:microsoft.com/office/officeart/2005/8/layout/vList4"/>
-    <dgm:cxn modelId="{9FFC5CC6-AC23-49DD-A830-C4A0F8F6C20B}" type="presParOf" srcId="{2D5738C4-EC9E-4779-B540-31D33BE25B70}" destId="{70B2ECC4-0EC2-4BEA-A309-21763E4D3172}" srcOrd="3" destOrd="0" presId="urn:microsoft.com/office/officeart/2005/8/layout/vList4"/>
-    <dgm:cxn modelId="{477CD963-70AE-4147-8A0B-52CC11E4BA76}" type="presParOf" srcId="{2D5738C4-EC9E-4779-B540-31D33BE25B70}" destId="{9C15E9F4-CE56-4E8D-9AC4-025934C7C1D4}" srcOrd="4" destOrd="0" presId="urn:microsoft.com/office/officeart/2005/8/layout/vList4"/>
-    <dgm:cxn modelId="{CE073C2F-0A7C-411A-99E7-1648B95C2043}" type="presParOf" srcId="{9C15E9F4-CE56-4E8D-9AC4-025934C7C1D4}" destId="{B12AE6C0-B4ED-4A08-98AA-6732B6DC385E}" srcOrd="0" destOrd="0" presId="urn:microsoft.com/office/officeart/2005/8/layout/vList4"/>
-    <dgm:cxn modelId="{50B8F41A-1147-4C8C-B55A-DC38E302F229}" type="presParOf" srcId="{9C15E9F4-CE56-4E8D-9AC4-025934C7C1D4}" destId="{C9E8AD8B-B134-4129-BD9A-C060E9DACAFC}" srcOrd="1" destOrd="0" presId="urn:microsoft.com/office/officeart/2005/8/layout/vList4"/>
-    <dgm:cxn modelId="{E7EA4278-5010-4059-9B28-6440F7CECDDD}" type="presParOf" srcId="{9C15E9F4-CE56-4E8D-9AC4-025934C7C1D4}" destId="{3D1FE89A-8ADF-4C10-94D7-ABA6570F8C42}" srcOrd="2" destOrd="0" presId="urn:microsoft.com/office/officeart/2005/8/layout/vList4"/>
-    <dgm:cxn modelId="{5F1C0AD1-2FD1-4DCD-9BFA-98653E7F3697}" type="presParOf" srcId="{2D5738C4-EC9E-4779-B540-31D33BE25B70}" destId="{3ADE5778-2B09-4D2C-BFA0-9E09D3AB850F}" srcOrd="5" destOrd="0" presId="urn:microsoft.com/office/officeart/2005/8/layout/vList4"/>
-    <dgm:cxn modelId="{F5CC9CDC-4D17-4950-87D0-82A785D636DE}" type="presParOf" srcId="{2D5738C4-EC9E-4779-B540-31D33BE25B70}" destId="{394CAA2C-B39A-45C2-8692-4F108831F697}" srcOrd="6" destOrd="0" presId="urn:microsoft.com/office/officeart/2005/8/layout/vList4"/>
-    <dgm:cxn modelId="{7EE5976E-AC8E-4931-8992-6BBD3CE113AB}" type="presParOf" srcId="{394CAA2C-B39A-45C2-8692-4F108831F697}" destId="{C6452C4A-60F5-47BC-8505-428BC48A03CB}" srcOrd="0" destOrd="0" presId="urn:microsoft.com/office/officeart/2005/8/layout/vList4"/>
-    <dgm:cxn modelId="{1DBCD03E-1410-49E0-8301-49A619ED2666}" type="presParOf" srcId="{394CAA2C-B39A-45C2-8692-4F108831F697}" destId="{D306C488-315E-46F7-B989-FFF5212BF6E2}" srcOrd="1" destOrd="0" presId="urn:microsoft.com/office/officeart/2005/8/layout/vList4"/>
-    <dgm:cxn modelId="{11BF3744-6FFB-40D3-A0F5-313DF6B4ED2D}" type="presParOf" srcId="{394CAA2C-B39A-45C2-8692-4F108831F697}" destId="{E67E17D0-D90F-49C4-814B-C75905BED48F}" srcOrd="2" destOrd="0" presId="urn:microsoft.com/office/officeart/2005/8/layout/vList4"/>
-    <dgm:cxn modelId="{55852D8D-A86F-4430-BCFD-FE9FFA348A1E}" type="presParOf" srcId="{2D5738C4-EC9E-4779-B540-31D33BE25B70}" destId="{11370AC1-3E77-4538-BEA2-587EFE5E82A9}" srcOrd="7" destOrd="0" presId="urn:microsoft.com/office/officeart/2005/8/layout/vList4"/>
-    <dgm:cxn modelId="{DE84D4F9-82BE-4AFD-894C-2FC2CD987B14}" type="presParOf" srcId="{2D5738C4-EC9E-4779-B540-31D33BE25B70}" destId="{C1F5FBAD-D25E-4F76-BAB5-A9196CF9AF87}" srcOrd="8" destOrd="0" presId="urn:microsoft.com/office/officeart/2005/8/layout/vList4"/>
-    <dgm:cxn modelId="{64726C4D-A6B2-45A8-8C09-CE2A364299D4}" type="presParOf" srcId="{C1F5FBAD-D25E-4F76-BAB5-A9196CF9AF87}" destId="{EBF47EA0-535C-4043-9E97-053584404EF1}" srcOrd="0" destOrd="0" presId="urn:microsoft.com/office/officeart/2005/8/layout/vList4"/>
-    <dgm:cxn modelId="{9695A9C3-08F2-4D53-895F-9245D1E3CAD9}" type="presParOf" srcId="{C1F5FBAD-D25E-4F76-BAB5-A9196CF9AF87}" destId="{1C0E9D49-C3CB-417F-81DC-CB95A4C9387D}" srcOrd="1" destOrd="0" presId="urn:microsoft.com/office/officeart/2005/8/layout/vList4"/>
-    <dgm:cxn modelId="{780CE559-9A0A-4B9B-BDC0-D9934A54033A}" type="presParOf" srcId="{C1F5FBAD-D25E-4F76-BAB5-A9196CF9AF87}" destId="{29774B48-595C-43AD-8CF9-AEACC9BA388E}" srcOrd="2" destOrd="0" presId="urn:microsoft.com/office/officeart/2005/8/layout/vList4"/>
-    <dgm:cxn modelId="{AD1BABE6-E18A-4663-882D-F52ED2B71AE4}" type="presParOf" srcId="{2D5738C4-EC9E-4779-B540-31D33BE25B70}" destId="{EED6449B-5B4C-4935-A5A4-1FA98764A5F6}" srcOrd="9" destOrd="0" presId="urn:microsoft.com/office/officeart/2005/8/layout/vList4"/>
-    <dgm:cxn modelId="{0FC55D3B-B864-4076-AF60-87ABE4178B8C}" type="presParOf" srcId="{2D5738C4-EC9E-4779-B540-31D33BE25B70}" destId="{0526ACA4-276F-444F-BAAA-A6B7512847BB}" srcOrd="10" destOrd="0" presId="urn:microsoft.com/office/officeart/2005/8/layout/vList4"/>
-    <dgm:cxn modelId="{6A6B6AD5-7024-41CC-9B1C-86B2BDB971CC}" type="presParOf" srcId="{0526ACA4-276F-444F-BAAA-A6B7512847BB}" destId="{CFF0E229-D685-4076-B21B-3E68EBA38F19}" srcOrd="0" destOrd="0" presId="urn:microsoft.com/office/officeart/2005/8/layout/vList4"/>
-    <dgm:cxn modelId="{F41B9E94-FF42-4AD9-AD69-FAA65E7B57D6}" type="presParOf" srcId="{0526ACA4-276F-444F-BAAA-A6B7512847BB}" destId="{7CFBB6A2-B5A4-4A99-8493-8C09273A383E}" srcOrd="1" destOrd="0" presId="urn:microsoft.com/office/officeart/2005/8/layout/vList4"/>
-    <dgm:cxn modelId="{1AF73554-DB08-4602-9BC0-5F08FA449D36}" type="presParOf" srcId="{0526ACA4-276F-444F-BAAA-A6B7512847BB}" destId="{75EFE099-A449-4AF2-A6C0-7946939ED5AD}" srcOrd="2" destOrd="0" presId="urn:microsoft.com/office/officeart/2005/8/layout/vList4"/>
+    <dgm:cxn modelId="{4D52D9FF-8814-4832-AAFD-6DD4FA592C36}" type="presOf" srcId="{EBF196C3-A6DB-42DE-B168-0612EDF03693}" destId="{E67E17D0-D90F-49C4-814B-C75905BED48F}" srcOrd="1" destOrd="0" presId="urn:microsoft.com/office/officeart/2005/8/layout/vList4"/>
+    <dgm:cxn modelId="{EF6542DF-4537-4DC2-B1D9-B78444899BEC}" type="presParOf" srcId="{2D5738C4-EC9E-4779-B540-31D33BE25B70}" destId="{3495E656-1F14-4307-80DE-ABD969E4FEFA}" srcOrd="0" destOrd="0" presId="urn:microsoft.com/office/officeart/2005/8/layout/vList4"/>
+    <dgm:cxn modelId="{E754B661-2C85-40F8-9635-1E3B84D8F76E}" type="presParOf" srcId="{3495E656-1F14-4307-80DE-ABD969E4FEFA}" destId="{DC08CE2B-3BA2-48DB-B768-70EF00B4488D}" srcOrd="0" destOrd="0" presId="urn:microsoft.com/office/officeart/2005/8/layout/vList4"/>
+    <dgm:cxn modelId="{DDC0104C-69C6-4C22-8DDA-37422DD457EB}" type="presParOf" srcId="{3495E656-1F14-4307-80DE-ABD969E4FEFA}" destId="{EF2D8EC3-8FE2-4E7C-B86A-83EDAF07162F}" srcOrd="1" destOrd="0" presId="urn:microsoft.com/office/officeart/2005/8/layout/vList4"/>
+    <dgm:cxn modelId="{712E3B41-46F6-4BB0-8C90-5002339AB84F}" type="presParOf" srcId="{3495E656-1F14-4307-80DE-ABD969E4FEFA}" destId="{51F715FF-4B49-486A-B461-C35D3C55EEB6}" srcOrd="2" destOrd="0" presId="urn:microsoft.com/office/officeart/2005/8/layout/vList4"/>
+    <dgm:cxn modelId="{DFC7B6B5-59F6-4A57-A84F-0850103975EA}" type="presParOf" srcId="{2D5738C4-EC9E-4779-B540-31D33BE25B70}" destId="{A85E9522-9A51-4F9B-825C-5AAE997BCC79}" srcOrd="1" destOrd="0" presId="urn:microsoft.com/office/officeart/2005/8/layout/vList4"/>
+    <dgm:cxn modelId="{C69BB7C3-0BA3-4098-B544-DAD944C77B68}" type="presParOf" srcId="{2D5738C4-EC9E-4779-B540-31D33BE25B70}" destId="{BDEF38AD-6A9B-41D5-87CE-A67B7DA36350}" srcOrd="2" destOrd="0" presId="urn:microsoft.com/office/officeart/2005/8/layout/vList4"/>
+    <dgm:cxn modelId="{A79DA48E-7561-4843-887B-2E15F9F2476D}" type="presParOf" srcId="{BDEF38AD-6A9B-41D5-87CE-A67B7DA36350}" destId="{264E0976-0840-4190-A8BA-ACD257002388}" srcOrd="0" destOrd="0" presId="urn:microsoft.com/office/officeart/2005/8/layout/vList4"/>
+    <dgm:cxn modelId="{04BD68BC-AC75-4E17-B506-7482E732F5F0}" type="presParOf" srcId="{BDEF38AD-6A9B-41D5-87CE-A67B7DA36350}" destId="{A485EABC-8582-4C36-84BB-91900236DAC0}" srcOrd="1" destOrd="0" presId="urn:microsoft.com/office/officeart/2005/8/layout/vList4"/>
+    <dgm:cxn modelId="{79040A07-DFA9-44B0-9961-6901D4FF8C06}" type="presParOf" srcId="{BDEF38AD-6A9B-41D5-87CE-A67B7DA36350}" destId="{C16B902E-DCF9-4E9F-949B-436AC0FD1FFA}" srcOrd="2" destOrd="0" presId="urn:microsoft.com/office/officeart/2005/8/layout/vList4"/>
+    <dgm:cxn modelId="{23E70C1B-EB67-4A40-934E-852FFDBA0698}" type="presParOf" srcId="{2D5738C4-EC9E-4779-B540-31D33BE25B70}" destId="{28DA00DD-78AB-43DC-9B62-39CBF2CB7015}" srcOrd="3" destOrd="0" presId="urn:microsoft.com/office/officeart/2005/8/layout/vList4"/>
+    <dgm:cxn modelId="{DD6A45F7-31A4-4567-9B0C-DAB37FAA4FDB}" type="presParOf" srcId="{2D5738C4-EC9E-4779-B540-31D33BE25B70}" destId="{9C15E9F4-CE56-4E8D-9AC4-025934C7C1D4}" srcOrd="4" destOrd="0" presId="urn:microsoft.com/office/officeart/2005/8/layout/vList4"/>
+    <dgm:cxn modelId="{F8DAF924-F73D-41DC-B2E9-9682829D2561}" type="presParOf" srcId="{9C15E9F4-CE56-4E8D-9AC4-025934C7C1D4}" destId="{B12AE6C0-B4ED-4A08-98AA-6732B6DC385E}" srcOrd="0" destOrd="0" presId="urn:microsoft.com/office/officeart/2005/8/layout/vList4"/>
+    <dgm:cxn modelId="{41611BF0-B5B2-4B8C-9E68-B8B35264280D}" type="presParOf" srcId="{9C15E9F4-CE56-4E8D-9AC4-025934C7C1D4}" destId="{C9E8AD8B-B134-4129-BD9A-C060E9DACAFC}" srcOrd="1" destOrd="0" presId="urn:microsoft.com/office/officeart/2005/8/layout/vList4"/>
+    <dgm:cxn modelId="{A70DB30D-F7C5-4C01-9738-E0DE48D12509}" type="presParOf" srcId="{9C15E9F4-CE56-4E8D-9AC4-025934C7C1D4}" destId="{3D1FE89A-8ADF-4C10-94D7-ABA6570F8C42}" srcOrd="2" destOrd="0" presId="urn:microsoft.com/office/officeart/2005/8/layout/vList4"/>
+    <dgm:cxn modelId="{72A817E0-9F11-4CE9-9F3E-F26DF95F0CBA}" type="presParOf" srcId="{2D5738C4-EC9E-4779-B540-31D33BE25B70}" destId="{3ADE5778-2B09-4D2C-BFA0-9E09D3AB850F}" srcOrd="5" destOrd="0" presId="urn:microsoft.com/office/officeart/2005/8/layout/vList4"/>
+    <dgm:cxn modelId="{21D79D85-6A79-4C95-AB05-4B9FBCEEFB38}" type="presParOf" srcId="{2D5738C4-EC9E-4779-B540-31D33BE25B70}" destId="{394CAA2C-B39A-45C2-8692-4F108831F697}" srcOrd="6" destOrd="0" presId="urn:microsoft.com/office/officeart/2005/8/layout/vList4"/>
+    <dgm:cxn modelId="{1B5F7425-81F1-4E75-BE49-07209D8A9C92}" type="presParOf" srcId="{394CAA2C-B39A-45C2-8692-4F108831F697}" destId="{C6452C4A-60F5-47BC-8505-428BC48A03CB}" srcOrd="0" destOrd="0" presId="urn:microsoft.com/office/officeart/2005/8/layout/vList4"/>
+    <dgm:cxn modelId="{9D32D5E8-902D-4D45-8002-75E51E6E0EAC}" type="presParOf" srcId="{394CAA2C-B39A-45C2-8692-4F108831F697}" destId="{D306C488-315E-46F7-B989-FFF5212BF6E2}" srcOrd="1" destOrd="0" presId="urn:microsoft.com/office/officeart/2005/8/layout/vList4"/>
+    <dgm:cxn modelId="{39D6149B-BA07-4DFB-A0E9-B769847AEDE3}" type="presParOf" srcId="{394CAA2C-B39A-45C2-8692-4F108831F697}" destId="{E67E17D0-D90F-49C4-814B-C75905BED48F}" srcOrd="2" destOrd="0" presId="urn:microsoft.com/office/officeart/2005/8/layout/vList4"/>
+    <dgm:cxn modelId="{AB430D4A-F663-4F65-90FB-5EBB31C3C10E}" type="presParOf" srcId="{2D5738C4-EC9E-4779-B540-31D33BE25B70}" destId="{A4B9FD97-CD6C-45E6-BB2C-BADD153BE16D}" srcOrd="7" destOrd="0" presId="urn:microsoft.com/office/officeart/2005/8/layout/vList4"/>
+    <dgm:cxn modelId="{E0AEF6AC-2CA9-42C1-80DA-C45C252413C0}" type="presParOf" srcId="{2D5738C4-EC9E-4779-B540-31D33BE25B70}" destId="{FA11953F-C793-41F3-944C-F9C478C0015E}" srcOrd="8" destOrd="0" presId="urn:microsoft.com/office/officeart/2005/8/layout/vList4"/>
+    <dgm:cxn modelId="{3E3E90B7-E7F4-4098-86CE-456FD145D474}" type="presParOf" srcId="{FA11953F-C793-41F3-944C-F9C478C0015E}" destId="{9368D843-76C1-42B0-834B-2DA28FCB0771}" srcOrd="0" destOrd="0" presId="urn:microsoft.com/office/officeart/2005/8/layout/vList4"/>
+    <dgm:cxn modelId="{4583DEA2-C6B9-4321-9D84-F35A1237B997}" type="presParOf" srcId="{FA11953F-C793-41F3-944C-F9C478C0015E}" destId="{D58F51A8-C9AC-49A7-BF07-49E56398E46B}" srcOrd="1" destOrd="0" presId="urn:microsoft.com/office/officeart/2005/8/layout/vList4"/>
+    <dgm:cxn modelId="{A3F62817-40C2-4A24-9118-2F626F64F4D0}" type="presParOf" srcId="{FA11953F-C793-41F3-944C-F9C478C0015E}" destId="{CCCE771C-F880-4686-A4B6-89572DC603BC}" srcOrd="2" destOrd="0" presId="urn:microsoft.com/office/officeart/2005/8/layout/vList4"/>
   </dgm:cxnLst>
   <dgm:bg/>
   <dgm:whole/>
@@ -3762,7 +3864,7 @@
         <dsp:cNvPr id="0" name=""/>
         <dsp:cNvSpPr/>
       </dsp:nvSpPr>
-      <dsp:spPr>
+      <dsp:spPr bwMode="white">
         <a:xfrm>
           <a:off x="0" y="0"/>
           <a:ext cx="4131700" cy="336847"/>
@@ -3913,7 +4015,7 @@
         <dsp:cNvPr id="0" name=""/>
         <dsp:cNvSpPr/>
       </dsp:nvSpPr>
-      <dsp:spPr>
+      <dsp:spPr bwMode="white">
         <a:xfrm>
           <a:off x="0" y="384150"/>
           <a:ext cx="4131700" cy="563745"/>
@@ -4125,7 +4227,7 @@
         <dsp:cNvPr id="0" name=""/>
         <dsp:cNvSpPr/>
       </dsp:nvSpPr>
-      <dsp:spPr>
+      <dsp:spPr bwMode="white">
         <a:xfrm>
           <a:off x="0" y="995198"/>
           <a:ext cx="4131700" cy="619236"/>
@@ -4371,7 +4473,7 @@
         <dsp:cNvPr id="0" name=""/>
         <dsp:cNvSpPr/>
       </dsp:nvSpPr>
-      <dsp:spPr>
+      <dsp:spPr bwMode="white">
         <a:xfrm>
           <a:off x="0" y="1661737"/>
           <a:ext cx="4131700" cy="473028"/>
@@ -4567,7 +4669,7 @@
         <dsp:cNvPr id="0" name=""/>
         <dsp:cNvSpPr/>
       </dsp:nvSpPr>
-      <dsp:spPr>
+      <dsp:spPr bwMode="white">
         <a:xfrm>
           <a:off x="0" y="2178279"/>
           <a:ext cx="4131700" cy="340334"/>
@@ -4887,280 +4989,10 @@
         <dsp:cNvPr id="0" name=""/>
         <dsp:cNvSpPr/>
       </dsp:nvSpPr>
-      <dsp:spPr>
+      <dsp:spPr bwMode="white">
         <a:xfrm>
           <a:off x="0" y="0"/>
-          <a:ext cx="4001844" cy="331782"/>
-        </a:xfrm>
-        <a:prstGeom prst="roundRect">
-          <a:avLst>
-            <a:gd name="adj" fmla="val 10000"/>
-          </a:avLst>
-        </a:prstGeom>
-        <a:solidFill>
-          <a:schemeClr val="accent1">
-            <a:hueOff val="0"/>
-            <a:satOff val="0"/>
-            <a:lumOff val="0"/>
-            <a:alphaOff val="0"/>
-          </a:schemeClr>
-        </a:solidFill>
-        <a:ln w="25400" cap="flat" cmpd="sng" algn="ctr">
-          <a:solidFill>
-            <a:schemeClr val="lt1">
-              <a:hueOff val="0"/>
-              <a:satOff val="0"/>
-              <a:lumOff val="0"/>
-              <a:alphaOff val="0"/>
-            </a:schemeClr>
-          </a:solidFill>
-          <a:prstDash val="solid"/>
-        </a:ln>
-        <a:effectLst/>
-      </dsp:spPr>
-      <dsp:style>
-        <a:lnRef idx="2">
-          <a:scrgbClr r="0" g="0" b="0"/>
-        </a:lnRef>
-        <a:fillRef idx="1">
-          <a:scrgbClr r="0" g="0" b="0"/>
-        </a:fillRef>
-        <a:effectRef idx="0">
-          <a:scrgbClr r="0" g="0" b="0"/>
-        </a:effectRef>
-        <a:fontRef idx="minor">
-          <a:schemeClr val="lt1"/>
-        </a:fontRef>
-      </dsp:style>
-      <dsp:txBody>
-        <a:bodyPr spcFirstLastPara="0" vert="horz" wrap="square" lIns="38100" tIns="38100" rIns="38100" bIns="38100" numCol="1" spcCol="1270" anchor="ctr" anchorCtr="0">
-          <a:noAutofit/>
-        </a:bodyPr>
-        <a:lstStyle/>
-        <a:p>
-          <a:pPr marL="0" lvl="0" indent="0" algn="l" defTabSz="444500" rtl="0">
-            <a:lnSpc>
-              <a:spcPct val="90000"/>
-            </a:lnSpc>
-            <a:spcBef>
-              <a:spcPct val="0"/>
-            </a:spcBef>
-            <a:spcAft>
-              <a:spcPct val="35000"/>
-            </a:spcAft>
-            <a:buNone/>
-          </a:pPr>
-          <a:r>
-            <a:rPr lang="es-ES" sz="1000" b="1" kern="1200" dirty="0">
-              <a:latin typeface="Arial"/>
-            </a:rPr>
-            <a:t> Árbol de decisión - Laura</a:t>
-          </a:r>
-        </a:p>
-      </dsp:txBody>
-      <dsp:txXfrm>
-        <a:off x="846960" y="0"/>
-        <a:ext cx="3154883" cy="331782"/>
-      </dsp:txXfrm>
-    </dsp:sp>
-    <dsp:sp modelId="{EF2D8EC3-8FE2-4E7C-B86A-83EDAF07162F}">
-      <dsp:nvSpPr>
-        <dsp:cNvPr id="0" name=""/>
-        <dsp:cNvSpPr/>
-      </dsp:nvSpPr>
-      <dsp:spPr>
-        <a:xfrm>
-          <a:off x="46591" y="36249"/>
-          <a:ext cx="800368" cy="259283"/>
-        </a:xfrm>
-        <a:prstGeom prst="roundRect">
-          <a:avLst>
-            <a:gd name="adj" fmla="val 10000"/>
-          </a:avLst>
-        </a:prstGeom>
-        <a:blipFill>
-          <a:blip xmlns:r="http://schemas.openxmlformats.org/officeDocument/2006/relationships" r:embed="rId1"/>
-          <a:srcRect/>
-          <a:stretch>
-            <a:fillRect t="-30000" b="-30000"/>
-          </a:stretch>
-        </a:blipFill>
-        <a:ln w="25400" cap="flat" cmpd="sng" algn="ctr">
-          <a:solidFill>
-            <a:schemeClr val="lt1">
-              <a:hueOff val="0"/>
-              <a:satOff val="0"/>
-              <a:lumOff val="0"/>
-              <a:alphaOff val="0"/>
-            </a:schemeClr>
-          </a:solidFill>
-          <a:prstDash val="solid"/>
-        </a:ln>
-        <a:effectLst/>
-      </dsp:spPr>
-      <dsp:style>
-        <a:lnRef idx="2">
-          <a:scrgbClr r="0" g="0" b="0"/>
-        </a:lnRef>
-        <a:fillRef idx="1">
-          <a:scrgbClr r="0" g="0" b="0"/>
-        </a:fillRef>
-        <a:effectRef idx="0">
-          <a:scrgbClr r="0" g="0" b="0"/>
-        </a:effectRef>
-        <a:fontRef idx="minor"/>
-      </dsp:style>
-    </dsp:sp>
-    <dsp:sp modelId="{F8F9AE2F-FD36-4C40-AF03-56EE3A9AAA18}">
-      <dsp:nvSpPr>
-        <dsp:cNvPr id="0" name=""/>
-        <dsp:cNvSpPr/>
-      </dsp:nvSpPr>
-      <dsp:spPr>
-        <a:xfrm>
-          <a:off x="0" y="378374"/>
-          <a:ext cx="4001844" cy="465914"/>
-        </a:xfrm>
-        <a:prstGeom prst="roundRect">
-          <a:avLst>
-            <a:gd name="adj" fmla="val 10000"/>
-          </a:avLst>
-        </a:prstGeom>
-        <a:solidFill>
-          <a:schemeClr val="accent1">
-            <a:hueOff val="0"/>
-            <a:satOff val="0"/>
-            <a:lumOff val="0"/>
-            <a:alphaOff val="0"/>
-          </a:schemeClr>
-        </a:solidFill>
-        <a:ln w="25400" cap="flat" cmpd="sng" algn="ctr">
-          <a:solidFill>
-            <a:schemeClr val="lt1">
-              <a:hueOff val="0"/>
-              <a:satOff val="0"/>
-              <a:lumOff val="0"/>
-              <a:alphaOff val="0"/>
-            </a:schemeClr>
-          </a:solidFill>
-          <a:prstDash val="solid"/>
-        </a:ln>
-        <a:effectLst/>
-      </dsp:spPr>
-      <dsp:style>
-        <a:lnRef idx="2">
-          <a:scrgbClr r="0" g="0" b="0"/>
-        </a:lnRef>
-        <a:fillRef idx="1">
-          <a:scrgbClr r="0" g="0" b="0"/>
-        </a:fillRef>
-        <a:effectRef idx="0">
-          <a:scrgbClr r="0" g="0" b="0"/>
-        </a:effectRef>
-        <a:fontRef idx="minor">
-          <a:schemeClr val="lt1"/>
-        </a:fontRef>
-      </dsp:style>
-      <dsp:txBody>
-        <a:bodyPr spcFirstLastPara="0" vert="horz" wrap="square" lIns="64770" tIns="64770" rIns="64770" bIns="64770" numCol="1" spcCol="1270" anchor="ctr" anchorCtr="0">
-          <a:noAutofit/>
-        </a:bodyPr>
-        <a:lstStyle/>
-        <a:p>
-          <a:pPr marL="0" lvl="0" indent="0" algn="l" defTabSz="755650">
-            <a:lnSpc>
-              <a:spcPct val="90000"/>
-            </a:lnSpc>
-            <a:spcBef>
-              <a:spcPct val="0"/>
-            </a:spcBef>
-            <a:spcAft>
-              <a:spcPct val="35000"/>
-            </a:spcAft>
-            <a:buNone/>
-          </a:pPr>
-          <a:r>
-            <a:rPr lang="es-ES" sz="1700" b="1" kern="1200" dirty="0"/>
-            <a:t>GLM – </a:t>
-          </a:r>
-          <a:r>
-            <a:rPr lang="es-ES" sz="1700" kern="1200" dirty="0"/>
-            <a:t>Mario, Melissa, </a:t>
-          </a:r>
-          <a:r>
-            <a:rPr lang="es-ES" sz="1700" kern="1200" dirty="0" err="1"/>
-            <a:t>Wenjia</a:t>
-          </a:r>
-          <a:endParaRPr lang="zh-CN" altLang="en-US" sz="1700" kern="1200" dirty="0"/>
-        </a:p>
-      </dsp:txBody>
-      <dsp:txXfrm>
-        <a:off x="846960" y="378374"/>
-        <a:ext cx="3154883" cy="465914"/>
-      </dsp:txXfrm>
-    </dsp:sp>
-    <dsp:sp modelId="{A3FDCC04-80E8-4C54-9401-9077E1D08B0B}">
-      <dsp:nvSpPr>
-        <dsp:cNvPr id="0" name=""/>
-        <dsp:cNvSpPr/>
-      </dsp:nvSpPr>
-      <dsp:spPr>
-        <a:xfrm>
-          <a:off x="46591" y="424965"/>
-          <a:ext cx="800368" cy="372731"/>
-        </a:xfrm>
-        <a:prstGeom prst="roundRect">
-          <a:avLst>
-            <a:gd name="adj" fmla="val 10000"/>
-          </a:avLst>
-        </a:prstGeom>
-        <a:blipFill>
-          <a:blip xmlns:r="http://schemas.openxmlformats.org/officeDocument/2006/relationships" r:embed="rId2">
-            <a:extLst>
-              <a:ext uri="{28A0092B-C50C-407E-A947-70E740481C1C}">
-                <a14:useLocalDpi xmlns:a14="http://schemas.microsoft.com/office/drawing/2010/main" val="0"/>
-              </a:ext>
-            </a:extLst>
-          </a:blip>
-          <a:stretch>
-            <a:fillRect/>
-          </a:stretch>
-        </a:blipFill>
-        <a:ln w="25400" cap="flat" cmpd="sng" algn="ctr">
-          <a:solidFill>
-            <a:schemeClr val="lt1">
-              <a:hueOff val="0"/>
-              <a:satOff val="0"/>
-              <a:lumOff val="0"/>
-              <a:alphaOff val="0"/>
-            </a:schemeClr>
-          </a:solidFill>
-          <a:prstDash val="solid"/>
-        </a:ln>
-        <a:effectLst/>
-      </dsp:spPr>
-      <dsp:style>
-        <a:lnRef idx="2">
-          <a:scrgbClr r="0" g="0" b="0"/>
-        </a:lnRef>
-        <a:fillRef idx="1">
-          <a:scrgbClr r="0" g="0" b="0"/>
-        </a:fillRef>
-        <a:effectRef idx="0">
-          <a:scrgbClr r="0" g="0" b="0"/>
-        </a:effectRef>
-        <a:fontRef idx="minor"/>
-      </dsp:style>
-    </dsp:sp>
-    <dsp:sp modelId="{B12AE6C0-B4ED-4A08-98AA-6732B6DC385E}">
-      <dsp:nvSpPr>
-        <dsp:cNvPr id="0" name=""/>
-        <dsp:cNvSpPr/>
-      </dsp:nvSpPr>
-      <dsp:spPr>
-        <a:xfrm>
-          <a:off x="0" y="890880"/>
-          <a:ext cx="4001844" cy="338058"/>
+          <a:ext cx="4001844" cy="419413"/>
         </a:xfrm>
         <a:prstGeom prst="roundRect">
           <a:avLst>
@@ -5221,35 +5053,371 @@
             <a:buNone/>
           </a:pPr>
           <a:r>
-            <a:rPr lang="es-ES" sz="1000" b="1" kern="1200" dirty="0"/>
+            <a:rPr lang="es-ES" sz="1000" b="1" kern="1200" dirty="0">
+              <a:solidFill>
+                <a:srgbClr val="002060"/>
+              </a:solidFill>
+            </a:rPr>
+            <a:t>	</a:t>
+          </a:r>
+          <a:r>
+            <a:rPr lang="es-ES" sz="1000" b="1" kern="1200" dirty="0" err="1">
+              <a:solidFill>
+                <a:srgbClr val="002060"/>
+              </a:solidFill>
+            </a:rPr>
+            <a:t>Classification</a:t>
+          </a:r>
+          <a:r>
+            <a:rPr lang="es-ES" sz="1000" b="1" kern="1200" dirty="0">
+              <a:solidFill>
+                <a:srgbClr val="002060"/>
+              </a:solidFill>
+            </a:rPr>
+            <a:t> </a:t>
+          </a:r>
+          <a:r>
+            <a:rPr lang="es-ES" sz="1000" b="1" kern="1200" dirty="0" err="1">
+              <a:solidFill>
+                <a:srgbClr val="002060"/>
+              </a:solidFill>
+            </a:rPr>
+            <a:t>tree</a:t>
+          </a:r>
+          <a:r>
+            <a:rPr lang="es-ES" sz="1000" b="1" kern="1200" dirty="0">
+              <a:solidFill>
+                <a:srgbClr val="002060"/>
+              </a:solidFill>
+            </a:rPr>
+            <a:t>– </a:t>
+          </a:r>
+          <a:r>
+            <a:rPr lang="es-ES" sz="1000" b="1" kern="1200" dirty="0">
+              <a:solidFill>
+                <a:schemeClr val="bg1"/>
+              </a:solidFill>
+            </a:rPr>
+            <a:t>Laura, Mario</a:t>
+          </a:r>
+          <a:endParaRPr lang="es-ES" sz="1000" kern="1200" dirty="0">
+            <a:solidFill>
+              <a:schemeClr val="bg1"/>
+            </a:solidFill>
+          </a:endParaRPr>
+        </a:p>
+      </dsp:txBody>
+      <dsp:txXfrm>
+        <a:off x="859266" y="0"/>
+        <a:ext cx="3142577" cy="419413"/>
+      </dsp:txXfrm>
+    </dsp:sp>
+    <dsp:sp modelId="{EF2D8EC3-8FE2-4E7C-B86A-83EDAF07162F}">
+      <dsp:nvSpPr>
+        <dsp:cNvPr id="0" name=""/>
+        <dsp:cNvSpPr/>
+      </dsp:nvSpPr>
+      <dsp:spPr>
+        <a:xfrm>
+          <a:off x="58897" y="45823"/>
+          <a:ext cx="800368" cy="327766"/>
+        </a:xfrm>
+        <a:prstGeom prst="roundRect">
+          <a:avLst>
+            <a:gd name="adj" fmla="val 10000"/>
+          </a:avLst>
+        </a:prstGeom>
+        <a:blipFill>
+          <a:blip xmlns:r="http://schemas.openxmlformats.org/officeDocument/2006/relationships" r:embed="rId1"/>
+          <a:srcRect/>
+          <a:stretch>
+            <a:fillRect t="-30000" b="-30000"/>
+          </a:stretch>
+        </a:blipFill>
+        <a:ln w="25400" cap="flat" cmpd="sng" algn="ctr">
+          <a:solidFill>
+            <a:schemeClr val="lt1">
+              <a:hueOff val="0"/>
+              <a:satOff val="0"/>
+              <a:lumOff val="0"/>
+              <a:alphaOff val="0"/>
+            </a:schemeClr>
+          </a:solidFill>
+          <a:prstDash val="solid"/>
+        </a:ln>
+        <a:effectLst/>
+      </dsp:spPr>
+      <dsp:style>
+        <a:lnRef idx="2">
+          <a:scrgbClr r="0" g="0" b="0"/>
+        </a:lnRef>
+        <a:fillRef idx="1">
+          <a:scrgbClr r="0" g="0" b="0"/>
+        </a:fillRef>
+        <a:effectRef idx="0">
+          <a:scrgbClr r="0" g="0" b="0"/>
+        </a:effectRef>
+        <a:fontRef idx="minor"/>
+      </dsp:style>
+    </dsp:sp>
+    <dsp:sp modelId="{264E0976-0840-4190-A8BA-ACD257002388}">
+      <dsp:nvSpPr>
+        <dsp:cNvPr id="0" name=""/>
+        <dsp:cNvSpPr/>
+      </dsp:nvSpPr>
+      <dsp:spPr>
+        <a:xfrm>
+          <a:off x="0" y="504193"/>
+          <a:ext cx="4001844" cy="419413"/>
+        </a:xfrm>
+        <a:prstGeom prst="roundRect">
+          <a:avLst>
+            <a:gd name="adj" fmla="val 10000"/>
+          </a:avLst>
+        </a:prstGeom>
+        <a:solidFill>
+          <a:schemeClr val="accent1">
+            <a:hueOff val="0"/>
+            <a:satOff val="0"/>
+            <a:lumOff val="0"/>
+            <a:alphaOff val="0"/>
+          </a:schemeClr>
+        </a:solidFill>
+        <a:ln w="25400" cap="flat" cmpd="sng" algn="ctr">
+          <a:solidFill>
+            <a:schemeClr val="lt1">
+              <a:hueOff val="0"/>
+              <a:satOff val="0"/>
+              <a:lumOff val="0"/>
+              <a:alphaOff val="0"/>
+            </a:schemeClr>
+          </a:solidFill>
+          <a:prstDash val="solid"/>
+        </a:ln>
+        <a:effectLst/>
+      </dsp:spPr>
+      <dsp:style>
+        <a:lnRef idx="2">
+          <a:scrgbClr r="0" g="0" b="0"/>
+        </a:lnRef>
+        <a:fillRef idx="1">
+          <a:scrgbClr r="0" g="0" b="0"/>
+        </a:fillRef>
+        <a:effectRef idx="0">
+          <a:scrgbClr r="0" g="0" b="0"/>
+        </a:effectRef>
+        <a:fontRef idx="minor">
+          <a:schemeClr val="lt1"/>
+        </a:fontRef>
+      </dsp:style>
+      <dsp:txBody>
+        <a:bodyPr spcFirstLastPara="0" vert="horz" wrap="square" lIns="53340" tIns="53340" rIns="53340" bIns="53340" numCol="1" spcCol="1270" anchor="ctr" anchorCtr="0">
+          <a:noAutofit/>
+        </a:bodyPr>
+        <a:lstStyle/>
+        <a:p>
+          <a:pPr marL="0" lvl="0" indent="0" algn="l" defTabSz="622300">
+            <a:lnSpc>
+              <a:spcPct val="90000"/>
+            </a:lnSpc>
+            <a:spcBef>
+              <a:spcPct val="0"/>
+            </a:spcBef>
+            <a:spcAft>
+              <a:spcPct val="35000"/>
+            </a:spcAft>
+            <a:buNone/>
+          </a:pPr>
+          <a:r>
+            <a:rPr lang="es-ES" sz="1400" b="1" kern="1200" dirty="0">
+              <a:solidFill>
+                <a:srgbClr val="002060"/>
+              </a:solidFill>
+            </a:rPr>
+            <a:t>	</a:t>
+          </a:r>
+          <a:r>
+            <a:rPr lang="es-ES" sz="1200" b="1" kern="1200" dirty="0">
+              <a:solidFill>
+                <a:srgbClr val="002060"/>
+              </a:solidFill>
+            </a:rPr>
+            <a:t>GLM – </a:t>
+          </a:r>
+          <a:r>
+            <a:rPr lang="es-ES" sz="1200" kern="1200" dirty="0"/>
+            <a:t>Mario, Melissa, </a:t>
+          </a:r>
+          <a:r>
+            <a:rPr lang="es-ES" sz="1200" kern="1200" dirty="0" err="1"/>
+            <a:t>Wenjia</a:t>
+          </a:r>
+          <a:endParaRPr lang="es-ES" sz="1400" kern="1200" dirty="0"/>
+        </a:p>
+      </dsp:txBody>
+      <dsp:txXfrm>
+        <a:off x="859266" y="504193"/>
+        <a:ext cx="3142577" cy="419413"/>
+      </dsp:txXfrm>
+    </dsp:sp>
+    <dsp:sp modelId="{A485EABC-8582-4C36-84BB-91900236DAC0}">
+      <dsp:nvSpPr>
+        <dsp:cNvPr id="0" name=""/>
+        <dsp:cNvSpPr/>
+      </dsp:nvSpPr>
+      <dsp:spPr>
+        <a:xfrm>
+          <a:off x="58897" y="478311"/>
+          <a:ext cx="800368" cy="471178"/>
+        </a:xfrm>
+        <a:prstGeom prst="roundRect">
+          <a:avLst>
+            <a:gd name="adj" fmla="val 10000"/>
+          </a:avLst>
+        </a:prstGeom>
+        <a:blipFill>
+          <a:blip xmlns:r="http://schemas.openxmlformats.org/officeDocument/2006/relationships" r:embed="rId1"/>
+          <a:srcRect/>
+          <a:stretch>
+            <a:fillRect t="-30000" b="-30000"/>
+          </a:stretch>
+        </a:blipFill>
+        <a:ln w="25400" cap="flat" cmpd="sng" algn="ctr">
+          <a:solidFill>
+            <a:schemeClr val="lt1">
+              <a:hueOff val="0"/>
+              <a:satOff val="0"/>
+              <a:lumOff val="0"/>
+              <a:alphaOff val="0"/>
+            </a:schemeClr>
+          </a:solidFill>
+          <a:prstDash val="solid"/>
+        </a:ln>
+        <a:effectLst/>
+      </dsp:spPr>
+      <dsp:style>
+        <a:lnRef idx="2">
+          <a:scrgbClr r="0" g="0" b="0"/>
+        </a:lnRef>
+        <a:fillRef idx="1">
+          <a:scrgbClr r="0" g="0" b="0"/>
+        </a:fillRef>
+        <a:effectRef idx="0">
+          <a:scrgbClr r="0" g="0" b="0"/>
+        </a:effectRef>
+        <a:fontRef idx="minor"/>
+      </dsp:style>
+    </dsp:sp>
+    <dsp:sp modelId="{B12AE6C0-B4ED-4A08-98AA-6732B6DC385E}">
+      <dsp:nvSpPr>
+        <dsp:cNvPr id="0" name=""/>
+        <dsp:cNvSpPr/>
+      </dsp:nvSpPr>
+      <dsp:spPr bwMode="white">
+        <a:xfrm>
+          <a:off x="0" y="1008387"/>
+          <a:ext cx="4001844" cy="427347"/>
+        </a:xfrm>
+        <a:prstGeom prst="roundRect">
+          <a:avLst>
+            <a:gd name="adj" fmla="val 10000"/>
+          </a:avLst>
+        </a:prstGeom>
+        <a:solidFill>
+          <a:schemeClr val="accent1">
+            <a:hueOff val="0"/>
+            <a:satOff val="0"/>
+            <a:lumOff val="0"/>
+            <a:alphaOff val="0"/>
+          </a:schemeClr>
+        </a:solidFill>
+        <a:ln w="25400" cap="flat" cmpd="sng" algn="ctr">
+          <a:solidFill>
+            <a:schemeClr val="lt1">
+              <a:hueOff val="0"/>
+              <a:satOff val="0"/>
+              <a:lumOff val="0"/>
+              <a:alphaOff val="0"/>
+            </a:schemeClr>
+          </a:solidFill>
+          <a:prstDash val="solid"/>
+        </a:ln>
+        <a:effectLst/>
+      </dsp:spPr>
+      <dsp:style>
+        <a:lnRef idx="2">
+          <a:scrgbClr r="0" g="0" b="0"/>
+        </a:lnRef>
+        <a:fillRef idx="1">
+          <a:scrgbClr r="0" g="0" b="0"/>
+        </a:fillRef>
+        <a:effectRef idx="0">
+          <a:scrgbClr r="0" g="0" b="0"/>
+        </a:effectRef>
+        <a:fontRef idx="minor">
+          <a:schemeClr val="lt1"/>
+        </a:fontRef>
+      </dsp:style>
+      <dsp:txBody>
+        <a:bodyPr spcFirstLastPara="0" vert="horz" wrap="square" lIns="41910" tIns="41910" rIns="41910" bIns="41910" numCol="1" spcCol="1270" anchor="ctr" anchorCtr="0">
+          <a:noAutofit/>
+        </a:bodyPr>
+        <a:lstStyle/>
+        <a:p>
+          <a:pPr marL="0" lvl="0" indent="0" algn="l" defTabSz="488950">
+            <a:lnSpc>
+              <a:spcPct val="90000"/>
+            </a:lnSpc>
+            <a:spcBef>
+              <a:spcPct val="0"/>
+            </a:spcBef>
+            <a:spcAft>
+              <a:spcPct val="35000"/>
+            </a:spcAft>
+            <a:buNone/>
+          </a:pPr>
+          <a:r>
+            <a:rPr lang="es-ES" sz="1100" b="1" kern="1200" dirty="0">
+              <a:solidFill>
+                <a:srgbClr val="002060"/>
+              </a:solidFill>
+            </a:rPr>
             <a:t>      	</a:t>
           </a:r>
           <a:r>
-            <a:rPr lang="es-ES" sz="1000" b="1" kern="1200" dirty="0" err="1"/>
+            <a:rPr lang="es-ES" sz="1100" b="1" kern="1200" dirty="0" err="1">
+              <a:solidFill>
+                <a:srgbClr val="002060"/>
+              </a:solidFill>
+            </a:rPr>
             <a:t>Xgboost</a:t>
           </a:r>
           <a:r>
-            <a:rPr lang="es-ES" sz="1000" b="1" kern="1200" dirty="0"/>
+            <a:rPr lang="es-ES" sz="1100" b="1" kern="1200" dirty="0">
+              <a:solidFill>
+                <a:srgbClr val="002060"/>
+              </a:solidFill>
+            </a:rPr>
             <a:t> – </a:t>
           </a:r>
           <a:r>
-            <a:rPr lang="es-ES" sz="1000" kern="1200" dirty="0" err="1"/>
+            <a:rPr lang="es-ES" sz="1100" kern="1200" dirty="0" err="1"/>
             <a:t>Wenjia</a:t>
           </a:r>
           <a:r>
-            <a:rPr lang="es-ES" sz="1000" kern="1200" dirty="0"/>
+            <a:rPr lang="es-ES" sz="1100" kern="1200" dirty="0"/>
             <a:t>, Melissa, Mario, </a:t>
           </a:r>
           <a:r>
-            <a:rPr lang="es-ES" sz="1000" kern="1200" dirty="0" err="1"/>
+            <a:rPr lang="es-ES" sz="1100" kern="1200" dirty="0" err="1"/>
             <a:t>Siling</a:t>
           </a:r>
-          <a:endParaRPr lang="es-ES" sz="1000" kern="1200" dirty="0"/>
+          <a:endParaRPr lang="es-ES" sz="1100" kern="1200" dirty="0"/>
         </a:p>
       </dsp:txBody>
       <dsp:txXfrm>
-        <a:off x="846960" y="890880"/>
-        <a:ext cx="3154883" cy="338058"/>
+        <a:off x="859266" y="1008387"/>
+        <a:ext cx="3142577" cy="427347"/>
       </dsp:txXfrm>
     </dsp:sp>
     <dsp:sp modelId="{C9E8AD8B-B134-4129-BD9A-C060E9DACAFC}">
@@ -5259,8 +5427,8 @@
       </dsp:nvSpPr>
       <dsp:spPr>
         <a:xfrm>
-          <a:off x="46591" y="893695"/>
-          <a:ext cx="800368" cy="332428"/>
+          <a:off x="58897" y="1011945"/>
+          <a:ext cx="800368" cy="420230"/>
         </a:xfrm>
         <a:prstGeom prst="roundRect">
           <a:avLst>
@@ -5268,7 +5436,7 @@
           </a:avLst>
         </a:prstGeom>
         <a:blipFill>
-          <a:blip xmlns:r="http://schemas.openxmlformats.org/officeDocument/2006/relationships" r:embed="rId3"/>
+          <a:blip xmlns:r="http://schemas.openxmlformats.org/officeDocument/2006/relationships" r:embed="rId2"/>
           <a:srcRect/>
           <a:stretch>
             <a:fillRect l="-19000" r="-19000"/>
@@ -5305,10 +5473,10 @@
         <dsp:cNvPr id="0" name=""/>
         <dsp:cNvSpPr/>
       </dsp:nvSpPr>
-      <dsp:spPr>
+      <dsp:spPr bwMode="white">
         <a:xfrm>
-          <a:off x="0" y="1275530"/>
-          <a:ext cx="4001844" cy="609924"/>
+          <a:off x="0" y="1494631"/>
+          <a:ext cx="4001844" cy="771019"/>
         </a:xfrm>
         <a:prstGeom prst="roundRect">
           <a:avLst>
@@ -5356,7 +5524,7 @@
         </a:bodyPr>
         <a:lstStyle/>
         <a:p>
-          <a:pPr marL="0" lvl="0" indent="0" algn="l" defTabSz="444500" rtl="0">
+          <a:pPr marL="0" lvl="0" indent="0" algn="l" defTabSz="444500">
             <a:lnSpc>
               <a:spcPct val="90000"/>
             </a:lnSpc>
@@ -5370,45 +5538,65 @@
           </a:pPr>
           <a:r>
             <a:rPr lang="es-ES" sz="1000" b="1" kern="1200" dirty="0">
-              <a:latin typeface="Arial"/>
+              <a:solidFill>
+                <a:srgbClr val="002060"/>
+              </a:solidFill>
             </a:rPr>
             <a:t> 	</a:t>
           </a:r>
           <a:r>
-            <a:rPr lang="es-ES" sz="1000" b="1" kern="1200" dirty="0" err="1"/>
+            <a:rPr lang="es-ES" sz="1000" b="1" kern="1200" dirty="0" err="1">
+              <a:solidFill>
+                <a:srgbClr val="002060"/>
+              </a:solidFill>
+            </a:rPr>
             <a:t>Random</a:t>
           </a:r>
           <a:r>
-            <a:rPr lang="es-ES" sz="1000" b="1" kern="1200" dirty="0"/>
+            <a:rPr lang="es-ES" sz="1000" b="1" kern="1200" dirty="0">
+              <a:solidFill>
+                <a:srgbClr val="002060"/>
+              </a:solidFill>
+            </a:rPr>
             <a:t> </a:t>
           </a:r>
           <a:r>
-            <a:rPr lang="es-ES" sz="1000" b="1" kern="1200" dirty="0" err="1"/>
+            <a:rPr lang="es-ES" sz="1000" b="1" kern="1200" dirty="0" err="1">
+              <a:solidFill>
+                <a:srgbClr val="002060"/>
+              </a:solidFill>
+            </a:rPr>
             <a:t>forest</a:t>
           </a:r>
           <a:r>
-            <a:rPr lang="es-ES" sz="1000" b="1" kern="1200" dirty="0"/>
+            <a:rPr lang="es-ES" sz="1000" b="1" kern="1200" dirty="0">
+              <a:solidFill>
+                <a:srgbClr val="002060"/>
+              </a:solidFill>
+            </a:rPr>
             <a:t> – </a:t>
           </a:r>
           <a:r>
-            <a:rPr lang="es-ES" sz="1000" b="1" kern="1200" dirty="0" err="1"/>
+            <a:rPr lang="es-ES" sz="1000" b="1" kern="1200" dirty="0" err="1">
+              <a:solidFill>
+                <a:schemeClr val="bg1"/>
+              </a:solidFill>
+            </a:rPr>
             <a:t>Wenjia</a:t>
           </a:r>
           <a:r>
-            <a:rPr lang="es-ES" sz="1000" b="1" kern="1200" dirty="0"/>
-            <a:t>, </a:t>
-          </a:r>
-          <a:r>
             <a:rPr lang="es-ES" sz="1000" b="1" kern="1200" dirty="0">
-              <a:latin typeface="Arial"/>
+              <a:solidFill>
+                <a:schemeClr val="bg1"/>
+              </a:solidFill>
             </a:rPr>
-            <a:t>Melissa</a:t>
+            <a:t>, Melissa</a:t>
           </a:r>
         </a:p>
       </dsp:txBody>
       <dsp:txXfrm>
-        <a:off x="846960" y="1275530"/>
-        <a:ext cx="3154883" cy="609924"/>
+        <a:off x="859266" y="1494631"/>
+        <a:ext cx="3142577" cy="771019"/>
       </dsp:txXfrm>
     </dsp:sp>
     <dsp:sp modelId="{D306C488-315E-46F7-B989-FFF5212BF6E2}">
@@ -5418,8 +5606,8 @@
       </dsp:nvSpPr>
       <dsp:spPr>
         <a:xfrm>
-          <a:off x="46591" y="1410251"/>
-          <a:ext cx="800368" cy="340483"/>
+          <a:off x="58897" y="1664935"/>
+          <a:ext cx="800368" cy="430412"/>
         </a:xfrm>
         <a:prstGeom prst="roundRect">
           <a:avLst>
@@ -5427,7 +5615,7 @@
           </a:avLst>
         </a:prstGeom>
         <a:blipFill>
-          <a:blip xmlns:r="http://schemas.openxmlformats.org/officeDocument/2006/relationships" r:embed="rId4"/>
+          <a:blip xmlns:r="http://schemas.openxmlformats.org/officeDocument/2006/relationships" r:embed="rId3"/>
           <a:srcRect/>
           <a:stretch>
             <a:fillRect l="-79000" r="-79000"/>
@@ -5459,15 +5647,15 @@
         <a:fontRef idx="minor"/>
       </dsp:style>
     </dsp:sp>
-    <dsp:sp modelId="{EBF47EA0-535C-4043-9E97-053584404EF1}">
+    <dsp:sp modelId="{9368D843-76C1-42B0-834B-2DA28FCB0771}">
       <dsp:nvSpPr>
         <dsp:cNvPr id="0" name=""/>
         <dsp:cNvSpPr/>
       </dsp:nvSpPr>
-      <dsp:spPr>
+      <dsp:spPr bwMode="white">
         <a:xfrm>
-          <a:off x="0" y="1932046"/>
-          <a:ext cx="4001844" cy="465914"/>
+          <a:off x="0" y="2324548"/>
+          <a:ext cx="4001844" cy="588973"/>
         </a:xfrm>
         <a:prstGeom prst="roundRect">
           <a:avLst>
@@ -5510,12 +5698,12 @@
         </a:fontRef>
       </dsp:style>
       <dsp:txBody>
-        <a:bodyPr spcFirstLastPara="0" vert="horz" wrap="square" lIns="64770" tIns="64770" rIns="64770" bIns="64770" numCol="1" spcCol="1270" anchor="ctr" anchorCtr="0">
+        <a:bodyPr spcFirstLastPara="0" vert="horz" wrap="square" lIns="30480" tIns="30480" rIns="30480" bIns="30480" numCol="1" spcCol="1270" anchor="ctr" anchorCtr="0">
           <a:noAutofit/>
         </a:bodyPr>
         <a:lstStyle/>
         <a:p>
-          <a:pPr marL="0" lvl="0" indent="0" algn="l" defTabSz="755650" rtl="0">
+          <a:pPr marL="0" lvl="0" indent="0" algn="l" defTabSz="355600">
             <a:lnSpc>
               <a:spcPct val="90000"/>
             </a:lnSpc>
@@ -5528,174 +5716,42 @@
             <a:buNone/>
           </a:pPr>
           <a:r>
-            <a:rPr lang="es-ES" altLang="zh-CN" sz="1700" b="1" kern="1200" dirty="0">
-              <a:latin typeface="Arial"/>
+            <a:rPr lang="es-ES" sz="800" b="1" kern="1200" dirty="0">
+              <a:solidFill>
+                <a:srgbClr val="002060"/>
+              </a:solidFill>
             </a:rPr>
-            <a:t> SVM – Mario, Laura, Wenjia</a:t>
+            <a:t>            	</a:t>
           </a:r>
-          <a:endParaRPr lang="zh-CN" altLang="en-US" sz="1700" kern="1200" dirty="0"/>
         </a:p>
       </dsp:txBody>
       <dsp:txXfrm>
-        <a:off x="846960" y="1932046"/>
-        <a:ext cx="3154883" cy="465914"/>
+        <a:off x="859266" y="2324548"/>
+        <a:ext cx="3142577" cy="588973"/>
       </dsp:txXfrm>
     </dsp:sp>
-    <dsp:sp modelId="{1C0E9D49-C3CB-417F-81DC-CB95A4C9387D}">
+    <dsp:sp modelId="{D58F51A8-C9AC-49A7-BF07-49E56398E46B}">
       <dsp:nvSpPr>
         <dsp:cNvPr id="0" name=""/>
         <dsp:cNvSpPr/>
       </dsp:nvSpPr>
       <dsp:spPr>
         <a:xfrm>
-          <a:off x="46591" y="1978638"/>
-          <a:ext cx="800368" cy="372731"/>
+          <a:off x="58897" y="2383445"/>
+          <a:ext cx="800368" cy="471178"/>
         </a:xfrm>
         <a:prstGeom prst="roundRect">
           <a:avLst>
             <a:gd name="adj" fmla="val 10000"/>
           </a:avLst>
         </a:prstGeom>
-        <a:solidFill>
-          <a:schemeClr val="accent1">
-            <a:tint val="50000"/>
-            <a:hueOff val="0"/>
-            <a:satOff val="0"/>
-            <a:lumOff val="0"/>
-            <a:alphaOff val="0"/>
-          </a:schemeClr>
-        </a:solidFill>
-        <a:ln w="25400" cap="flat" cmpd="sng" algn="ctr">
-          <a:solidFill>
-            <a:schemeClr val="lt1">
-              <a:hueOff val="0"/>
-              <a:satOff val="0"/>
-              <a:lumOff val="0"/>
-              <a:alphaOff val="0"/>
-            </a:schemeClr>
-          </a:solidFill>
-          <a:prstDash val="solid"/>
-        </a:ln>
-        <a:effectLst/>
-      </dsp:spPr>
-      <dsp:style>
-        <a:lnRef idx="2">
-          <a:scrgbClr r="0" g="0" b="0"/>
-        </a:lnRef>
-        <a:fillRef idx="1">
-          <a:scrgbClr r="0" g="0" b="0"/>
-        </a:fillRef>
-        <a:effectRef idx="0">
-          <a:scrgbClr r="0" g="0" b="0"/>
-        </a:effectRef>
-        <a:fontRef idx="minor"/>
-      </dsp:style>
-    </dsp:sp>
-    <dsp:sp modelId="{CFF0E229-D685-4076-B21B-3E68EBA38F19}">
-      <dsp:nvSpPr>
-        <dsp:cNvPr id="0" name=""/>
-        <dsp:cNvSpPr/>
-      </dsp:nvSpPr>
-      <dsp:spPr>
-        <a:xfrm>
-          <a:off x="0" y="2444553"/>
-          <a:ext cx="4001844" cy="465914"/>
-        </a:xfrm>
-        <a:prstGeom prst="roundRect">
-          <a:avLst>
-            <a:gd name="adj" fmla="val 10000"/>
-          </a:avLst>
-        </a:prstGeom>
-        <a:solidFill>
-          <a:schemeClr val="accent1">
-            <a:hueOff val="0"/>
-            <a:satOff val="0"/>
-            <a:lumOff val="0"/>
-            <a:alphaOff val="0"/>
-          </a:schemeClr>
-        </a:solidFill>
-        <a:ln w="25400" cap="flat" cmpd="sng" algn="ctr">
-          <a:solidFill>
-            <a:schemeClr val="lt1">
-              <a:hueOff val="0"/>
-              <a:satOff val="0"/>
-              <a:lumOff val="0"/>
-              <a:alphaOff val="0"/>
-            </a:schemeClr>
-          </a:solidFill>
-          <a:prstDash val="solid"/>
-        </a:ln>
-        <a:effectLst/>
-      </dsp:spPr>
-      <dsp:style>
-        <a:lnRef idx="2">
-          <a:scrgbClr r="0" g="0" b="0"/>
-        </a:lnRef>
-        <a:fillRef idx="1">
-          <a:scrgbClr r="0" g="0" b="0"/>
-        </a:fillRef>
-        <a:effectRef idx="0">
-          <a:scrgbClr r="0" g="0" b="0"/>
-        </a:effectRef>
-        <a:fontRef idx="minor">
-          <a:schemeClr val="lt1"/>
-        </a:fontRef>
-      </dsp:style>
-      <dsp:txBody>
-        <a:bodyPr spcFirstLastPara="0" vert="horz" wrap="square" lIns="38100" tIns="38100" rIns="38100" bIns="38100" numCol="1" spcCol="1270" anchor="ctr" anchorCtr="0">
-          <a:noAutofit/>
-        </a:bodyPr>
-        <a:lstStyle/>
-        <a:p>
-          <a:pPr marL="0" lvl="0" indent="0" algn="l" defTabSz="444500" rtl="0">
-            <a:lnSpc>
-              <a:spcPct val="90000"/>
-            </a:lnSpc>
-            <a:spcBef>
-              <a:spcPct val="0"/>
-            </a:spcBef>
-            <a:spcAft>
-              <a:spcPct val="35000"/>
-            </a:spcAft>
-            <a:buNone/>
-          </a:pPr>
-          <a:r>
-            <a:rPr lang="es-ES" altLang="zh-CN" sz="1000" b="1" kern="1200" dirty="0">
-              <a:latin typeface="Arial"/>
-            </a:rPr>
-            <a:t> Imputación mediana AR - Mario</a:t>
-          </a:r>
-        </a:p>
-      </dsp:txBody>
-      <dsp:txXfrm>
-        <a:off x="846960" y="2444553"/>
-        <a:ext cx="3154883" cy="465914"/>
-      </dsp:txXfrm>
-    </dsp:sp>
-    <dsp:sp modelId="{7CFBB6A2-B5A4-4A99-8493-8C09273A383E}">
-      <dsp:nvSpPr>
-        <dsp:cNvPr id="0" name=""/>
-        <dsp:cNvSpPr/>
-      </dsp:nvSpPr>
-      <dsp:spPr>
-        <a:xfrm>
-          <a:off x="46591" y="2491144"/>
-          <a:ext cx="800368" cy="372731"/>
-        </a:xfrm>
-        <a:prstGeom prst="roundRect">
-          <a:avLst>
-            <a:gd name="adj" fmla="val 10000"/>
-          </a:avLst>
-        </a:prstGeom>
-        <a:solidFill>
-          <a:schemeClr val="accent1">
-            <a:tint val="50000"/>
-            <a:hueOff val="0"/>
-            <a:satOff val="0"/>
-            <a:lumOff val="0"/>
-            <a:alphaOff val="0"/>
-          </a:schemeClr>
-        </a:solidFill>
+        <a:blipFill>
+          <a:blip xmlns:r="http://schemas.openxmlformats.org/officeDocument/2006/relationships" r:embed="rId4"/>
+          <a:srcRect/>
+          <a:stretch>
+            <a:fillRect t="-11000" b="-11000"/>
+          </a:stretch>
+        </a:blipFill>
         <a:ln w="25400" cap="flat" cmpd="sng" algn="ctr">
           <a:solidFill>
             <a:schemeClr val="lt1">
@@ -7175,7 +7231,7 @@
 </file>
 
 <file path=ppt/diagrams/quickStyle2.xml><?xml version="1.0" encoding="utf-8"?>
-<dgm:styleDef xmlns:dgm="http://schemas.openxmlformats.org/drawingml/2006/diagram" xmlns:a="http://schemas.openxmlformats.org/drawingml/2006/main" uniqueId="urn:microsoft.com/office/officeart/2005/8/quickstyle/simple1">
+<dgm:styleDef xmlns:dgm="http://schemas.openxmlformats.org/drawingml/2006/diagram" xmlns:a="http://schemas.openxmlformats.org/drawingml/2006/main" uniqueId="urn:microsoft.com/office/officeart/2005/8/quickstyle/simple1#1">
   <dgm:title val=""/>
   <dgm:desc val=""/>
   <dgm:catLst>
@@ -7185,7 +7241,7 @@
     <a:camera prst="orthographicFront"/>
     <a:lightRig rig="threePt" dir="t"/>
   </dgm:scene3d>
-  <dgm:styleLbl name="node0">
+  <dgm:styleLbl name="alignAcc1">
     <dgm:scene3d>
       <a:camera prst="orthographicFront"/>
       <a:lightRig rig="threePt" dir="t"/>
@@ -7202,166 +7258,10 @@
       <a:effectRef idx="0">
         <a:scrgbClr r="0" g="0" b="0"/>
       </a:effectRef>
-      <a:fontRef idx="minor">
-        <a:schemeClr val="lt1"/>
-      </a:fontRef>
+      <a:fontRef idx="minor"/>
     </dgm:style>
   </dgm:styleLbl>
-  <dgm:styleLbl name="lnNode1">
-    <dgm:scene3d>
-      <a:camera prst="orthographicFront"/>
-      <a:lightRig rig="threePt" dir="t"/>
-    </dgm:scene3d>
-    <dgm:sp3d/>
-    <dgm:txPr/>
-    <dgm:style>
-      <a:lnRef idx="2">
-        <a:scrgbClr r="0" g="0" b="0"/>
-      </a:lnRef>
-      <a:fillRef idx="1">
-        <a:scrgbClr r="0" g="0" b="0"/>
-      </a:fillRef>
-      <a:effectRef idx="0">
-        <a:scrgbClr r="0" g="0" b="0"/>
-      </a:effectRef>
-      <a:fontRef idx="minor">
-        <a:schemeClr val="lt1"/>
-      </a:fontRef>
-    </dgm:style>
-  </dgm:styleLbl>
-  <dgm:styleLbl name="vennNode1">
-    <dgm:scene3d>
-      <a:camera prst="orthographicFront"/>
-      <a:lightRig rig="threePt" dir="t"/>
-    </dgm:scene3d>
-    <dgm:sp3d/>
-    <dgm:txPr/>
-    <dgm:style>
-      <a:lnRef idx="2">
-        <a:scrgbClr r="0" g="0" b="0"/>
-      </a:lnRef>
-      <a:fillRef idx="1">
-        <a:scrgbClr r="0" g="0" b="0"/>
-      </a:fillRef>
-      <a:effectRef idx="0">
-        <a:scrgbClr r="0" g="0" b="0"/>
-      </a:effectRef>
-      <a:fontRef idx="minor">
-        <a:schemeClr val="tx1"/>
-      </a:fontRef>
-    </dgm:style>
-  </dgm:styleLbl>
-  <dgm:styleLbl name="alignNode1">
-    <dgm:scene3d>
-      <a:camera prst="orthographicFront"/>
-      <a:lightRig rig="threePt" dir="t"/>
-    </dgm:scene3d>
-    <dgm:sp3d/>
-    <dgm:txPr/>
-    <dgm:style>
-      <a:lnRef idx="2">
-        <a:scrgbClr r="0" g="0" b="0"/>
-      </a:lnRef>
-      <a:fillRef idx="1">
-        <a:scrgbClr r="0" g="0" b="0"/>
-      </a:fillRef>
-      <a:effectRef idx="0">
-        <a:scrgbClr r="0" g="0" b="0"/>
-      </a:effectRef>
-      <a:fontRef idx="minor">
-        <a:schemeClr val="lt1"/>
-      </a:fontRef>
-    </dgm:style>
-  </dgm:styleLbl>
-  <dgm:styleLbl name="node1">
-    <dgm:scene3d>
-      <a:camera prst="orthographicFront"/>
-      <a:lightRig rig="threePt" dir="t"/>
-    </dgm:scene3d>
-    <dgm:sp3d/>
-    <dgm:txPr/>
-    <dgm:style>
-      <a:lnRef idx="2">
-        <a:scrgbClr r="0" g="0" b="0"/>
-      </a:lnRef>
-      <a:fillRef idx="1">
-        <a:scrgbClr r="0" g="0" b="0"/>
-      </a:fillRef>
-      <a:effectRef idx="0">
-        <a:scrgbClr r="0" g="0" b="0"/>
-      </a:effectRef>
-      <a:fontRef idx="minor">
-        <a:schemeClr val="lt1"/>
-      </a:fontRef>
-    </dgm:style>
-  </dgm:styleLbl>
-  <dgm:styleLbl name="node2">
-    <dgm:scene3d>
-      <a:camera prst="orthographicFront"/>
-      <a:lightRig rig="threePt" dir="t"/>
-    </dgm:scene3d>
-    <dgm:sp3d/>
-    <dgm:txPr/>
-    <dgm:style>
-      <a:lnRef idx="2">
-        <a:scrgbClr r="0" g="0" b="0"/>
-      </a:lnRef>
-      <a:fillRef idx="1">
-        <a:scrgbClr r="0" g="0" b="0"/>
-      </a:fillRef>
-      <a:effectRef idx="0">
-        <a:scrgbClr r="0" g="0" b="0"/>
-      </a:effectRef>
-      <a:fontRef idx="minor">
-        <a:schemeClr val="lt1"/>
-      </a:fontRef>
-    </dgm:style>
-  </dgm:styleLbl>
-  <dgm:styleLbl name="node3">
-    <dgm:scene3d>
-      <a:camera prst="orthographicFront"/>
-      <a:lightRig rig="threePt" dir="t"/>
-    </dgm:scene3d>
-    <dgm:sp3d/>
-    <dgm:txPr/>
-    <dgm:style>
-      <a:lnRef idx="2">
-        <a:scrgbClr r="0" g="0" b="0"/>
-      </a:lnRef>
-      <a:fillRef idx="1">
-        <a:scrgbClr r="0" g="0" b="0"/>
-      </a:fillRef>
-      <a:effectRef idx="0">
-        <a:scrgbClr r="0" g="0" b="0"/>
-      </a:effectRef>
-      <a:fontRef idx="minor">
-        <a:schemeClr val="lt1"/>
-      </a:fontRef>
-    </dgm:style>
-  </dgm:styleLbl>
-  <dgm:styleLbl name="node4">
-    <dgm:scene3d>
-      <a:camera prst="orthographicFront"/>
-      <a:lightRig rig="threePt" dir="t"/>
-    </dgm:scene3d>
-    <dgm:sp3d/>
-    <dgm:txPr/>
-    <dgm:style>
-      <a:lnRef idx="2">
-        <a:scrgbClr r="0" g="0" b="0"/>
-      </a:lnRef>
-      <a:fillRef idx="1">
-        <a:scrgbClr r="0" g="0" b="0"/>
-      </a:fillRef>
-      <a:effectRef idx="0">
-        <a:scrgbClr r="0" g="0" b="0"/>
-      </a:effectRef>
-      <a:fontRef idx="minor">
-        <a:schemeClr val="lt1"/>
-      </a:fontRef>
-    </dgm:style>
-  </dgm:styleLbl>
-  <dgm:styleLbl name="fgImgPlace1">
+  <dgm:styleLbl name="alignAccFollowNode1">
     <dgm:scene3d>
       <a:camera prst="orthographicFront"/>
       <a:lightRig rig="threePt" dir="t"/>
@@ -7401,7 +7301,7 @@
       <a:fontRef idx="minor"/>
     </dgm:style>
   </dgm:styleLbl>
-  <dgm:styleLbl name="bgImgPlace1">
+  <dgm:styleLbl name="alignNode1">
     <dgm:scene3d>
       <a:camera prst="orthographicFront"/>
       <a:lightRig rig="threePt" dir="t"/>
@@ -7418,113 +7318,9 @@
       <a:effectRef idx="0">
         <a:scrgbClr r="0" g="0" b="0"/>
       </a:effectRef>
-      <a:fontRef idx="minor"/>
-    </dgm:style>
-  </dgm:styleLbl>
-  <dgm:styleLbl name="sibTrans2D1">
-    <dgm:scene3d>
-      <a:camera prst="orthographicFront"/>
-      <a:lightRig rig="threePt" dir="t"/>
-    </dgm:scene3d>
-    <dgm:sp3d/>
-    <dgm:txPr/>
-    <dgm:style>
-      <a:lnRef idx="0">
-        <a:scrgbClr r="0" g="0" b="0"/>
-      </a:lnRef>
-      <a:fillRef idx="1">
-        <a:scrgbClr r="0" g="0" b="0"/>
-      </a:fillRef>
-      <a:effectRef idx="0">
-        <a:scrgbClr r="0" g="0" b="0"/>
-      </a:effectRef>
       <a:fontRef idx="minor">
         <a:schemeClr val="lt1"/>
       </a:fontRef>
-    </dgm:style>
-  </dgm:styleLbl>
-  <dgm:styleLbl name="fgSibTrans2D1">
-    <dgm:scene3d>
-      <a:camera prst="orthographicFront"/>
-      <a:lightRig rig="threePt" dir="t"/>
-    </dgm:scene3d>
-    <dgm:sp3d/>
-    <dgm:txPr/>
-    <dgm:style>
-      <a:lnRef idx="0">
-        <a:scrgbClr r="0" g="0" b="0"/>
-      </a:lnRef>
-      <a:fillRef idx="1">
-        <a:scrgbClr r="0" g="0" b="0"/>
-      </a:fillRef>
-      <a:effectRef idx="0">
-        <a:scrgbClr r="0" g="0" b="0"/>
-      </a:effectRef>
-      <a:fontRef idx="minor">
-        <a:schemeClr val="lt1"/>
-      </a:fontRef>
-    </dgm:style>
-  </dgm:styleLbl>
-  <dgm:styleLbl name="bgSibTrans2D1">
-    <dgm:scene3d>
-      <a:camera prst="orthographicFront"/>
-      <a:lightRig rig="threePt" dir="t"/>
-    </dgm:scene3d>
-    <dgm:sp3d/>
-    <dgm:txPr/>
-    <dgm:style>
-      <a:lnRef idx="0">
-        <a:scrgbClr r="0" g="0" b="0"/>
-      </a:lnRef>
-      <a:fillRef idx="1">
-        <a:scrgbClr r="0" g="0" b="0"/>
-      </a:fillRef>
-      <a:effectRef idx="0">
-        <a:scrgbClr r="0" g="0" b="0"/>
-      </a:effectRef>
-      <a:fontRef idx="minor">
-        <a:schemeClr val="lt1"/>
-      </a:fontRef>
-    </dgm:style>
-  </dgm:styleLbl>
-  <dgm:styleLbl name="sibTrans1D1">
-    <dgm:scene3d>
-      <a:camera prst="orthographicFront"/>
-      <a:lightRig rig="threePt" dir="t"/>
-    </dgm:scene3d>
-    <dgm:sp3d/>
-    <dgm:txPr/>
-    <dgm:style>
-      <a:lnRef idx="1">
-        <a:scrgbClr r="0" g="0" b="0"/>
-      </a:lnRef>
-      <a:fillRef idx="0">
-        <a:scrgbClr r="0" g="0" b="0"/>
-      </a:fillRef>
-      <a:effectRef idx="0">
-        <a:scrgbClr r="0" g="0" b="0"/>
-      </a:effectRef>
-      <a:fontRef idx="minor"/>
-    </dgm:style>
-  </dgm:styleLbl>
-  <dgm:styleLbl name="callout">
-    <dgm:scene3d>
-      <a:camera prst="orthographicFront"/>
-      <a:lightRig rig="threePt" dir="t"/>
-    </dgm:scene3d>
-    <dgm:sp3d/>
-    <dgm:txPr/>
-    <dgm:style>
-      <a:lnRef idx="2">
-        <a:scrgbClr r="0" g="0" b="0"/>
-      </a:lnRef>
-      <a:fillRef idx="1">
-        <a:scrgbClr r="0" g="0" b="0"/>
-      </a:fillRef>
-      <a:effectRef idx="0">
-        <a:scrgbClr r="0" g="0" b="0"/>
-      </a:effectRef>
-      <a:fontRef idx="minor"/>
     </dgm:style>
   </dgm:styleLbl>
   <dgm:styleLbl name="asst0">
@@ -7637,7 +7433,351 @@
       </a:fontRef>
     </dgm:style>
   </dgm:styleLbl>
-  <dgm:styleLbl name="parChTrans2D1">
+  <dgm:styleLbl name="bgAcc1">
+    <dgm:scene3d>
+      <a:camera prst="orthographicFront"/>
+      <a:lightRig rig="threePt" dir="t"/>
+    </dgm:scene3d>
+    <dgm:sp3d/>
+    <dgm:txPr/>
+    <dgm:style>
+      <a:lnRef idx="2">
+        <a:scrgbClr r="0" g="0" b="0"/>
+      </a:lnRef>
+      <a:fillRef idx="1">
+        <a:scrgbClr r="0" g="0" b="0"/>
+      </a:fillRef>
+      <a:effectRef idx="0">
+        <a:scrgbClr r="0" g="0" b="0"/>
+      </a:effectRef>
+      <a:fontRef idx="minor"/>
+    </dgm:style>
+  </dgm:styleLbl>
+  <dgm:styleLbl name="bgAccFollowNode1">
+    <dgm:scene3d>
+      <a:camera prst="orthographicFront"/>
+      <a:lightRig rig="threePt" dir="t"/>
+    </dgm:scene3d>
+    <dgm:sp3d/>
+    <dgm:txPr/>
+    <dgm:style>
+      <a:lnRef idx="2">
+        <a:scrgbClr r="0" g="0" b="0"/>
+      </a:lnRef>
+      <a:fillRef idx="1">
+        <a:scrgbClr r="0" g="0" b="0"/>
+      </a:fillRef>
+      <a:effectRef idx="0">
+        <a:scrgbClr r="0" g="0" b="0"/>
+      </a:effectRef>
+      <a:fontRef idx="minor"/>
+    </dgm:style>
+  </dgm:styleLbl>
+  <dgm:styleLbl name="bgImgPlace1">
+    <dgm:scene3d>
+      <a:camera prst="orthographicFront"/>
+      <a:lightRig rig="threePt" dir="t"/>
+    </dgm:scene3d>
+    <dgm:sp3d/>
+    <dgm:txPr/>
+    <dgm:style>
+      <a:lnRef idx="2">
+        <a:scrgbClr r="0" g="0" b="0"/>
+      </a:lnRef>
+      <a:fillRef idx="1">
+        <a:scrgbClr r="0" g="0" b="0"/>
+      </a:fillRef>
+      <a:effectRef idx="0">
+        <a:scrgbClr r="0" g="0" b="0"/>
+      </a:effectRef>
+      <a:fontRef idx="minor"/>
+    </dgm:style>
+  </dgm:styleLbl>
+  <dgm:styleLbl name="bgShp">
+    <dgm:scene3d>
+      <a:camera prst="orthographicFront"/>
+      <a:lightRig rig="threePt" dir="t"/>
+    </dgm:scene3d>
+    <dgm:sp3d/>
+    <dgm:txPr/>
+    <dgm:style>
+      <a:lnRef idx="0">
+        <a:scrgbClr r="0" g="0" b="0"/>
+      </a:lnRef>
+      <a:fillRef idx="1">
+        <a:scrgbClr r="0" g="0" b="0"/>
+      </a:fillRef>
+      <a:effectRef idx="0">
+        <a:scrgbClr r="0" g="0" b="0"/>
+      </a:effectRef>
+      <a:fontRef idx="minor"/>
+    </dgm:style>
+  </dgm:styleLbl>
+  <dgm:styleLbl name="bgSibTrans2D1">
+    <dgm:scene3d>
+      <a:camera prst="orthographicFront"/>
+      <a:lightRig rig="threePt" dir="t"/>
+    </dgm:scene3d>
+    <dgm:sp3d/>
+    <dgm:txPr/>
+    <dgm:style>
+      <a:lnRef idx="0">
+        <a:scrgbClr r="0" g="0" b="0"/>
+      </a:lnRef>
+      <a:fillRef idx="1">
+        <a:scrgbClr r="0" g="0" b="0"/>
+      </a:fillRef>
+      <a:effectRef idx="0">
+        <a:scrgbClr r="0" g="0" b="0"/>
+      </a:effectRef>
+      <a:fontRef idx="minor">
+        <a:schemeClr val="lt1"/>
+      </a:fontRef>
+    </dgm:style>
+  </dgm:styleLbl>
+  <dgm:styleLbl name="callout">
+    <dgm:scene3d>
+      <a:camera prst="orthographicFront"/>
+      <a:lightRig rig="threePt" dir="t"/>
+    </dgm:scene3d>
+    <dgm:sp3d/>
+    <dgm:txPr/>
+    <dgm:style>
+      <a:lnRef idx="2">
+        <a:scrgbClr r="0" g="0" b="0"/>
+      </a:lnRef>
+      <a:fillRef idx="1">
+        <a:scrgbClr r="0" g="0" b="0"/>
+      </a:fillRef>
+      <a:effectRef idx="0">
+        <a:scrgbClr r="0" g="0" b="0"/>
+      </a:effectRef>
+      <a:fontRef idx="minor"/>
+    </dgm:style>
+  </dgm:styleLbl>
+  <dgm:styleLbl name="conFgAcc1">
+    <dgm:scene3d>
+      <a:camera prst="orthographicFront"/>
+      <a:lightRig rig="threePt" dir="t"/>
+    </dgm:scene3d>
+    <dgm:sp3d/>
+    <dgm:txPr/>
+    <dgm:style>
+      <a:lnRef idx="2">
+        <a:scrgbClr r="0" g="0" b="0"/>
+      </a:lnRef>
+      <a:fillRef idx="1">
+        <a:scrgbClr r="0" g="0" b="0"/>
+      </a:fillRef>
+      <a:effectRef idx="0">
+        <a:scrgbClr r="0" g="0" b="0"/>
+      </a:effectRef>
+      <a:fontRef idx="minor"/>
+    </dgm:style>
+  </dgm:styleLbl>
+  <dgm:styleLbl name="dkBgShp">
+    <dgm:scene3d>
+      <a:camera prst="orthographicFront"/>
+      <a:lightRig rig="threePt" dir="t"/>
+    </dgm:scene3d>
+    <dgm:sp3d/>
+    <dgm:txPr/>
+    <dgm:style>
+      <a:lnRef idx="0">
+        <a:scrgbClr r="0" g="0" b="0"/>
+      </a:lnRef>
+      <a:fillRef idx="1">
+        <a:scrgbClr r="0" g="0" b="0"/>
+      </a:fillRef>
+      <a:effectRef idx="0">
+        <a:scrgbClr r="0" g="0" b="0"/>
+      </a:effectRef>
+      <a:fontRef idx="minor"/>
+    </dgm:style>
+  </dgm:styleLbl>
+  <dgm:styleLbl name="fgAcc0">
+    <dgm:scene3d>
+      <a:camera prst="orthographicFront"/>
+      <a:lightRig rig="threePt" dir="t"/>
+    </dgm:scene3d>
+    <dgm:sp3d/>
+    <dgm:txPr/>
+    <dgm:style>
+      <a:lnRef idx="2">
+        <a:scrgbClr r="0" g="0" b="0"/>
+      </a:lnRef>
+      <a:fillRef idx="1">
+        <a:scrgbClr r="0" g="0" b="0"/>
+      </a:fillRef>
+      <a:effectRef idx="0">
+        <a:scrgbClr r="0" g="0" b="0"/>
+      </a:effectRef>
+      <a:fontRef idx="minor"/>
+    </dgm:style>
+  </dgm:styleLbl>
+  <dgm:styleLbl name="fgAcc1">
+    <dgm:scene3d>
+      <a:camera prst="orthographicFront"/>
+      <a:lightRig rig="threePt" dir="t"/>
+    </dgm:scene3d>
+    <dgm:sp3d/>
+    <dgm:txPr/>
+    <dgm:style>
+      <a:lnRef idx="2">
+        <a:scrgbClr r="0" g="0" b="0"/>
+      </a:lnRef>
+      <a:fillRef idx="1">
+        <a:scrgbClr r="0" g="0" b="0"/>
+      </a:fillRef>
+      <a:effectRef idx="0">
+        <a:scrgbClr r="0" g="0" b="0"/>
+      </a:effectRef>
+      <a:fontRef idx="minor"/>
+    </dgm:style>
+  </dgm:styleLbl>
+  <dgm:styleLbl name="fgAcc2">
+    <dgm:scene3d>
+      <a:camera prst="orthographicFront"/>
+      <a:lightRig rig="threePt" dir="t"/>
+    </dgm:scene3d>
+    <dgm:sp3d/>
+    <dgm:txPr/>
+    <dgm:style>
+      <a:lnRef idx="2">
+        <a:scrgbClr r="0" g="0" b="0"/>
+      </a:lnRef>
+      <a:fillRef idx="1">
+        <a:scrgbClr r="0" g="0" b="0"/>
+      </a:fillRef>
+      <a:effectRef idx="0">
+        <a:scrgbClr r="0" g="0" b="0"/>
+      </a:effectRef>
+      <a:fontRef idx="minor"/>
+    </dgm:style>
+  </dgm:styleLbl>
+  <dgm:styleLbl name="fgAcc3">
+    <dgm:scene3d>
+      <a:camera prst="orthographicFront"/>
+      <a:lightRig rig="threePt" dir="t"/>
+    </dgm:scene3d>
+    <dgm:sp3d/>
+    <dgm:txPr/>
+    <dgm:style>
+      <a:lnRef idx="2">
+        <a:scrgbClr r="0" g="0" b="0"/>
+      </a:lnRef>
+      <a:fillRef idx="1">
+        <a:scrgbClr r="0" g="0" b="0"/>
+      </a:fillRef>
+      <a:effectRef idx="0">
+        <a:scrgbClr r="0" g="0" b="0"/>
+      </a:effectRef>
+      <a:fontRef idx="minor"/>
+    </dgm:style>
+  </dgm:styleLbl>
+  <dgm:styleLbl name="fgAcc4">
+    <dgm:scene3d>
+      <a:camera prst="orthographicFront"/>
+      <a:lightRig rig="threePt" dir="t"/>
+    </dgm:scene3d>
+    <dgm:sp3d/>
+    <dgm:txPr/>
+    <dgm:style>
+      <a:lnRef idx="2">
+        <a:scrgbClr r="0" g="0" b="0"/>
+      </a:lnRef>
+      <a:fillRef idx="1">
+        <a:scrgbClr r="0" g="0" b="0"/>
+      </a:fillRef>
+      <a:effectRef idx="0">
+        <a:scrgbClr r="0" g="0" b="0"/>
+      </a:effectRef>
+      <a:fontRef idx="minor"/>
+    </dgm:style>
+  </dgm:styleLbl>
+  <dgm:styleLbl name="fgAccFollowNode1">
+    <dgm:scene3d>
+      <a:camera prst="orthographicFront"/>
+      <a:lightRig rig="threePt" dir="t"/>
+    </dgm:scene3d>
+    <dgm:sp3d/>
+    <dgm:txPr/>
+    <dgm:style>
+      <a:lnRef idx="2">
+        <a:scrgbClr r="0" g="0" b="0"/>
+      </a:lnRef>
+      <a:fillRef idx="1">
+        <a:scrgbClr r="0" g="0" b="0"/>
+      </a:fillRef>
+      <a:effectRef idx="0">
+        <a:scrgbClr r="0" g="0" b="0"/>
+      </a:effectRef>
+      <a:fontRef idx="minor"/>
+    </dgm:style>
+  </dgm:styleLbl>
+  <dgm:styleLbl name="fgImgPlace1">
+    <dgm:scene3d>
+      <a:camera prst="orthographicFront"/>
+      <a:lightRig rig="threePt" dir="t"/>
+    </dgm:scene3d>
+    <dgm:sp3d/>
+    <dgm:txPr/>
+    <dgm:style>
+      <a:lnRef idx="2">
+        <a:scrgbClr r="0" g="0" b="0"/>
+      </a:lnRef>
+      <a:fillRef idx="1">
+        <a:scrgbClr r="0" g="0" b="0"/>
+      </a:fillRef>
+      <a:effectRef idx="0">
+        <a:scrgbClr r="0" g="0" b="0"/>
+      </a:effectRef>
+      <a:fontRef idx="minor"/>
+    </dgm:style>
+  </dgm:styleLbl>
+  <dgm:styleLbl name="fgShp">
+    <dgm:scene3d>
+      <a:camera prst="orthographicFront"/>
+      <a:lightRig rig="threePt" dir="t"/>
+    </dgm:scene3d>
+    <dgm:sp3d/>
+    <dgm:txPr/>
+    <dgm:style>
+      <a:lnRef idx="2">
+        <a:scrgbClr r="0" g="0" b="0"/>
+      </a:lnRef>
+      <a:fillRef idx="1">
+        <a:scrgbClr r="0" g="0" b="0"/>
+      </a:fillRef>
+      <a:effectRef idx="0">
+        <a:scrgbClr r="0" g="0" b="0"/>
+      </a:effectRef>
+      <a:fontRef idx="minor"/>
+    </dgm:style>
+  </dgm:styleLbl>
+  <dgm:styleLbl name="fgSibTrans2D1">
+    <dgm:scene3d>
+      <a:camera prst="orthographicFront"/>
+      <a:lightRig rig="threePt" dir="t"/>
+    </dgm:scene3d>
+    <dgm:sp3d/>
+    <dgm:txPr/>
+    <dgm:style>
+      <a:lnRef idx="0">
+        <a:scrgbClr r="0" g="0" b="0"/>
+      </a:lnRef>
+      <a:fillRef idx="1">
+        <a:scrgbClr r="0" g="0" b="0"/>
+      </a:fillRef>
+      <a:effectRef idx="0">
+        <a:scrgbClr r="0" g="0" b="0"/>
+      </a:effectRef>
+      <a:fontRef idx="minor">
+        <a:schemeClr val="lt1"/>
+      </a:fontRef>
+    </dgm:style>
+  </dgm:styleLbl>
+  <dgm:styleLbl name="lnNode1">
     <dgm:scene3d>
       <a:camera prst="orthographicFront"/>
       <a:lightRig rig="threePt" dir="t"/>
@@ -7659,7 +7799,7 @@
       </a:fontRef>
     </dgm:style>
   </dgm:styleLbl>
-  <dgm:styleLbl name="parChTrans2D2">
+  <dgm:styleLbl name="node0">
     <dgm:scene3d>
       <a:camera prst="orthographicFront"/>
       <a:lightRig rig="threePt" dir="t"/>
@@ -7681,7 +7821,7 @@
       </a:fontRef>
     </dgm:style>
   </dgm:styleLbl>
-  <dgm:styleLbl name="parChTrans2D3">
+  <dgm:styleLbl name="node1">
     <dgm:scene3d>
       <a:camera prst="orthographicFront"/>
       <a:lightRig rig="threePt" dir="t"/>
@@ -7703,7 +7843,51 @@
       </a:fontRef>
     </dgm:style>
   </dgm:styleLbl>
-  <dgm:styleLbl name="parChTrans2D4">
+  <dgm:styleLbl name="node2">
+    <dgm:scene3d>
+      <a:camera prst="orthographicFront"/>
+      <a:lightRig rig="threePt" dir="t"/>
+    </dgm:scene3d>
+    <dgm:sp3d/>
+    <dgm:txPr/>
+    <dgm:style>
+      <a:lnRef idx="2">
+        <a:scrgbClr r="0" g="0" b="0"/>
+      </a:lnRef>
+      <a:fillRef idx="1">
+        <a:scrgbClr r="0" g="0" b="0"/>
+      </a:fillRef>
+      <a:effectRef idx="0">
+        <a:scrgbClr r="0" g="0" b="0"/>
+      </a:effectRef>
+      <a:fontRef idx="minor">
+        <a:schemeClr val="lt1"/>
+      </a:fontRef>
+    </dgm:style>
+  </dgm:styleLbl>
+  <dgm:styleLbl name="node3">
+    <dgm:scene3d>
+      <a:camera prst="orthographicFront"/>
+      <a:lightRig rig="threePt" dir="t"/>
+    </dgm:scene3d>
+    <dgm:sp3d/>
+    <dgm:txPr/>
+    <dgm:style>
+      <a:lnRef idx="2">
+        <a:scrgbClr r="0" g="0" b="0"/>
+      </a:lnRef>
+      <a:fillRef idx="1">
+        <a:scrgbClr r="0" g="0" b="0"/>
+      </a:fillRef>
+      <a:effectRef idx="0">
+        <a:scrgbClr r="0" g="0" b="0"/>
+      </a:effectRef>
+      <a:fontRef idx="minor">
+        <a:schemeClr val="lt1"/>
+      </a:fontRef>
+    </dgm:style>
+  </dgm:styleLbl>
+  <dgm:styleLbl name="node4">
     <dgm:scene3d>
       <a:camera prst="orthographicFront"/>
       <a:lightRig rig="threePt" dir="t"/>
@@ -7805,7 +7989,7 @@
       <a:fontRef idx="minor"/>
     </dgm:style>
   </dgm:styleLbl>
-  <dgm:styleLbl name="fgAcc1">
+  <dgm:styleLbl name="parChTrans2D1">
     <dgm:scene3d>
       <a:camera prst="orthographicFront"/>
       <a:lightRig rig="threePt" dir="t"/>
@@ -7822,10 +8006,12 @@
       <a:effectRef idx="0">
         <a:scrgbClr r="0" g="0" b="0"/>
       </a:effectRef>
-      <a:fontRef idx="minor"/>
+      <a:fontRef idx="minor">
+        <a:schemeClr val="lt1"/>
+      </a:fontRef>
     </dgm:style>
   </dgm:styleLbl>
-  <dgm:styleLbl name="conFgAcc1">
+  <dgm:styleLbl name="parChTrans2D2">
     <dgm:scene3d>
       <a:camera prst="orthographicFront"/>
       <a:lightRig rig="threePt" dir="t"/>
@@ -7842,10 +8028,12 @@
       <a:effectRef idx="0">
         <a:scrgbClr r="0" g="0" b="0"/>
       </a:effectRef>
-      <a:fontRef idx="minor"/>
+      <a:fontRef idx="minor">
+        <a:schemeClr val="lt1"/>
+      </a:fontRef>
     </dgm:style>
   </dgm:styleLbl>
-  <dgm:styleLbl name="alignAcc1">
+  <dgm:styleLbl name="parChTrans2D3">
     <dgm:scene3d>
       <a:camera prst="orthographicFront"/>
       <a:lightRig rig="threePt" dir="t"/>
@@ -7862,30 +8050,12 @@
       <a:effectRef idx="0">
         <a:scrgbClr r="0" g="0" b="0"/>
       </a:effectRef>
-      <a:fontRef idx="minor"/>
+      <a:fontRef idx="minor">
+        <a:schemeClr val="lt1"/>
+      </a:fontRef>
     </dgm:style>
   </dgm:styleLbl>
-  <dgm:styleLbl name="trAlignAcc1">
-    <dgm:scene3d>
-      <a:camera prst="orthographicFront"/>
-      <a:lightRig rig="threePt" dir="t"/>
-    </dgm:scene3d>
-    <dgm:sp3d/>
-    <dgm:txPr/>
-    <dgm:style>
-      <a:lnRef idx="1">
-        <a:scrgbClr r="0" g="0" b="0"/>
-      </a:lnRef>
-      <a:fillRef idx="1">
-        <a:scrgbClr r="0" g="0" b="0"/>
-      </a:fillRef>
-      <a:effectRef idx="0">
-        <a:scrgbClr r="0" g="0" b="0"/>
-      </a:effectRef>
-      <a:fontRef idx="minor"/>
-    </dgm:style>
-  </dgm:styleLbl>
-  <dgm:styleLbl name="bgAcc1">
+  <dgm:styleLbl name="parChTrans2D4">
     <dgm:scene3d>
       <a:camera prst="orthographicFront"/>
       <a:lightRig rig="threePt" dir="t"/>
@@ -7902,10 +8072,12 @@
       <a:effectRef idx="0">
         <a:scrgbClr r="0" g="0" b="0"/>
       </a:effectRef>
-      <a:fontRef idx="minor"/>
+      <a:fontRef idx="minor">
+        <a:schemeClr val="lt1"/>
+      </a:fontRef>
     </dgm:style>
   </dgm:styleLbl>
-  <dgm:styleLbl name="solidFgAcc1">
+  <dgm:styleLbl name="revTx">
     <dgm:scene3d>
       <a:camera prst="orthographicFront"/>
       <a:lightRig rig="threePt" dir="t"/>
@@ -7913,7 +8085,47 @@
     <dgm:sp3d/>
     <dgm:txPr/>
     <dgm:style>
-      <a:lnRef idx="2">
+      <a:lnRef idx="0">
+        <a:scrgbClr r="0" g="0" b="0"/>
+      </a:lnRef>
+      <a:fillRef idx="0">
+        <a:scrgbClr r="0" g="0" b="0"/>
+      </a:fillRef>
+      <a:effectRef idx="0">
+        <a:scrgbClr r="0" g="0" b="0"/>
+      </a:effectRef>
+      <a:fontRef idx="minor"/>
+    </dgm:style>
+  </dgm:styleLbl>
+  <dgm:styleLbl name="sibTrans1D1">
+    <dgm:scene3d>
+      <a:camera prst="orthographicFront"/>
+      <a:lightRig rig="threePt" dir="t"/>
+    </dgm:scene3d>
+    <dgm:sp3d/>
+    <dgm:txPr/>
+    <dgm:style>
+      <a:lnRef idx="1">
+        <a:scrgbClr r="0" g="0" b="0"/>
+      </a:lnRef>
+      <a:fillRef idx="0">
+        <a:scrgbClr r="0" g="0" b="0"/>
+      </a:fillRef>
+      <a:effectRef idx="0">
+        <a:scrgbClr r="0" g="0" b="0"/>
+      </a:effectRef>
+      <a:fontRef idx="minor"/>
+    </dgm:style>
+  </dgm:styleLbl>
+  <dgm:styleLbl name="sibTrans2D1">
+    <dgm:scene3d>
+      <a:camera prst="orthographicFront"/>
+      <a:lightRig rig="threePt" dir="t"/>
+    </dgm:scene3d>
+    <dgm:sp3d/>
+    <dgm:txPr/>
+    <dgm:style>
+      <a:lnRef idx="0">
         <a:scrgbClr r="0" g="0" b="0"/>
       </a:lnRef>
       <a:fillRef idx="1">
@@ -7922,7 +8134,9 @@
       <a:effectRef idx="0">
         <a:scrgbClr r="0" g="0" b="0"/>
       </a:effectRef>
-      <a:fontRef idx="minor"/>
+      <a:fontRef idx="minor">
+        <a:schemeClr val="lt1"/>
+      </a:fontRef>
     </dgm:style>
   </dgm:styleLbl>
   <dgm:styleLbl name="solidAlignAcc1">
@@ -7965,7 +8179,7 @@
       <a:fontRef idx="minor"/>
     </dgm:style>
   </dgm:styleLbl>
-  <dgm:styleLbl name="fgAccFollowNode1">
+  <dgm:styleLbl name="solidFgAcc1">
     <dgm:scene3d>
       <a:camera prst="orthographicFront"/>
       <a:lightRig rig="threePt" dir="t"/>
@@ -7985,7 +8199,7 @@
       <a:fontRef idx="minor"/>
     </dgm:style>
   </dgm:styleLbl>
-  <dgm:styleLbl name="alignAccFollowNode1">
+  <dgm:styleLbl name="trAlignAcc1">
     <dgm:scene3d>
       <a:camera prst="orthographicFront"/>
       <a:lightRig rig="threePt" dir="t"/>
@@ -7993,147 +8207,7 @@
     <dgm:sp3d/>
     <dgm:txPr/>
     <dgm:style>
-      <a:lnRef idx="2">
-        <a:scrgbClr r="0" g="0" b="0"/>
-      </a:lnRef>
-      <a:fillRef idx="1">
-        <a:scrgbClr r="0" g="0" b="0"/>
-      </a:fillRef>
-      <a:effectRef idx="0">
-        <a:scrgbClr r="0" g="0" b="0"/>
-      </a:effectRef>
-      <a:fontRef idx="minor"/>
-    </dgm:style>
-  </dgm:styleLbl>
-  <dgm:styleLbl name="bgAccFollowNode1">
-    <dgm:scene3d>
-      <a:camera prst="orthographicFront"/>
-      <a:lightRig rig="threePt" dir="t"/>
-    </dgm:scene3d>
-    <dgm:sp3d/>
-    <dgm:txPr/>
-    <dgm:style>
-      <a:lnRef idx="2">
-        <a:scrgbClr r="0" g="0" b="0"/>
-      </a:lnRef>
-      <a:fillRef idx="1">
-        <a:scrgbClr r="0" g="0" b="0"/>
-      </a:fillRef>
-      <a:effectRef idx="0">
-        <a:scrgbClr r="0" g="0" b="0"/>
-      </a:effectRef>
-      <a:fontRef idx="minor"/>
-    </dgm:style>
-  </dgm:styleLbl>
-  <dgm:styleLbl name="fgAcc0">
-    <dgm:scene3d>
-      <a:camera prst="orthographicFront"/>
-      <a:lightRig rig="threePt" dir="t"/>
-    </dgm:scene3d>
-    <dgm:sp3d/>
-    <dgm:txPr/>
-    <dgm:style>
-      <a:lnRef idx="2">
-        <a:scrgbClr r="0" g="0" b="0"/>
-      </a:lnRef>
-      <a:fillRef idx="1">
-        <a:scrgbClr r="0" g="0" b="0"/>
-      </a:fillRef>
-      <a:effectRef idx="0">
-        <a:scrgbClr r="0" g="0" b="0"/>
-      </a:effectRef>
-      <a:fontRef idx="minor"/>
-    </dgm:style>
-  </dgm:styleLbl>
-  <dgm:styleLbl name="fgAcc2">
-    <dgm:scene3d>
-      <a:camera prst="orthographicFront"/>
-      <a:lightRig rig="threePt" dir="t"/>
-    </dgm:scene3d>
-    <dgm:sp3d/>
-    <dgm:txPr/>
-    <dgm:style>
-      <a:lnRef idx="2">
-        <a:scrgbClr r="0" g="0" b="0"/>
-      </a:lnRef>
-      <a:fillRef idx="1">
-        <a:scrgbClr r="0" g="0" b="0"/>
-      </a:fillRef>
-      <a:effectRef idx="0">
-        <a:scrgbClr r="0" g="0" b="0"/>
-      </a:effectRef>
-      <a:fontRef idx="minor"/>
-    </dgm:style>
-  </dgm:styleLbl>
-  <dgm:styleLbl name="fgAcc3">
-    <dgm:scene3d>
-      <a:camera prst="orthographicFront"/>
-      <a:lightRig rig="threePt" dir="t"/>
-    </dgm:scene3d>
-    <dgm:sp3d/>
-    <dgm:txPr/>
-    <dgm:style>
-      <a:lnRef idx="2">
-        <a:scrgbClr r="0" g="0" b="0"/>
-      </a:lnRef>
-      <a:fillRef idx="1">
-        <a:scrgbClr r="0" g="0" b="0"/>
-      </a:fillRef>
-      <a:effectRef idx="0">
-        <a:scrgbClr r="0" g="0" b="0"/>
-      </a:effectRef>
-      <a:fontRef idx="minor"/>
-    </dgm:style>
-  </dgm:styleLbl>
-  <dgm:styleLbl name="fgAcc4">
-    <dgm:scene3d>
-      <a:camera prst="orthographicFront"/>
-      <a:lightRig rig="threePt" dir="t"/>
-    </dgm:scene3d>
-    <dgm:sp3d/>
-    <dgm:txPr/>
-    <dgm:style>
-      <a:lnRef idx="2">
-        <a:scrgbClr r="0" g="0" b="0"/>
-      </a:lnRef>
-      <a:fillRef idx="1">
-        <a:scrgbClr r="0" g="0" b="0"/>
-      </a:fillRef>
-      <a:effectRef idx="0">
-        <a:scrgbClr r="0" g="0" b="0"/>
-      </a:effectRef>
-      <a:fontRef idx="minor"/>
-    </dgm:style>
-  </dgm:styleLbl>
-  <dgm:styleLbl name="bgShp">
-    <dgm:scene3d>
-      <a:camera prst="orthographicFront"/>
-      <a:lightRig rig="threePt" dir="t"/>
-    </dgm:scene3d>
-    <dgm:sp3d/>
-    <dgm:txPr/>
-    <dgm:style>
-      <a:lnRef idx="0">
-        <a:scrgbClr r="0" g="0" b="0"/>
-      </a:lnRef>
-      <a:fillRef idx="1">
-        <a:scrgbClr r="0" g="0" b="0"/>
-      </a:fillRef>
-      <a:effectRef idx="0">
-        <a:scrgbClr r="0" g="0" b="0"/>
-      </a:effectRef>
-      <a:fontRef idx="minor"/>
-    </dgm:style>
-  </dgm:styleLbl>
-  <dgm:styleLbl name="dkBgShp">
-    <dgm:scene3d>
-      <a:camera prst="orthographicFront"/>
-      <a:lightRig rig="threePt" dir="t"/>
-    </dgm:scene3d>
-    <dgm:sp3d/>
-    <dgm:txPr/>
-    <dgm:style>
-      <a:lnRef idx="0">
+      <a:lnRef idx="1">
         <a:scrgbClr r="0" g="0" b="0"/>
       </a:lnRef>
       <a:fillRef idx="1">
@@ -8165,7 +8239,7 @@
       <a:fontRef idx="minor"/>
     </dgm:style>
   </dgm:styleLbl>
-  <dgm:styleLbl name="fgShp">
+  <dgm:styleLbl name="vennNode1">
     <dgm:scene3d>
       <a:camera prst="orthographicFront"/>
       <a:lightRig rig="threePt" dir="t"/>
@@ -8182,27 +8256,9 @@
       <a:effectRef idx="0">
         <a:scrgbClr r="0" g="0" b="0"/>
       </a:effectRef>
-      <a:fontRef idx="minor"/>
-    </dgm:style>
-  </dgm:styleLbl>
-  <dgm:styleLbl name="revTx">
-    <dgm:scene3d>
-      <a:camera prst="orthographicFront"/>
-      <a:lightRig rig="threePt" dir="t"/>
-    </dgm:scene3d>
-    <dgm:sp3d/>
-    <dgm:txPr/>
-    <dgm:style>
-      <a:lnRef idx="0">
-        <a:scrgbClr r="0" g="0" b="0"/>
-      </a:lnRef>
-      <a:fillRef idx="0">
-        <a:scrgbClr r="0" g="0" b="0"/>
-      </a:fillRef>
-      <a:effectRef idx="0">
-        <a:scrgbClr r="0" g="0" b="0"/>
-      </a:effectRef>
-      <a:fontRef idx="minor"/>
+      <a:fontRef idx="minor">
+        <a:schemeClr val="tx1"/>
+      </a:fontRef>
     </dgm:style>
   </dgm:styleLbl>
 </dgm:styleDef>
@@ -8989,13 +9045,7 @@
   <p:cSld>
     <p:spTree>
       <p:nvGrpSpPr>
-        <p:cNvPr id="1" name="Shape 617">
-          <a:extLst>
-            <a:ext uri="{FF2B5EF4-FFF2-40B4-BE49-F238E27FC236}">
-              <a16:creationId xmlns:a16="http://schemas.microsoft.com/office/drawing/2014/main" id="{97C4C433-8531-1681-5E92-004D212D9906}"/>
-            </a:ext>
-          </a:extLst>
-        </p:cNvPr>
+        <p:cNvPr id="1" name="Shape 617"/>
         <p:cNvGrpSpPr/>
         <p:nvPr/>
       </p:nvGrpSpPr>
@@ -9009,13 +9059,7 @@
       </p:grpSpPr>
       <p:sp>
         <p:nvSpPr>
-          <p:cNvPr id="618" name="Google Shape;618;g2b1022eedc3_0_48:notes">
-            <a:extLst>
-              <a:ext uri="{FF2B5EF4-FFF2-40B4-BE49-F238E27FC236}">
-                <a16:creationId xmlns:a16="http://schemas.microsoft.com/office/drawing/2014/main" id="{41CD0B14-CFC9-B544-D9A4-EA0DFE2778CC}"/>
-              </a:ext>
-            </a:extLst>
-          </p:cNvPr>
+          <p:cNvPr id="618" name="Google Shape;618;g2b1022eedc3_0_48:notes"/>
           <p:cNvSpPr>
             <a:spLocks noGrp="1" noRot="1" noChangeAspect="1"/>
           </p:cNvSpPr>
@@ -9056,13 +9100,7 @@
       </p:sp>
       <p:sp>
         <p:nvSpPr>
-          <p:cNvPr id="619" name="Google Shape;619;g2b1022eedc3_0_48:notes">
-            <a:extLst>
-              <a:ext uri="{FF2B5EF4-FFF2-40B4-BE49-F238E27FC236}">
-                <a16:creationId xmlns:a16="http://schemas.microsoft.com/office/drawing/2014/main" id="{9BED06F3-DF2D-0317-DFAB-825C1B01218F}"/>
-              </a:ext>
-            </a:extLst>
-          </p:cNvPr>
+          <p:cNvPr id="619" name="Google Shape;619;g2b1022eedc3_0_48:notes"/>
           <p:cNvSpPr txBox="1">
             <a:spLocks noGrp="1"/>
           </p:cNvSpPr>
@@ -9099,11 +9137,6 @@
         </p:txBody>
       </p:sp>
     </p:spTree>
-    <p:extLst>
-      <p:ext uri="{BB962C8B-B14F-4D97-AF65-F5344CB8AC3E}">
-        <p14:creationId xmlns:p14="http://schemas.microsoft.com/office/powerpoint/2010/main" val="2694976197"/>
-      </p:ext>
-    </p:extLst>
   </p:cSld>
   <p:clrMapOvr>
     <a:masterClrMapping/>
@@ -25125,13 +25158,7 @@
   <p:cSld>
     <p:spTree>
       <p:nvGrpSpPr>
-        <p:cNvPr id="1" name="Shape 620">
-          <a:extLst>
-            <a:ext uri="{FF2B5EF4-FFF2-40B4-BE49-F238E27FC236}">
-              <a16:creationId xmlns:a16="http://schemas.microsoft.com/office/drawing/2014/main" id="{ADA55559-403D-0852-2497-8AD36CADF640}"/>
-            </a:ext>
-          </a:extLst>
-        </p:cNvPr>
+        <p:cNvPr id="1" name="Shape 620"/>
         <p:cNvGrpSpPr/>
         <p:nvPr/>
       </p:nvGrpSpPr>
@@ -25145,13 +25172,7 @@
       </p:grpSpPr>
       <p:sp>
         <p:nvSpPr>
-          <p:cNvPr id="633" name="Google Shape;633;p34">
-            <a:extLst>
-              <a:ext uri="{FF2B5EF4-FFF2-40B4-BE49-F238E27FC236}">
-                <a16:creationId xmlns:a16="http://schemas.microsoft.com/office/drawing/2014/main" id="{86EB5251-60F7-ED5B-81AF-F19F19EB730F}"/>
-              </a:ext>
-            </a:extLst>
-          </p:cNvPr>
+          <p:cNvPr id="633" name="Google Shape;633;p34"/>
           <p:cNvSpPr txBox="1">
             <a:spLocks noGrp="1"/>
           </p:cNvSpPr>
@@ -25161,7 +25182,7 @@
         </p:nvSpPr>
         <p:spPr>
           <a:xfrm>
-            <a:off x="720000" y="539500"/>
+            <a:off x="794541" y="538121"/>
             <a:ext cx="7704000" cy="572700"/>
           </a:xfrm>
           <a:prstGeom prst="rect">
@@ -25185,13 +25206,7 @@
       </p:sp>
       <p:graphicFrame>
         <p:nvGraphicFramePr>
-          <p:cNvPr id="53" name="Diagrama 1">
-            <a:extLst>
-              <a:ext uri="{FF2B5EF4-FFF2-40B4-BE49-F238E27FC236}">
-                <a16:creationId xmlns:a16="http://schemas.microsoft.com/office/drawing/2014/main" id="{5D6A95C5-23CB-53D1-5F74-F580497BA08C}"/>
-              </a:ext>
-            </a:extLst>
-          </p:cNvPr>
+          <p:cNvPr id="2" name="Diagrama 1"/>
           <p:cNvGraphicFramePr/>
           <p:nvPr/>
         </p:nvGraphicFramePr>
@@ -25207,7 +25222,7 @@
       </p:graphicFrame>
       <p:graphicFrame>
         <p:nvGraphicFramePr>
-          <p:cNvPr id="54" name="Diagrama 2">
+          <p:cNvPr id="3" name="Diagrama 2">
             <a:extLst>
               <a:ext uri="{FF2B5EF4-FFF2-40B4-BE49-F238E27FC236}">
                 <a16:creationId xmlns:a16="http://schemas.microsoft.com/office/drawing/2014/main" id="{82F91AD5-889D-682F-0188-17811BDC62E6}"/>
@@ -25218,7 +25233,7 @@
           <p:nvPr>
             <p:extLst>
               <p:ext uri="{D42A27DB-BD31-4B8C-83A1-F6EECF244321}">
-                <p14:modId xmlns:p14="http://schemas.microsoft.com/office/powerpoint/2010/main" val="2248997940"/>
+                <p14:modId xmlns:p14="http://schemas.microsoft.com/office/powerpoint/2010/main" val="727060113"/>
               </p:ext>
             </p:extLst>
           </p:nvPr>
@@ -25235,7 +25250,66 @@
       </p:graphicFrame>
       <p:sp>
         <p:nvSpPr>
-          <p:cNvPr id="56" name="CuadroTexto 6">
+          <p:cNvPr id="6" name="CuadroTexto 5">
+            <a:extLst>
+              <a:ext uri="{FF2B5EF4-FFF2-40B4-BE49-F238E27FC236}">
+                <a16:creationId xmlns:a16="http://schemas.microsoft.com/office/drawing/2014/main" id="{F56E9262-ACFE-8ADC-8AFE-6F44FF07DC25}"/>
+              </a:ext>
+            </a:extLst>
+          </p:cNvPr>
+          <p:cNvSpPr txBox="1"/>
+          <p:nvPr/>
+        </p:nvSpPr>
+        <p:spPr>
+          <a:xfrm>
+            <a:off x="6078070" y="4305466"/>
+            <a:ext cx="2560320" cy="492443"/>
+          </a:xfrm>
+          <a:prstGeom prst="rect">
+            <a:avLst/>
+          </a:prstGeom>
+          <a:noFill/>
+        </p:spPr>
+        <p:txBody>
+          <a:bodyPr wrap="square" rtlCol="0">
+            <a:spAutoFit/>
+          </a:bodyPr>
+          <a:lstStyle/>
+          <a:p>
+            <a:r>
+              <a:rPr lang="es-ES" sz="1000" b="1" dirty="0">
+                <a:solidFill>
+                  <a:srgbClr val="002060"/>
+                </a:solidFill>
+              </a:rPr>
+              <a:t>SVM – </a:t>
+            </a:r>
+            <a:r>
+              <a:rPr lang="es-ES" sz="1000" b="1" dirty="0">
+                <a:solidFill>
+                  <a:schemeClr val="bg1"/>
+                </a:solidFill>
+              </a:rPr>
+              <a:t>Mario, Laura, </a:t>
+            </a:r>
+            <a:r>
+              <a:rPr lang="es-ES" sz="1000" b="1" dirty="0" err="1">
+                <a:solidFill>
+                  <a:schemeClr val="bg1"/>
+                </a:solidFill>
+              </a:rPr>
+              <a:t>Wenjia</a:t>
+            </a:r>
+            <a:endParaRPr lang="ca-ES" sz="1000" dirty="0"/>
+          </a:p>
+          <a:p>
+            <a:endParaRPr lang="ca-ES" sz="1600" dirty="0"/>
+          </a:p>
+        </p:txBody>
+      </p:sp>
+      <p:sp>
+        <p:nvSpPr>
+          <p:cNvPr id="7" name="CuadroTexto 6">
             <a:extLst>
               <a:ext uri="{FF2B5EF4-FFF2-40B4-BE49-F238E27FC236}">
                 <a16:creationId xmlns:a16="http://schemas.microsoft.com/office/drawing/2014/main" id="{41CF5255-C740-6850-5A26-FF12DEAB1B77}"/>
@@ -25259,235 +25333,7 @@
           <a:bodyPr wrap="square" rtlCol="0">
             <a:spAutoFit/>
           </a:bodyPr>
-          <a:lstStyle>
-            <a:defPPr marR="0" lvl="0" algn="l" rtl="0">
-              <a:lnSpc>
-                <a:spcPct val="100000"/>
-              </a:lnSpc>
-              <a:spcBef>
-                <a:spcPts val="0"/>
-              </a:spcBef>
-              <a:spcAft>
-                <a:spcPts val="0"/>
-              </a:spcAft>
-            </a:defPPr>
-            <a:lvl1pPr marR="0" lvl="0" algn="l" rtl="0">
-              <a:lnSpc>
-                <a:spcPct val="100000"/>
-              </a:lnSpc>
-              <a:spcBef>
-                <a:spcPts val="0"/>
-              </a:spcBef>
-              <a:spcAft>
-                <a:spcPts val="0"/>
-              </a:spcAft>
-              <a:buClr>
-                <a:srgbClr val="000000"/>
-              </a:buClr>
-              <a:buFont typeface="Arial" panose="020B0604020202020204"/>
-              <a:defRPr sz="1400" b="0" i="0" u="none" strike="noStrike" cap="none">
-                <a:solidFill>
-                  <a:srgbClr val="000000"/>
-                </a:solidFill>
-                <a:latin typeface="Arial" panose="020B0604020202020204"/>
-                <a:ea typeface="Arial" panose="020B0604020202020204"/>
-                <a:cs typeface="Arial" panose="020B0604020202020204"/>
-                <a:sym typeface="Arial" panose="020B0604020202020204"/>
-              </a:defRPr>
-            </a:lvl1pPr>
-            <a:lvl2pPr marR="0" lvl="1" algn="l" rtl="0">
-              <a:lnSpc>
-                <a:spcPct val="100000"/>
-              </a:lnSpc>
-              <a:spcBef>
-                <a:spcPts val="0"/>
-              </a:spcBef>
-              <a:spcAft>
-                <a:spcPts val="0"/>
-              </a:spcAft>
-              <a:buClr>
-                <a:srgbClr val="000000"/>
-              </a:buClr>
-              <a:buFont typeface="Arial" panose="020B0604020202020204"/>
-              <a:defRPr sz="1400" b="0" i="0" u="none" strike="noStrike" cap="none">
-                <a:solidFill>
-                  <a:srgbClr val="000000"/>
-                </a:solidFill>
-                <a:latin typeface="Arial" panose="020B0604020202020204"/>
-                <a:ea typeface="Arial" panose="020B0604020202020204"/>
-                <a:cs typeface="Arial" panose="020B0604020202020204"/>
-                <a:sym typeface="Arial" panose="020B0604020202020204"/>
-              </a:defRPr>
-            </a:lvl2pPr>
-            <a:lvl3pPr marR="0" lvl="2" algn="l" rtl="0">
-              <a:lnSpc>
-                <a:spcPct val="100000"/>
-              </a:lnSpc>
-              <a:spcBef>
-                <a:spcPts val="0"/>
-              </a:spcBef>
-              <a:spcAft>
-                <a:spcPts val="0"/>
-              </a:spcAft>
-              <a:buClr>
-                <a:srgbClr val="000000"/>
-              </a:buClr>
-              <a:buFont typeface="Arial" panose="020B0604020202020204"/>
-              <a:defRPr sz="1400" b="0" i="0" u="none" strike="noStrike" cap="none">
-                <a:solidFill>
-                  <a:srgbClr val="000000"/>
-                </a:solidFill>
-                <a:latin typeface="Arial" panose="020B0604020202020204"/>
-                <a:ea typeface="Arial" panose="020B0604020202020204"/>
-                <a:cs typeface="Arial" panose="020B0604020202020204"/>
-                <a:sym typeface="Arial" panose="020B0604020202020204"/>
-              </a:defRPr>
-            </a:lvl3pPr>
-            <a:lvl4pPr marR="0" lvl="3" algn="l" rtl="0">
-              <a:lnSpc>
-                <a:spcPct val="100000"/>
-              </a:lnSpc>
-              <a:spcBef>
-                <a:spcPts val="0"/>
-              </a:spcBef>
-              <a:spcAft>
-                <a:spcPts val="0"/>
-              </a:spcAft>
-              <a:buClr>
-                <a:srgbClr val="000000"/>
-              </a:buClr>
-              <a:buFont typeface="Arial" panose="020B0604020202020204"/>
-              <a:defRPr sz="1400" b="0" i="0" u="none" strike="noStrike" cap="none">
-                <a:solidFill>
-                  <a:srgbClr val="000000"/>
-                </a:solidFill>
-                <a:latin typeface="Arial" panose="020B0604020202020204"/>
-                <a:ea typeface="Arial" panose="020B0604020202020204"/>
-                <a:cs typeface="Arial" panose="020B0604020202020204"/>
-                <a:sym typeface="Arial" panose="020B0604020202020204"/>
-              </a:defRPr>
-            </a:lvl4pPr>
-            <a:lvl5pPr marR="0" lvl="4" algn="l" rtl="0">
-              <a:lnSpc>
-                <a:spcPct val="100000"/>
-              </a:lnSpc>
-              <a:spcBef>
-                <a:spcPts val="0"/>
-              </a:spcBef>
-              <a:spcAft>
-                <a:spcPts val="0"/>
-              </a:spcAft>
-              <a:buClr>
-                <a:srgbClr val="000000"/>
-              </a:buClr>
-              <a:buFont typeface="Arial" panose="020B0604020202020204"/>
-              <a:defRPr sz="1400" b="0" i="0" u="none" strike="noStrike" cap="none">
-                <a:solidFill>
-                  <a:srgbClr val="000000"/>
-                </a:solidFill>
-                <a:latin typeface="Arial" panose="020B0604020202020204"/>
-                <a:ea typeface="Arial" panose="020B0604020202020204"/>
-                <a:cs typeface="Arial" panose="020B0604020202020204"/>
-                <a:sym typeface="Arial" panose="020B0604020202020204"/>
-              </a:defRPr>
-            </a:lvl5pPr>
-            <a:lvl6pPr marR="0" lvl="5" algn="l" rtl="0">
-              <a:lnSpc>
-                <a:spcPct val="100000"/>
-              </a:lnSpc>
-              <a:spcBef>
-                <a:spcPts val="0"/>
-              </a:spcBef>
-              <a:spcAft>
-                <a:spcPts val="0"/>
-              </a:spcAft>
-              <a:buClr>
-                <a:srgbClr val="000000"/>
-              </a:buClr>
-              <a:buFont typeface="Arial" panose="020B0604020202020204"/>
-              <a:defRPr sz="1400" b="0" i="0" u="none" strike="noStrike" cap="none">
-                <a:solidFill>
-                  <a:srgbClr val="000000"/>
-                </a:solidFill>
-                <a:latin typeface="Arial" panose="020B0604020202020204"/>
-                <a:ea typeface="Arial" panose="020B0604020202020204"/>
-                <a:cs typeface="Arial" panose="020B0604020202020204"/>
-                <a:sym typeface="Arial" panose="020B0604020202020204"/>
-              </a:defRPr>
-            </a:lvl6pPr>
-            <a:lvl7pPr marR="0" lvl="6" algn="l" rtl="0">
-              <a:lnSpc>
-                <a:spcPct val="100000"/>
-              </a:lnSpc>
-              <a:spcBef>
-                <a:spcPts val="0"/>
-              </a:spcBef>
-              <a:spcAft>
-                <a:spcPts val="0"/>
-              </a:spcAft>
-              <a:buClr>
-                <a:srgbClr val="000000"/>
-              </a:buClr>
-              <a:buFont typeface="Arial" panose="020B0604020202020204"/>
-              <a:defRPr sz="1400" b="0" i="0" u="none" strike="noStrike" cap="none">
-                <a:solidFill>
-                  <a:srgbClr val="000000"/>
-                </a:solidFill>
-                <a:latin typeface="Arial" panose="020B0604020202020204"/>
-                <a:ea typeface="Arial" panose="020B0604020202020204"/>
-                <a:cs typeface="Arial" panose="020B0604020202020204"/>
-                <a:sym typeface="Arial" panose="020B0604020202020204"/>
-              </a:defRPr>
-            </a:lvl7pPr>
-            <a:lvl8pPr marR="0" lvl="7" algn="l" rtl="0">
-              <a:lnSpc>
-                <a:spcPct val="100000"/>
-              </a:lnSpc>
-              <a:spcBef>
-                <a:spcPts val="0"/>
-              </a:spcBef>
-              <a:spcAft>
-                <a:spcPts val="0"/>
-              </a:spcAft>
-              <a:buClr>
-                <a:srgbClr val="000000"/>
-              </a:buClr>
-              <a:buFont typeface="Arial" panose="020B0604020202020204"/>
-              <a:defRPr sz="1400" b="0" i="0" u="none" strike="noStrike" cap="none">
-                <a:solidFill>
-                  <a:srgbClr val="000000"/>
-                </a:solidFill>
-                <a:latin typeface="Arial" panose="020B0604020202020204"/>
-                <a:ea typeface="Arial" panose="020B0604020202020204"/>
-                <a:cs typeface="Arial" panose="020B0604020202020204"/>
-                <a:sym typeface="Arial" panose="020B0604020202020204"/>
-              </a:defRPr>
-            </a:lvl8pPr>
-            <a:lvl9pPr marR="0" lvl="8" algn="l" rtl="0">
-              <a:lnSpc>
-                <a:spcPct val="100000"/>
-              </a:lnSpc>
-              <a:spcBef>
-                <a:spcPts val="0"/>
-              </a:spcBef>
-              <a:spcAft>
-                <a:spcPts val="0"/>
-              </a:spcAft>
-              <a:buClr>
-                <a:srgbClr val="000000"/>
-              </a:buClr>
-              <a:buFont typeface="Arial" panose="020B0604020202020204"/>
-              <a:defRPr sz="1400" b="0" i="0" u="none" strike="noStrike" cap="none">
-                <a:solidFill>
-                  <a:srgbClr val="000000"/>
-                </a:solidFill>
-                <a:latin typeface="Arial" panose="020B0604020202020204"/>
-                <a:ea typeface="Arial" panose="020B0604020202020204"/>
-                <a:cs typeface="Arial" panose="020B0604020202020204"/>
-                <a:sym typeface="Arial" panose="020B0604020202020204"/>
-              </a:defRPr>
-            </a:lvl9pPr>
-          </a:lstStyle>
+          <a:lstStyle/>
           <a:p>
             <a:pPr marL="285750" indent="-285750">
               <a:buFont typeface="Arial" panose="020B0604020202020204" pitchFamily="34" charset="0"/>
@@ -25571,11 +25417,6 @@
         </p:txBody>
       </p:sp>
     </p:spTree>
-    <p:extLst>
-      <p:ext uri="{BB962C8B-B14F-4D97-AF65-F5344CB8AC3E}">
-        <p14:creationId xmlns:p14="http://schemas.microsoft.com/office/powerpoint/2010/main" val="1273872839"/>
-      </p:ext>
-    </p:extLst>
   </p:cSld>
   <p:clrMapOvr>
     <a:masterClrMapping/>
